--- a/Round-2.pptx
+++ b/Round-2.pptx
@@ -2,7 +2,7 @@
 <file path=ppt/presentation.xml><?xml version="1.0" encoding="utf-8"?>
 <p:presentation xmlns:a="http://schemas.openxmlformats.org/drawingml/2006/main" xmlns:r="http://schemas.openxmlformats.org/officeDocument/2006/relationships" xmlns:p="http://schemas.openxmlformats.org/presentationml/2006/main" saveSubsetFonts="1">
   <p:sldMasterIdLst>
-    <p:sldMasterId id="2147483792" r:id="rId1"/>
+    <p:sldMasterId id="2147483804" r:id="rId1"/>
   </p:sldMasterIdLst>
   <p:sldIdLst>
     <p:sldId id="256" r:id="rId2"/>
@@ -12,6 +12,7 @@
     <p:sldId id="259" r:id="rId6"/>
     <p:sldId id="260" r:id="rId7"/>
     <p:sldId id="261" r:id="rId8"/>
+    <p:sldId id="263" r:id="rId9"/>
   </p:sldIdLst>
   <p:sldSz cx="12192000" cy="6858000"/>
   <p:notesSz cx="6858000" cy="9144000"/>
@@ -1698,22 +1699,25 @@
         </p:nvSpPr>
         <p:spPr>
           <a:xfrm>
-            <a:off x="1524000" y="1122363"/>
-            <a:ext cx="9144000" cy="2387600"/>
+            <a:off x="1595269" y="1122363"/>
+            <a:ext cx="9001462" cy="2387600"/>
           </a:xfrm>
         </p:spPr>
         <p:txBody>
-          <a:bodyPr anchor="b"/>
+          <a:bodyPr anchor="b">
+            <a:normAutofit/>
+          </a:bodyPr>
           <a:lstStyle>
             <a:lvl1pPr algn="ctr">
-              <a:defRPr sz="6000"/>
+              <a:defRPr sz="4800"/>
             </a:lvl1pPr>
           </a:lstStyle>
           <a:p>
             <a:r>
-              <a:rPr lang="en-US" dirty="0"/>
+              <a:rPr lang="en-US" smtClean="0"/>
               <a:t>Click to edit Master title style</a:t>
             </a:r>
+            <a:endParaRPr lang="en-US" dirty="0"/>
           </a:p>
         </p:txBody>
       </p:sp>
@@ -1729,8 +1733,8 @@
         </p:nvSpPr>
         <p:spPr>
           <a:xfrm>
-            <a:off x="1524000" y="3602038"/>
-            <a:ext cx="9144000" cy="1655762"/>
+            <a:off x="1595269" y="3602038"/>
+            <a:ext cx="9001462" cy="1655762"/>
           </a:xfrm>
         </p:spPr>
         <p:txBody>
@@ -1775,9 +1779,10 @@
           </a:lstStyle>
           <a:p>
             <a:r>
-              <a:rPr lang="en-US" dirty="0"/>
+              <a:rPr lang="en-US" smtClean="0"/>
               <a:t>Click to edit Master subtitle style</a:t>
             </a:r>
+            <a:endParaRPr lang="en-US" dirty="0"/>
           </a:p>
         </p:txBody>
       </p:sp>
@@ -1797,7 +1802,7 @@
           <a:lstStyle/>
           <a:p>
             <a:fld id="{C764DE79-268F-4C1A-8933-263129D2AF90}" type="datetimeFigureOut">
-              <a:rPr lang="en-US" dirty="0"/>
+              <a:rPr lang="en-US" smtClean="0"/>
               <a:t>7/15/2021</a:t>
             </a:fld>
             <a:endParaRPr lang="en-US" dirty="0"/>
@@ -1839,7 +1844,7 @@
           <a:lstStyle/>
           <a:p>
             <a:fld id="{48F63A3B-78C7-47BE-AE5E-E10140E04643}" type="slidenum">
-              <a:rPr lang="en-US" dirty="0"/>
+              <a:rPr lang="en-US" smtClean="0"/>
               <a:t>‹#›</a:t>
             </a:fld>
             <a:endParaRPr lang="en-US" dirty="0"/>
@@ -1849,7 +1854,7 @@
     </p:spTree>
     <p:extLst>
       <p:ext uri="{BB962C8B-B14F-4D97-AF65-F5344CB8AC3E}">
-        <p14:creationId xmlns:p14="http://schemas.microsoft.com/office/powerpoint/2010/main" val="4203456094"/>
+        <p14:creationId xmlns:p14="http://schemas.microsoft.com/office/powerpoint/2010/main" val="2572349606"/>
       </p:ext>
     </p:extLst>
   </p:cSld>
@@ -1860,6 +1865,2556 @@
 </file>
 
 <file path=ppt/slideLayouts/slideLayout10.xml><?xml version="1.0" encoding="utf-8"?>
+<p:sldLayout xmlns:a="http://schemas.openxmlformats.org/drawingml/2006/main" xmlns:r="http://schemas.openxmlformats.org/officeDocument/2006/relationships" xmlns:p="http://schemas.openxmlformats.org/presentationml/2006/main" preserve="1">
+  <p:cSld name="Panoramic Picture with Caption">
+    <p:spTree>
+      <p:nvGrpSpPr>
+        <p:cNvPr id="1" name=""/>
+        <p:cNvGrpSpPr/>
+        <p:nvPr/>
+      </p:nvGrpSpPr>
+      <p:grpSpPr>
+        <a:xfrm>
+          <a:off x="0" y="0"/>
+          <a:ext cx="0" cy="0"/>
+          <a:chOff x="0" y="0"/>
+          <a:chExt cx="0" cy="0"/>
+        </a:xfrm>
+      </p:grpSpPr>
+      <p:sp>
+        <p:nvSpPr>
+          <p:cNvPr id="2" name="Title 1"/>
+          <p:cNvSpPr>
+            <a:spLocks noGrp="1"/>
+          </p:cNvSpPr>
+          <p:nvPr>
+            <p:ph type="title"/>
+          </p:nvPr>
+        </p:nvSpPr>
+        <p:spPr>
+          <a:xfrm>
+            <a:off x="913806" y="4289372"/>
+            <a:ext cx="10367564" cy="819355"/>
+          </a:xfrm>
+        </p:spPr>
+        <p:txBody>
+          <a:bodyPr anchor="b">
+            <a:normAutofit/>
+          </a:bodyPr>
+          <a:lstStyle>
+            <a:lvl1pPr>
+              <a:defRPr sz="2800"/>
+            </a:lvl1pPr>
+          </a:lstStyle>
+          <a:p>
+            <a:r>
+              <a:rPr lang="en-US" smtClean="0"/>
+              <a:t>Click to edit Master title style</a:t>
+            </a:r>
+            <a:endParaRPr lang="en-US" dirty="0"/>
+          </a:p>
+        </p:txBody>
+      </p:sp>
+      <p:sp>
+        <p:nvSpPr>
+          <p:cNvPr id="3" name="Picture Placeholder 2"/>
+          <p:cNvSpPr>
+            <a:spLocks noGrp="1" noChangeAspect="1"/>
+          </p:cNvSpPr>
+          <p:nvPr>
+            <p:ph type="pic" idx="1"/>
+          </p:nvPr>
+        </p:nvSpPr>
+        <p:spPr>
+          <a:xfrm>
+            <a:off x="913806" y="621321"/>
+            <a:ext cx="10367564" cy="3379735"/>
+          </a:xfrm>
+          <a:noFill/>
+          <a:ln w="190500" cap="sq">
+            <a:solidFill>
+              <a:srgbClr val="FFFFFF"/>
+            </a:solidFill>
+            <a:miter lim="800000"/>
+          </a:ln>
+          <a:effectLst>
+            <a:outerShdw blurRad="55000" dist="18000" dir="5400000" algn="tl" rotWithShape="0">
+              <a:srgbClr val="000000">
+                <a:alpha val="40000"/>
+              </a:srgbClr>
+            </a:outerShdw>
+          </a:effectLst>
+          <a:scene3d>
+            <a:camera prst="orthographicFront"/>
+            <a:lightRig rig="twoPt" dir="t">
+              <a:rot lat="0" lon="0" rev="7200000"/>
+            </a:lightRig>
+          </a:scene3d>
+          <a:sp3d>
+            <a:bevelT w="25400" h="19050"/>
+            <a:contourClr>
+              <a:srgbClr val="FFFFFF"/>
+            </a:contourClr>
+          </a:sp3d>
+        </p:spPr>
+        <p:txBody>
+          <a:bodyPr anchor="t"/>
+          <a:lstStyle>
+            <a:lvl1pPr marL="0" indent="0" algn="ctr">
+              <a:buNone/>
+              <a:defRPr sz="3200"/>
+            </a:lvl1pPr>
+            <a:lvl2pPr marL="457200" indent="0">
+              <a:buNone/>
+              <a:defRPr sz="2800"/>
+            </a:lvl2pPr>
+            <a:lvl3pPr marL="914400" indent="0">
+              <a:buNone/>
+              <a:defRPr sz="2400"/>
+            </a:lvl3pPr>
+            <a:lvl4pPr marL="1371600" indent="0">
+              <a:buNone/>
+              <a:defRPr sz="2000"/>
+            </a:lvl4pPr>
+            <a:lvl5pPr marL="1828800" indent="0">
+              <a:buNone/>
+              <a:defRPr sz="2000"/>
+            </a:lvl5pPr>
+            <a:lvl6pPr marL="2286000" indent="0">
+              <a:buNone/>
+              <a:defRPr sz="2000"/>
+            </a:lvl6pPr>
+            <a:lvl7pPr marL="2743200" indent="0">
+              <a:buNone/>
+              <a:defRPr sz="2000"/>
+            </a:lvl7pPr>
+            <a:lvl8pPr marL="3200400" indent="0">
+              <a:buNone/>
+              <a:defRPr sz="2000"/>
+            </a:lvl8pPr>
+            <a:lvl9pPr marL="3657600" indent="0">
+              <a:buNone/>
+              <a:defRPr sz="2000"/>
+            </a:lvl9pPr>
+          </a:lstStyle>
+          <a:p>
+            <a:r>
+              <a:rPr lang="en-US" smtClean="0"/>
+              <a:t>Click icon to add picture</a:t>
+            </a:r>
+            <a:endParaRPr lang="en-US" dirty="0"/>
+          </a:p>
+        </p:txBody>
+      </p:sp>
+      <p:sp>
+        <p:nvSpPr>
+          <p:cNvPr id="4" name="Text Placeholder 3"/>
+          <p:cNvSpPr>
+            <a:spLocks noGrp="1"/>
+          </p:cNvSpPr>
+          <p:nvPr>
+            <p:ph type="body" sz="half" idx="2"/>
+          </p:nvPr>
+        </p:nvSpPr>
+        <p:spPr>
+          <a:xfrm>
+            <a:off x="913795" y="5108728"/>
+            <a:ext cx="10365998" cy="682472"/>
+          </a:xfrm>
+        </p:spPr>
+        <p:txBody>
+          <a:bodyPr>
+            <a:normAutofit/>
+          </a:bodyPr>
+          <a:lstStyle>
+            <a:lvl1pPr marL="0" indent="0" algn="ctr">
+              <a:buNone/>
+              <a:defRPr sz="1800"/>
+            </a:lvl1pPr>
+            <a:lvl2pPr marL="457200" indent="0">
+              <a:buNone/>
+              <a:defRPr sz="1400"/>
+            </a:lvl2pPr>
+            <a:lvl3pPr marL="914400" indent="0">
+              <a:buNone/>
+              <a:defRPr sz="1200"/>
+            </a:lvl3pPr>
+            <a:lvl4pPr marL="1371600" indent="0">
+              <a:buNone/>
+              <a:defRPr sz="1000"/>
+            </a:lvl4pPr>
+            <a:lvl5pPr marL="1828800" indent="0">
+              <a:buNone/>
+              <a:defRPr sz="1000"/>
+            </a:lvl5pPr>
+            <a:lvl6pPr marL="2286000" indent="0">
+              <a:buNone/>
+              <a:defRPr sz="1000"/>
+            </a:lvl6pPr>
+            <a:lvl7pPr marL="2743200" indent="0">
+              <a:buNone/>
+              <a:defRPr sz="1000"/>
+            </a:lvl7pPr>
+            <a:lvl8pPr marL="3200400" indent="0">
+              <a:buNone/>
+              <a:defRPr sz="1000"/>
+            </a:lvl8pPr>
+            <a:lvl9pPr marL="3657600" indent="0">
+              <a:buNone/>
+              <a:defRPr sz="1000"/>
+            </a:lvl9pPr>
+          </a:lstStyle>
+          <a:p>
+            <a:pPr lvl="0"/>
+            <a:r>
+              <a:rPr lang="en-US" smtClean="0"/>
+              <a:t>Edit Master text styles</a:t>
+            </a:r>
+          </a:p>
+        </p:txBody>
+      </p:sp>
+      <p:sp>
+        <p:nvSpPr>
+          <p:cNvPr id="5" name="Date Placeholder 4"/>
+          <p:cNvSpPr>
+            <a:spLocks noGrp="1"/>
+          </p:cNvSpPr>
+          <p:nvPr>
+            <p:ph type="dt" sz="half" idx="10"/>
+          </p:nvPr>
+        </p:nvSpPr>
+        <p:spPr/>
+        <p:txBody>
+          <a:bodyPr/>
+          <a:lstStyle/>
+          <a:p>
+            <a:fld id="{C764DE79-268F-4C1A-8933-263129D2AF90}" type="datetimeFigureOut">
+              <a:rPr lang="en-US" smtClean="0"/>
+              <a:t>7/15/2021</a:t>
+            </a:fld>
+            <a:endParaRPr lang="en-US" dirty="0"/>
+          </a:p>
+        </p:txBody>
+      </p:sp>
+      <p:sp>
+        <p:nvSpPr>
+          <p:cNvPr id="6" name="Footer Placeholder 5"/>
+          <p:cNvSpPr>
+            <a:spLocks noGrp="1"/>
+          </p:cNvSpPr>
+          <p:nvPr>
+            <p:ph type="ftr" sz="quarter" idx="11"/>
+          </p:nvPr>
+        </p:nvSpPr>
+        <p:spPr/>
+        <p:txBody>
+          <a:bodyPr/>
+          <a:lstStyle/>
+          <a:p>
+            <a:endParaRPr lang="en-US" dirty="0"/>
+          </a:p>
+        </p:txBody>
+      </p:sp>
+      <p:sp>
+        <p:nvSpPr>
+          <p:cNvPr id="7" name="Slide Number Placeholder 6"/>
+          <p:cNvSpPr>
+            <a:spLocks noGrp="1"/>
+          </p:cNvSpPr>
+          <p:nvPr>
+            <p:ph type="sldNum" sz="quarter" idx="12"/>
+          </p:nvPr>
+        </p:nvSpPr>
+        <p:spPr/>
+        <p:txBody>
+          <a:bodyPr/>
+          <a:lstStyle/>
+          <a:p>
+            <a:fld id="{48F63A3B-78C7-47BE-AE5E-E10140E04643}" type="slidenum">
+              <a:rPr lang="en-US" smtClean="0"/>
+              <a:t>‹#›</a:t>
+            </a:fld>
+            <a:endParaRPr lang="en-US" dirty="0"/>
+          </a:p>
+        </p:txBody>
+      </p:sp>
+    </p:spTree>
+    <p:extLst>
+      <p:ext uri="{BB962C8B-B14F-4D97-AF65-F5344CB8AC3E}">
+        <p14:creationId xmlns:p14="http://schemas.microsoft.com/office/powerpoint/2010/main" val="3551333080"/>
+      </p:ext>
+    </p:extLst>
+  </p:cSld>
+  <p:clrMapOvr>
+    <a:masterClrMapping/>
+  </p:clrMapOvr>
+</p:sldLayout>
+</file>
+
+<file path=ppt/slideLayouts/slideLayout11.xml><?xml version="1.0" encoding="utf-8"?>
+<p:sldLayout xmlns:a="http://schemas.openxmlformats.org/drawingml/2006/main" xmlns:r="http://schemas.openxmlformats.org/officeDocument/2006/relationships" xmlns:p="http://schemas.openxmlformats.org/presentationml/2006/main" preserve="1">
+  <p:cSld name="Title and Caption">
+    <p:spTree>
+      <p:nvGrpSpPr>
+        <p:cNvPr id="1" name=""/>
+        <p:cNvGrpSpPr/>
+        <p:nvPr/>
+      </p:nvGrpSpPr>
+      <p:grpSpPr>
+        <a:xfrm>
+          <a:off x="0" y="0"/>
+          <a:ext cx="0" cy="0"/>
+          <a:chOff x="0" y="0"/>
+          <a:chExt cx="0" cy="0"/>
+        </a:xfrm>
+      </p:grpSpPr>
+      <p:sp>
+        <p:nvSpPr>
+          <p:cNvPr id="2" name="Title 1"/>
+          <p:cNvSpPr>
+            <a:spLocks noGrp="1"/>
+          </p:cNvSpPr>
+          <p:nvPr>
+            <p:ph type="title"/>
+          </p:nvPr>
+        </p:nvSpPr>
+        <p:spPr>
+          <a:xfrm>
+            <a:off x="913795" y="609600"/>
+            <a:ext cx="10353762" cy="3424859"/>
+          </a:xfrm>
+        </p:spPr>
+        <p:txBody>
+          <a:bodyPr anchor="ctr"/>
+          <a:lstStyle>
+            <a:lvl1pPr>
+              <a:defRPr sz="3200"/>
+            </a:lvl1pPr>
+          </a:lstStyle>
+          <a:p>
+            <a:r>
+              <a:rPr lang="en-US" smtClean="0"/>
+              <a:t>Click to edit Master title style</a:t>
+            </a:r>
+            <a:endParaRPr lang="en-US" dirty="0"/>
+          </a:p>
+        </p:txBody>
+      </p:sp>
+      <p:sp>
+        <p:nvSpPr>
+          <p:cNvPr id="4" name="Text Placeholder 3"/>
+          <p:cNvSpPr>
+            <a:spLocks noGrp="1"/>
+          </p:cNvSpPr>
+          <p:nvPr>
+            <p:ph type="body" sz="half" idx="2"/>
+          </p:nvPr>
+        </p:nvSpPr>
+        <p:spPr>
+          <a:xfrm>
+            <a:off x="913795" y="4204820"/>
+            <a:ext cx="10353761" cy="1592186"/>
+          </a:xfrm>
+        </p:spPr>
+        <p:txBody>
+          <a:bodyPr anchor="ctr"/>
+          <a:lstStyle>
+            <a:lvl1pPr marL="0" indent="0" algn="ctr">
+              <a:buNone/>
+              <a:defRPr sz="1600"/>
+            </a:lvl1pPr>
+            <a:lvl2pPr marL="457200" indent="0">
+              <a:buNone/>
+              <a:defRPr sz="1400"/>
+            </a:lvl2pPr>
+            <a:lvl3pPr marL="914400" indent="0">
+              <a:buNone/>
+              <a:defRPr sz="1200"/>
+            </a:lvl3pPr>
+            <a:lvl4pPr marL="1371600" indent="0">
+              <a:buNone/>
+              <a:defRPr sz="1000"/>
+            </a:lvl4pPr>
+            <a:lvl5pPr marL="1828800" indent="0">
+              <a:buNone/>
+              <a:defRPr sz="1000"/>
+            </a:lvl5pPr>
+            <a:lvl6pPr marL="2286000" indent="0">
+              <a:buNone/>
+              <a:defRPr sz="1000"/>
+            </a:lvl6pPr>
+            <a:lvl7pPr marL="2743200" indent="0">
+              <a:buNone/>
+              <a:defRPr sz="1000"/>
+            </a:lvl7pPr>
+            <a:lvl8pPr marL="3200400" indent="0">
+              <a:buNone/>
+              <a:defRPr sz="1000"/>
+            </a:lvl8pPr>
+            <a:lvl9pPr marL="3657600" indent="0">
+              <a:buNone/>
+              <a:defRPr sz="1000"/>
+            </a:lvl9pPr>
+          </a:lstStyle>
+          <a:p>
+            <a:pPr lvl="0"/>
+            <a:r>
+              <a:rPr lang="en-US" smtClean="0"/>
+              <a:t>Edit Master text styles</a:t>
+            </a:r>
+          </a:p>
+        </p:txBody>
+      </p:sp>
+      <p:sp>
+        <p:nvSpPr>
+          <p:cNvPr id="5" name="Date Placeholder 4"/>
+          <p:cNvSpPr>
+            <a:spLocks noGrp="1"/>
+          </p:cNvSpPr>
+          <p:nvPr>
+            <p:ph type="dt" sz="half" idx="10"/>
+          </p:nvPr>
+        </p:nvSpPr>
+        <p:spPr/>
+        <p:txBody>
+          <a:bodyPr/>
+          <a:lstStyle/>
+          <a:p>
+            <a:fld id="{C764DE79-268F-4C1A-8933-263129D2AF90}" type="datetimeFigureOut">
+              <a:rPr lang="en-US" smtClean="0"/>
+              <a:t>7/15/2021</a:t>
+            </a:fld>
+            <a:endParaRPr lang="en-US" dirty="0"/>
+          </a:p>
+        </p:txBody>
+      </p:sp>
+      <p:sp>
+        <p:nvSpPr>
+          <p:cNvPr id="6" name="Footer Placeholder 5"/>
+          <p:cNvSpPr>
+            <a:spLocks noGrp="1"/>
+          </p:cNvSpPr>
+          <p:nvPr>
+            <p:ph type="ftr" sz="quarter" idx="11"/>
+          </p:nvPr>
+        </p:nvSpPr>
+        <p:spPr/>
+        <p:txBody>
+          <a:bodyPr/>
+          <a:lstStyle/>
+          <a:p>
+            <a:endParaRPr lang="en-US" dirty="0"/>
+          </a:p>
+        </p:txBody>
+      </p:sp>
+      <p:sp>
+        <p:nvSpPr>
+          <p:cNvPr id="7" name="Slide Number Placeholder 6"/>
+          <p:cNvSpPr>
+            <a:spLocks noGrp="1"/>
+          </p:cNvSpPr>
+          <p:nvPr>
+            <p:ph type="sldNum" sz="quarter" idx="12"/>
+          </p:nvPr>
+        </p:nvSpPr>
+        <p:spPr/>
+        <p:txBody>
+          <a:bodyPr/>
+          <a:lstStyle/>
+          <a:p>
+            <a:fld id="{48F63A3B-78C7-47BE-AE5E-E10140E04643}" type="slidenum">
+              <a:rPr lang="en-US" smtClean="0"/>
+              <a:t>‹#›</a:t>
+            </a:fld>
+            <a:endParaRPr lang="en-US" dirty="0"/>
+          </a:p>
+        </p:txBody>
+      </p:sp>
+    </p:spTree>
+    <p:extLst>
+      <p:ext uri="{BB962C8B-B14F-4D97-AF65-F5344CB8AC3E}">
+        <p14:creationId xmlns:p14="http://schemas.microsoft.com/office/powerpoint/2010/main" val="2376115307"/>
+      </p:ext>
+    </p:extLst>
+  </p:cSld>
+  <p:clrMapOvr>
+    <a:masterClrMapping/>
+  </p:clrMapOvr>
+</p:sldLayout>
+</file>
+
+<file path=ppt/slideLayouts/slideLayout12.xml><?xml version="1.0" encoding="utf-8"?>
+<p:sldLayout xmlns:a="http://schemas.openxmlformats.org/drawingml/2006/main" xmlns:r="http://schemas.openxmlformats.org/officeDocument/2006/relationships" xmlns:p="http://schemas.openxmlformats.org/presentationml/2006/main" preserve="1">
+  <p:cSld name="Quote with Caption">
+    <p:spTree>
+      <p:nvGrpSpPr>
+        <p:cNvPr id="1" name=""/>
+        <p:cNvGrpSpPr/>
+        <p:nvPr/>
+      </p:nvGrpSpPr>
+      <p:grpSpPr>
+        <a:xfrm>
+          <a:off x="0" y="0"/>
+          <a:ext cx="0" cy="0"/>
+          <a:chOff x="0" y="0"/>
+          <a:chExt cx="0" cy="0"/>
+        </a:xfrm>
+      </p:grpSpPr>
+      <p:sp>
+        <p:nvSpPr>
+          <p:cNvPr id="2" name="Title 1"/>
+          <p:cNvSpPr>
+            <a:spLocks noGrp="1"/>
+          </p:cNvSpPr>
+          <p:nvPr>
+            <p:ph type="title"/>
+          </p:nvPr>
+        </p:nvSpPr>
+        <p:spPr>
+          <a:xfrm>
+            <a:off x="1446212" y="609600"/>
+            <a:ext cx="9302752" cy="2992904"/>
+          </a:xfrm>
+        </p:spPr>
+        <p:txBody>
+          <a:bodyPr anchor="ctr"/>
+          <a:lstStyle>
+            <a:lvl1pPr>
+              <a:defRPr sz="3200"/>
+            </a:lvl1pPr>
+          </a:lstStyle>
+          <a:p>
+            <a:r>
+              <a:rPr lang="en-US" smtClean="0"/>
+              <a:t>Click to edit Master title style</a:t>
+            </a:r>
+            <a:endParaRPr lang="en-US" dirty="0"/>
+          </a:p>
+        </p:txBody>
+      </p:sp>
+      <p:sp>
+        <p:nvSpPr>
+          <p:cNvPr id="12" name="Text Placeholder 3"/>
+          <p:cNvSpPr>
+            <a:spLocks noGrp="1"/>
+          </p:cNvSpPr>
+          <p:nvPr>
+            <p:ph type="body" sz="half" idx="13"/>
+          </p:nvPr>
+        </p:nvSpPr>
+        <p:spPr>
+          <a:xfrm>
+            <a:off x="1720644" y="3610032"/>
+            <a:ext cx="8752299" cy="426812"/>
+          </a:xfrm>
+        </p:spPr>
+        <p:txBody>
+          <a:bodyPr anchor="t">
+            <a:normAutofit/>
+          </a:bodyPr>
+          <a:lstStyle>
+            <a:lvl1pPr marL="0" indent="0" algn="r">
+              <a:buNone/>
+              <a:defRPr sz="1400"/>
+            </a:lvl1pPr>
+            <a:lvl2pPr marL="457200" indent="0">
+              <a:buNone/>
+              <a:defRPr sz="1400"/>
+            </a:lvl2pPr>
+            <a:lvl3pPr marL="914400" indent="0">
+              <a:buNone/>
+              <a:defRPr sz="1200"/>
+            </a:lvl3pPr>
+            <a:lvl4pPr marL="1371600" indent="0">
+              <a:buNone/>
+              <a:defRPr sz="1000"/>
+            </a:lvl4pPr>
+            <a:lvl5pPr marL="1828800" indent="0">
+              <a:buNone/>
+              <a:defRPr sz="1000"/>
+            </a:lvl5pPr>
+            <a:lvl6pPr marL="2286000" indent="0">
+              <a:buNone/>
+              <a:defRPr sz="1000"/>
+            </a:lvl6pPr>
+            <a:lvl7pPr marL="2743200" indent="0">
+              <a:buNone/>
+              <a:defRPr sz="1000"/>
+            </a:lvl7pPr>
+            <a:lvl8pPr marL="3200400" indent="0">
+              <a:buNone/>
+              <a:defRPr sz="1000"/>
+            </a:lvl8pPr>
+            <a:lvl9pPr marL="3657600" indent="0">
+              <a:buNone/>
+              <a:defRPr sz="1000"/>
+            </a:lvl9pPr>
+          </a:lstStyle>
+          <a:p>
+            <a:pPr lvl="0"/>
+            <a:r>
+              <a:rPr lang="en-US" smtClean="0"/>
+              <a:t>Edit Master text styles</a:t>
+            </a:r>
+          </a:p>
+        </p:txBody>
+      </p:sp>
+      <p:sp>
+        <p:nvSpPr>
+          <p:cNvPr id="4" name="Text Placeholder 3"/>
+          <p:cNvSpPr>
+            <a:spLocks noGrp="1"/>
+          </p:cNvSpPr>
+          <p:nvPr>
+            <p:ph type="body" sz="half" idx="2"/>
+          </p:nvPr>
+        </p:nvSpPr>
+        <p:spPr>
+          <a:xfrm>
+            <a:off x="913794" y="4204821"/>
+            <a:ext cx="10353762" cy="1586380"/>
+          </a:xfrm>
+        </p:spPr>
+        <p:txBody>
+          <a:bodyPr anchor="ctr">
+            <a:normAutofit/>
+          </a:bodyPr>
+          <a:lstStyle>
+            <a:lvl1pPr marL="0" indent="0" algn="ctr">
+              <a:buNone/>
+              <a:defRPr sz="1600"/>
+            </a:lvl1pPr>
+            <a:lvl2pPr marL="457200" indent="0">
+              <a:buNone/>
+              <a:defRPr sz="1400"/>
+            </a:lvl2pPr>
+            <a:lvl3pPr marL="914400" indent="0">
+              <a:buNone/>
+              <a:defRPr sz="1200"/>
+            </a:lvl3pPr>
+            <a:lvl4pPr marL="1371600" indent="0">
+              <a:buNone/>
+              <a:defRPr sz="1000"/>
+            </a:lvl4pPr>
+            <a:lvl5pPr marL="1828800" indent="0">
+              <a:buNone/>
+              <a:defRPr sz="1000"/>
+            </a:lvl5pPr>
+            <a:lvl6pPr marL="2286000" indent="0">
+              <a:buNone/>
+              <a:defRPr sz="1000"/>
+            </a:lvl6pPr>
+            <a:lvl7pPr marL="2743200" indent="0">
+              <a:buNone/>
+              <a:defRPr sz="1000"/>
+            </a:lvl7pPr>
+            <a:lvl8pPr marL="3200400" indent="0">
+              <a:buNone/>
+              <a:defRPr sz="1000"/>
+            </a:lvl8pPr>
+            <a:lvl9pPr marL="3657600" indent="0">
+              <a:buNone/>
+              <a:defRPr sz="1000"/>
+            </a:lvl9pPr>
+          </a:lstStyle>
+          <a:p>
+            <a:pPr lvl="0"/>
+            <a:r>
+              <a:rPr lang="en-US" smtClean="0"/>
+              <a:t>Edit Master text styles</a:t>
+            </a:r>
+          </a:p>
+        </p:txBody>
+      </p:sp>
+      <p:sp>
+        <p:nvSpPr>
+          <p:cNvPr id="5" name="Date Placeholder 4"/>
+          <p:cNvSpPr>
+            <a:spLocks noGrp="1"/>
+          </p:cNvSpPr>
+          <p:nvPr>
+            <p:ph type="dt" sz="half" idx="10"/>
+          </p:nvPr>
+        </p:nvSpPr>
+        <p:spPr/>
+        <p:txBody>
+          <a:bodyPr/>
+          <a:lstStyle/>
+          <a:p>
+            <a:fld id="{C764DE79-268F-4C1A-8933-263129D2AF90}" type="datetimeFigureOut">
+              <a:rPr lang="en-US" smtClean="0"/>
+              <a:t>7/15/2021</a:t>
+            </a:fld>
+            <a:endParaRPr lang="en-US" dirty="0"/>
+          </a:p>
+        </p:txBody>
+      </p:sp>
+      <p:sp>
+        <p:nvSpPr>
+          <p:cNvPr id="6" name="Footer Placeholder 5"/>
+          <p:cNvSpPr>
+            <a:spLocks noGrp="1"/>
+          </p:cNvSpPr>
+          <p:nvPr>
+            <p:ph type="ftr" sz="quarter" idx="11"/>
+          </p:nvPr>
+        </p:nvSpPr>
+        <p:spPr/>
+        <p:txBody>
+          <a:bodyPr/>
+          <a:lstStyle/>
+          <a:p>
+            <a:endParaRPr lang="en-US" dirty="0"/>
+          </a:p>
+        </p:txBody>
+      </p:sp>
+      <p:sp>
+        <p:nvSpPr>
+          <p:cNvPr id="7" name="Slide Number Placeholder 6"/>
+          <p:cNvSpPr>
+            <a:spLocks noGrp="1"/>
+          </p:cNvSpPr>
+          <p:nvPr>
+            <p:ph type="sldNum" sz="quarter" idx="12"/>
+          </p:nvPr>
+        </p:nvSpPr>
+        <p:spPr/>
+        <p:txBody>
+          <a:bodyPr/>
+          <a:lstStyle/>
+          <a:p>
+            <a:fld id="{48F63A3B-78C7-47BE-AE5E-E10140E04643}" type="slidenum">
+              <a:rPr lang="en-US" smtClean="0"/>
+              <a:t>‹#›</a:t>
+            </a:fld>
+            <a:endParaRPr lang="en-US" dirty="0"/>
+          </a:p>
+        </p:txBody>
+      </p:sp>
+      <p:sp>
+        <p:nvSpPr>
+          <p:cNvPr id="11" name="TextBox 10"/>
+          <p:cNvSpPr txBox="1"/>
+          <p:nvPr/>
+        </p:nvSpPr>
+        <p:spPr>
+          <a:xfrm>
+            <a:off x="836612" y="735241"/>
+            <a:ext cx="609600" cy="584776"/>
+          </a:xfrm>
+          <a:prstGeom prst="rect">
+            <a:avLst/>
+          </a:prstGeom>
+        </p:spPr>
+        <p:txBody>
+          <a:bodyPr vert="horz" lIns="91440" tIns="45720" rIns="91440" bIns="45720" rtlCol="0" anchor="ctr">
+            <a:noAutofit/>
+          </a:bodyPr>
+          <a:lstStyle>
+            <a:lvl1pPr>
+              <a:spcBef>
+                <a:spcPct val="0"/>
+              </a:spcBef>
+              <a:buNone/>
+              <a:defRPr sz="3200" b="0" cap="all">
+                <a:ln w="3175" cmpd="sng">
+                  <a:noFill/>
+                </a:ln>
+                <a:effectLst>
+                  <a:glow rad="38100">
+                    <a:schemeClr val="bg1">
+                      <a:lumMod val="65000"/>
+                      <a:lumOff val="35000"/>
+                      <a:alpha val="40000"/>
+                    </a:schemeClr>
+                  </a:glow>
+                  <a:outerShdw blurRad="28575" dist="38100" dir="14040000" algn="tl" rotWithShape="0">
+                    <a:srgbClr val="000000">
+                      <a:alpha val="25000"/>
+                    </a:srgbClr>
+                  </a:outerShdw>
+                </a:effectLst>
+              </a:defRPr>
+            </a:lvl1pPr>
+            <a:lvl2pPr>
+              <a:defRPr>
+                <a:solidFill>
+                  <a:schemeClr val="tx2"/>
+                </a:solidFill>
+              </a:defRPr>
+            </a:lvl2pPr>
+            <a:lvl3pPr>
+              <a:defRPr>
+                <a:solidFill>
+                  <a:schemeClr val="tx2"/>
+                </a:solidFill>
+              </a:defRPr>
+            </a:lvl3pPr>
+            <a:lvl4pPr>
+              <a:defRPr>
+                <a:solidFill>
+                  <a:schemeClr val="tx2"/>
+                </a:solidFill>
+              </a:defRPr>
+            </a:lvl4pPr>
+            <a:lvl5pPr>
+              <a:defRPr>
+                <a:solidFill>
+                  <a:schemeClr val="tx2"/>
+                </a:solidFill>
+              </a:defRPr>
+            </a:lvl5pPr>
+            <a:lvl6pPr>
+              <a:defRPr>
+                <a:solidFill>
+                  <a:schemeClr val="tx2"/>
+                </a:solidFill>
+              </a:defRPr>
+            </a:lvl6pPr>
+            <a:lvl7pPr>
+              <a:defRPr>
+                <a:solidFill>
+                  <a:schemeClr val="tx2"/>
+                </a:solidFill>
+              </a:defRPr>
+            </a:lvl7pPr>
+            <a:lvl8pPr>
+              <a:defRPr>
+                <a:solidFill>
+                  <a:schemeClr val="tx2"/>
+                </a:solidFill>
+              </a:defRPr>
+            </a:lvl8pPr>
+            <a:lvl9pPr>
+              <a:defRPr>
+                <a:solidFill>
+                  <a:schemeClr val="tx2"/>
+                </a:solidFill>
+              </a:defRPr>
+            </a:lvl9pPr>
+          </a:lstStyle>
+          <a:p>
+            <a:pPr lvl="0"/>
+            <a:r>
+              <a:rPr lang="en-US" sz="8000" dirty="0">
+                <a:solidFill>
+                  <a:schemeClr val="tx1"/>
+                </a:solidFill>
+                <a:effectLst/>
+              </a:rPr>
+              <a:t>“</a:t>
+            </a:r>
+          </a:p>
+        </p:txBody>
+      </p:sp>
+      <p:sp>
+        <p:nvSpPr>
+          <p:cNvPr id="13" name="TextBox 12"/>
+          <p:cNvSpPr txBox="1"/>
+          <p:nvPr/>
+        </p:nvSpPr>
+        <p:spPr>
+          <a:xfrm>
+            <a:off x="10657956" y="2972093"/>
+            <a:ext cx="609600" cy="584776"/>
+          </a:xfrm>
+          <a:prstGeom prst="rect">
+            <a:avLst/>
+          </a:prstGeom>
+        </p:spPr>
+        <p:txBody>
+          <a:bodyPr vert="horz" lIns="91440" tIns="45720" rIns="91440" bIns="45720" rtlCol="0" anchor="ctr">
+            <a:noAutofit/>
+          </a:bodyPr>
+          <a:lstStyle>
+            <a:lvl1pPr>
+              <a:spcBef>
+                <a:spcPct val="0"/>
+              </a:spcBef>
+              <a:buNone/>
+              <a:defRPr sz="3200" b="0" cap="all">
+                <a:ln w="3175" cmpd="sng">
+                  <a:noFill/>
+                </a:ln>
+                <a:effectLst>
+                  <a:glow rad="38100">
+                    <a:schemeClr val="bg1">
+                      <a:lumMod val="65000"/>
+                      <a:lumOff val="35000"/>
+                      <a:alpha val="40000"/>
+                    </a:schemeClr>
+                  </a:glow>
+                  <a:outerShdw blurRad="28575" dist="38100" dir="14040000" algn="tl" rotWithShape="0">
+                    <a:srgbClr val="000000">
+                      <a:alpha val="25000"/>
+                    </a:srgbClr>
+                  </a:outerShdw>
+                </a:effectLst>
+              </a:defRPr>
+            </a:lvl1pPr>
+            <a:lvl2pPr>
+              <a:defRPr>
+                <a:solidFill>
+                  <a:schemeClr val="tx2"/>
+                </a:solidFill>
+              </a:defRPr>
+            </a:lvl2pPr>
+            <a:lvl3pPr>
+              <a:defRPr>
+                <a:solidFill>
+                  <a:schemeClr val="tx2"/>
+                </a:solidFill>
+              </a:defRPr>
+            </a:lvl3pPr>
+            <a:lvl4pPr>
+              <a:defRPr>
+                <a:solidFill>
+                  <a:schemeClr val="tx2"/>
+                </a:solidFill>
+              </a:defRPr>
+            </a:lvl4pPr>
+            <a:lvl5pPr>
+              <a:defRPr>
+                <a:solidFill>
+                  <a:schemeClr val="tx2"/>
+                </a:solidFill>
+              </a:defRPr>
+            </a:lvl5pPr>
+            <a:lvl6pPr>
+              <a:defRPr>
+                <a:solidFill>
+                  <a:schemeClr val="tx2"/>
+                </a:solidFill>
+              </a:defRPr>
+            </a:lvl6pPr>
+            <a:lvl7pPr>
+              <a:defRPr>
+                <a:solidFill>
+                  <a:schemeClr val="tx2"/>
+                </a:solidFill>
+              </a:defRPr>
+            </a:lvl7pPr>
+            <a:lvl8pPr>
+              <a:defRPr>
+                <a:solidFill>
+                  <a:schemeClr val="tx2"/>
+                </a:solidFill>
+              </a:defRPr>
+            </a:lvl8pPr>
+            <a:lvl9pPr>
+              <a:defRPr>
+                <a:solidFill>
+                  <a:schemeClr val="tx2"/>
+                </a:solidFill>
+              </a:defRPr>
+            </a:lvl9pPr>
+          </a:lstStyle>
+          <a:p>
+            <a:pPr lvl="0" algn="r"/>
+            <a:r>
+              <a:rPr lang="en-US" sz="8000" dirty="0">
+                <a:solidFill>
+                  <a:schemeClr val="tx1"/>
+                </a:solidFill>
+                <a:effectLst/>
+              </a:rPr>
+              <a:t>”</a:t>
+            </a:r>
+          </a:p>
+        </p:txBody>
+      </p:sp>
+    </p:spTree>
+    <p:extLst>
+      <p:ext uri="{BB962C8B-B14F-4D97-AF65-F5344CB8AC3E}">
+        <p14:creationId xmlns:p14="http://schemas.microsoft.com/office/powerpoint/2010/main" val="1919709015"/>
+      </p:ext>
+    </p:extLst>
+  </p:cSld>
+  <p:clrMapOvr>
+    <a:masterClrMapping/>
+  </p:clrMapOvr>
+</p:sldLayout>
+</file>
+
+<file path=ppt/slideLayouts/slideLayout13.xml><?xml version="1.0" encoding="utf-8"?>
+<p:sldLayout xmlns:a="http://schemas.openxmlformats.org/drawingml/2006/main" xmlns:r="http://schemas.openxmlformats.org/officeDocument/2006/relationships" xmlns:p="http://schemas.openxmlformats.org/presentationml/2006/main" preserve="1">
+  <p:cSld name="Name Card">
+    <p:spTree>
+      <p:nvGrpSpPr>
+        <p:cNvPr id="1" name=""/>
+        <p:cNvGrpSpPr/>
+        <p:nvPr/>
+      </p:nvGrpSpPr>
+      <p:grpSpPr>
+        <a:xfrm>
+          <a:off x="0" y="0"/>
+          <a:ext cx="0" cy="0"/>
+          <a:chOff x="0" y="0"/>
+          <a:chExt cx="0" cy="0"/>
+        </a:xfrm>
+      </p:grpSpPr>
+      <p:sp>
+        <p:nvSpPr>
+          <p:cNvPr id="2" name="Title 1"/>
+          <p:cNvSpPr>
+            <a:spLocks noGrp="1"/>
+          </p:cNvSpPr>
+          <p:nvPr>
+            <p:ph type="title"/>
+          </p:nvPr>
+        </p:nvSpPr>
+        <p:spPr>
+          <a:xfrm>
+            <a:off x="913806" y="2126942"/>
+            <a:ext cx="10355327" cy="2511835"/>
+          </a:xfrm>
+        </p:spPr>
+        <p:txBody>
+          <a:bodyPr anchor="b"/>
+          <a:lstStyle>
+            <a:lvl1pPr>
+              <a:defRPr sz="3200"/>
+            </a:lvl1pPr>
+          </a:lstStyle>
+          <a:p>
+            <a:r>
+              <a:rPr lang="en-US" smtClean="0"/>
+              <a:t>Click to edit Master title style</a:t>
+            </a:r>
+            <a:endParaRPr lang="en-US" dirty="0"/>
+          </a:p>
+        </p:txBody>
+      </p:sp>
+      <p:sp>
+        <p:nvSpPr>
+          <p:cNvPr id="4" name="Text Placeholder 3"/>
+          <p:cNvSpPr>
+            <a:spLocks noGrp="1"/>
+          </p:cNvSpPr>
+          <p:nvPr>
+            <p:ph type="body" sz="half" idx="2"/>
+          </p:nvPr>
+        </p:nvSpPr>
+        <p:spPr>
+          <a:xfrm>
+            <a:off x="913794" y="4650556"/>
+            <a:ext cx="10353763" cy="1140644"/>
+          </a:xfrm>
+        </p:spPr>
+        <p:txBody>
+          <a:bodyPr anchor="t"/>
+          <a:lstStyle>
+            <a:lvl1pPr marL="0" indent="0" algn="ctr">
+              <a:buNone/>
+              <a:defRPr sz="1600"/>
+            </a:lvl1pPr>
+            <a:lvl2pPr marL="457200" indent="0">
+              <a:buNone/>
+              <a:defRPr sz="1400"/>
+            </a:lvl2pPr>
+            <a:lvl3pPr marL="914400" indent="0">
+              <a:buNone/>
+              <a:defRPr sz="1200"/>
+            </a:lvl3pPr>
+            <a:lvl4pPr marL="1371600" indent="0">
+              <a:buNone/>
+              <a:defRPr sz="1000"/>
+            </a:lvl4pPr>
+            <a:lvl5pPr marL="1828800" indent="0">
+              <a:buNone/>
+              <a:defRPr sz="1000"/>
+            </a:lvl5pPr>
+            <a:lvl6pPr marL="2286000" indent="0">
+              <a:buNone/>
+              <a:defRPr sz="1000"/>
+            </a:lvl6pPr>
+            <a:lvl7pPr marL="2743200" indent="0">
+              <a:buNone/>
+              <a:defRPr sz="1000"/>
+            </a:lvl7pPr>
+            <a:lvl8pPr marL="3200400" indent="0">
+              <a:buNone/>
+              <a:defRPr sz="1000"/>
+            </a:lvl8pPr>
+            <a:lvl9pPr marL="3657600" indent="0">
+              <a:buNone/>
+              <a:defRPr sz="1000"/>
+            </a:lvl9pPr>
+          </a:lstStyle>
+          <a:p>
+            <a:pPr lvl="0"/>
+            <a:r>
+              <a:rPr lang="en-US" smtClean="0"/>
+              <a:t>Edit Master text styles</a:t>
+            </a:r>
+          </a:p>
+        </p:txBody>
+      </p:sp>
+      <p:sp>
+        <p:nvSpPr>
+          <p:cNvPr id="5" name="Date Placeholder 4"/>
+          <p:cNvSpPr>
+            <a:spLocks noGrp="1"/>
+          </p:cNvSpPr>
+          <p:nvPr>
+            <p:ph type="dt" sz="half" idx="10"/>
+          </p:nvPr>
+        </p:nvSpPr>
+        <p:spPr/>
+        <p:txBody>
+          <a:bodyPr/>
+          <a:lstStyle/>
+          <a:p>
+            <a:fld id="{C764DE79-268F-4C1A-8933-263129D2AF90}" type="datetimeFigureOut">
+              <a:rPr lang="en-US" smtClean="0"/>
+              <a:t>7/15/2021</a:t>
+            </a:fld>
+            <a:endParaRPr lang="en-US" dirty="0"/>
+          </a:p>
+        </p:txBody>
+      </p:sp>
+      <p:sp>
+        <p:nvSpPr>
+          <p:cNvPr id="6" name="Footer Placeholder 5"/>
+          <p:cNvSpPr>
+            <a:spLocks noGrp="1"/>
+          </p:cNvSpPr>
+          <p:nvPr>
+            <p:ph type="ftr" sz="quarter" idx="11"/>
+          </p:nvPr>
+        </p:nvSpPr>
+        <p:spPr/>
+        <p:txBody>
+          <a:bodyPr/>
+          <a:lstStyle/>
+          <a:p>
+            <a:endParaRPr lang="en-US" dirty="0"/>
+          </a:p>
+        </p:txBody>
+      </p:sp>
+      <p:sp>
+        <p:nvSpPr>
+          <p:cNvPr id="7" name="Slide Number Placeholder 6"/>
+          <p:cNvSpPr>
+            <a:spLocks noGrp="1"/>
+          </p:cNvSpPr>
+          <p:nvPr>
+            <p:ph type="sldNum" sz="quarter" idx="12"/>
+          </p:nvPr>
+        </p:nvSpPr>
+        <p:spPr/>
+        <p:txBody>
+          <a:bodyPr/>
+          <a:lstStyle/>
+          <a:p>
+            <a:fld id="{48F63A3B-78C7-47BE-AE5E-E10140E04643}" type="slidenum">
+              <a:rPr lang="en-US" smtClean="0"/>
+              <a:t>‹#›</a:t>
+            </a:fld>
+            <a:endParaRPr lang="en-US" dirty="0"/>
+          </a:p>
+        </p:txBody>
+      </p:sp>
+    </p:spTree>
+    <p:extLst>
+      <p:ext uri="{BB962C8B-B14F-4D97-AF65-F5344CB8AC3E}">
+        <p14:creationId xmlns:p14="http://schemas.microsoft.com/office/powerpoint/2010/main" val="1520134295"/>
+      </p:ext>
+    </p:extLst>
+  </p:cSld>
+  <p:clrMapOvr>
+    <a:masterClrMapping/>
+  </p:clrMapOvr>
+</p:sldLayout>
+</file>
+
+<file path=ppt/slideLayouts/slideLayout14.xml><?xml version="1.0" encoding="utf-8"?>
+<p:sldLayout xmlns:a="http://schemas.openxmlformats.org/drawingml/2006/main" xmlns:r="http://schemas.openxmlformats.org/officeDocument/2006/relationships" xmlns:p="http://schemas.openxmlformats.org/presentationml/2006/main" preserve="1">
+  <p:cSld name="3 Column">
+    <p:spTree>
+      <p:nvGrpSpPr>
+        <p:cNvPr id="1" name=""/>
+        <p:cNvGrpSpPr/>
+        <p:nvPr/>
+      </p:nvGrpSpPr>
+      <p:grpSpPr>
+        <a:xfrm>
+          <a:off x="0" y="0"/>
+          <a:ext cx="0" cy="0"/>
+          <a:chOff x="0" y="0"/>
+          <a:chExt cx="0" cy="0"/>
+        </a:xfrm>
+      </p:grpSpPr>
+      <p:sp>
+        <p:nvSpPr>
+          <p:cNvPr id="15" name="Title 1"/>
+          <p:cNvSpPr>
+            <a:spLocks noGrp="1"/>
+          </p:cNvSpPr>
+          <p:nvPr>
+            <p:ph type="title"/>
+          </p:nvPr>
+        </p:nvSpPr>
+        <p:spPr>
+          <a:xfrm>
+            <a:off x="913794" y="609600"/>
+            <a:ext cx="10353762" cy="1325563"/>
+          </a:xfrm>
+        </p:spPr>
+        <p:txBody>
+          <a:bodyPr/>
+          <a:lstStyle/>
+          <a:p>
+            <a:r>
+              <a:rPr lang="en-US" smtClean="0"/>
+              <a:t>Click to edit Master title style</a:t>
+            </a:r>
+            <a:endParaRPr lang="en-US" dirty="0"/>
+          </a:p>
+        </p:txBody>
+      </p:sp>
+      <p:sp>
+        <p:nvSpPr>
+          <p:cNvPr id="7" name="Text Placeholder 2"/>
+          <p:cNvSpPr>
+            <a:spLocks noGrp="1"/>
+          </p:cNvSpPr>
+          <p:nvPr>
+            <p:ph type="body" idx="1"/>
+          </p:nvPr>
+        </p:nvSpPr>
+        <p:spPr>
+          <a:xfrm>
+            <a:off x="913794" y="2088319"/>
+            <a:ext cx="3298956" cy="823305"/>
+          </a:xfrm>
+        </p:spPr>
+        <p:txBody>
+          <a:bodyPr anchor="b">
+            <a:noAutofit/>
+          </a:bodyPr>
+          <a:lstStyle>
+            <a:lvl1pPr marL="0" indent="0" algn="ctr">
+              <a:lnSpc>
+                <a:spcPct val="100000"/>
+              </a:lnSpc>
+              <a:buNone/>
+              <a:defRPr sz="2400" b="0">
+                <a:solidFill>
+                  <a:schemeClr val="tx1"/>
+                </a:solidFill>
+              </a:defRPr>
+            </a:lvl1pPr>
+            <a:lvl2pPr marL="457200" indent="0">
+              <a:buNone/>
+              <a:defRPr sz="2000" b="1"/>
+            </a:lvl2pPr>
+            <a:lvl3pPr marL="914400" indent="0">
+              <a:buNone/>
+              <a:defRPr sz="1800" b="1"/>
+            </a:lvl3pPr>
+            <a:lvl4pPr marL="1371600" indent="0">
+              <a:buNone/>
+              <a:defRPr sz="1600" b="1"/>
+            </a:lvl4pPr>
+            <a:lvl5pPr marL="1828800" indent="0">
+              <a:buNone/>
+              <a:defRPr sz="1600" b="1"/>
+            </a:lvl5pPr>
+            <a:lvl6pPr marL="2286000" indent="0">
+              <a:buNone/>
+              <a:defRPr sz="1600" b="1"/>
+            </a:lvl6pPr>
+            <a:lvl7pPr marL="2743200" indent="0">
+              <a:buNone/>
+              <a:defRPr sz="1600" b="1"/>
+            </a:lvl7pPr>
+            <a:lvl8pPr marL="3200400" indent="0">
+              <a:buNone/>
+              <a:defRPr sz="1600" b="1"/>
+            </a:lvl8pPr>
+            <a:lvl9pPr marL="3657600" indent="0">
+              <a:buNone/>
+              <a:defRPr sz="1600" b="1"/>
+            </a:lvl9pPr>
+          </a:lstStyle>
+          <a:p>
+            <a:pPr lvl="0"/>
+            <a:r>
+              <a:rPr lang="en-US" smtClean="0"/>
+              <a:t>Edit Master text styles</a:t>
+            </a:r>
+          </a:p>
+        </p:txBody>
+      </p:sp>
+      <p:sp>
+        <p:nvSpPr>
+          <p:cNvPr id="8" name="Text Placeholder 3"/>
+          <p:cNvSpPr>
+            <a:spLocks noGrp="1"/>
+          </p:cNvSpPr>
+          <p:nvPr>
+            <p:ph type="body" sz="half" idx="15"/>
+          </p:nvPr>
+        </p:nvSpPr>
+        <p:spPr>
+          <a:xfrm>
+            <a:off x="913794" y="2911624"/>
+            <a:ext cx="3298956" cy="2879576"/>
+          </a:xfrm>
+        </p:spPr>
+        <p:txBody>
+          <a:bodyPr anchor="t">
+            <a:normAutofit/>
+          </a:bodyPr>
+          <a:lstStyle>
+            <a:lvl1pPr marL="0" indent="0" algn="ctr">
+              <a:buNone/>
+              <a:defRPr sz="1400"/>
+            </a:lvl1pPr>
+            <a:lvl2pPr marL="457200" indent="0">
+              <a:buNone/>
+              <a:defRPr sz="1200"/>
+            </a:lvl2pPr>
+            <a:lvl3pPr marL="914400" indent="0">
+              <a:buNone/>
+              <a:defRPr sz="1000"/>
+            </a:lvl3pPr>
+            <a:lvl4pPr marL="1371600" indent="0">
+              <a:buNone/>
+              <a:defRPr sz="900"/>
+            </a:lvl4pPr>
+            <a:lvl5pPr marL="1828800" indent="0">
+              <a:buNone/>
+              <a:defRPr sz="900"/>
+            </a:lvl5pPr>
+            <a:lvl6pPr marL="2286000" indent="0">
+              <a:buNone/>
+              <a:defRPr sz="900"/>
+            </a:lvl6pPr>
+            <a:lvl7pPr marL="2743200" indent="0">
+              <a:buNone/>
+              <a:defRPr sz="900"/>
+            </a:lvl7pPr>
+            <a:lvl8pPr marL="3200400" indent="0">
+              <a:buNone/>
+              <a:defRPr sz="900"/>
+            </a:lvl8pPr>
+            <a:lvl9pPr marL="3657600" indent="0">
+              <a:buNone/>
+              <a:defRPr sz="900"/>
+            </a:lvl9pPr>
+          </a:lstStyle>
+          <a:p>
+            <a:pPr lvl="0"/>
+            <a:r>
+              <a:rPr lang="en-US" smtClean="0"/>
+              <a:t>Edit Master text styles</a:t>
+            </a:r>
+          </a:p>
+        </p:txBody>
+      </p:sp>
+      <p:sp>
+        <p:nvSpPr>
+          <p:cNvPr id="9" name="Text Placeholder 4"/>
+          <p:cNvSpPr>
+            <a:spLocks noGrp="1"/>
+          </p:cNvSpPr>
+          <p:nvPr>
+            <p:ph type="body" sz="quarter" idx="3"/>
+          </p:nvPr>
+        </p:nvSpPr>
+        <p:spPr>
+          <a:xfrm>
+            <a:off x="4444878" y="2088320"/>
+            <a:ext cx="3298558" cy="823304"/>
+          </a:xfrm>
+        </p:spPr>
+        <p:txBody>
+          <a:bodyPr anchor="b">
+            <a:noAutofit/>
+          </a:bodyPr>
+          <a:lstStyle>
+            <a:lvl1pPr marL="0" indent="0" algn="ctr">
+              <a:lnSpc>
+                <a:spcPct val="100000"/>
+              </a:lnSpc>
+              <a:buNone/>
+              <a:defRPr sz="2400" b="0">
+                <a:solidFill>
+                  <a:schemeClr val="tx1"/>
+                </a:solidFill>
+              </a:defRPr>
+            </a:lvl1pPr>
+            <a:lvl2pPr marL="457200" indent="0">
+              <a:buNone/>
+              <a:defRPr sz="2000" b="1"/>
+            </a:lvl2pPr>
+            <a:lvl3pPr marL="914400" indent="0">
+              <a:buNone/>
+              <a:defRPr sz="1800" b="1"/>
+            </a:lvl3pPr>
+            <a:lvl4pPr marL="1371600" indent="0">
+              <a:buNone/>
+              <a:defRPr sz="1600" b="1"/>
+            </a:lvl4pPr>
+            <a:lvl5pPr marL="1828800" indent="0">
+              <a:buNone/>
+              <a:defRPr sz="1600" b="1"/>
+            </a:lvl5pPr>
+            <a:lvl6pPr marL="2286000" indent="0">
+              <a:buNone/>
+              <a:defRPr sz="1600" b="1"/>
+            </a:lvl6pPr>
+            <a:lvl7pPr marL="2743200" indent="0">
+              <a:buNone/>
+              <a:defRPr sz="1600" b="1"/>
+            </a:lvl7pPr>
+            <a:lvl8pPr marL="3200400" indent="0">
+              <a:buNone/>
+              <a:defRPr sz="1600" b="1"/>
+            </a:lvl8pPr>
+            <a:lvl9pPr marL="3657600" indent="0">
+              <a:buNone/>
+              <a:defRPr sz="1600" b="1"/>
+            </a:lvl9pPr>
+          </a:lstStyle>
+          <a:p>
+            <a:pPr lvl="0"/>
+            <a:r>
+              <a:rPr lang="en-US" smtClean="0"/>
+              <a:t>Edit Master text styles</a:t>
+            </a:r>
+          </a:p>
+        </p:txBody>
+      </p:sp>
+      <p:sp>
+        <p:nvSpPr>
+          <p:cNvPr id="10" name="Text Placeholder 3"/>
+          <p:cNvSpPr>
+            <a:spLocks noGrp="1"/>
+          </p:cNvSpPr>
+          <p:nvPr>
+            <p:ph type="body" sz="half" idx="16"/>
+          </p:nvPr>
+        </p:nvSpPr>
+        <p:spPr>
+          <a:xfrm>
+            <a:off x="4444878" y="2911624"/>
+            <a:ext cx="3299821" cy="2879576"/>
+          </a:xfrm>
+        </p:spPr>
+        <p:txBody>
+          <a:bodyPr anchor="t">
+            <a:normAutofit/>
+          </a:bodyPr>
+          <a:lstStyle>
+            <a:lvl1pPr marL="0" indent="0" algn="ctr">
+              <a:buNone/>
+              <a:defRPr sz="1400"/>
+            </a:lvl1pPr>
+            <a:lvl2pPr marL="457200" indent="0">
+              <a:buNone/>
+              <a:defRPr sz="1200"/>
+            </a:lvl2pPr>
+            <a:lvl3pPr marL="914400" indent="0">
+              <a:buNone/>
+              <a:defRPr sz="1000"/>
+            </a:lvl3pPr>
+            <a:lvl4pPr marL="1371600" indent="0">
+              <a:buNone/>
+              <a:defRPr sz="900"/>
+            </a:lvl4pPr>
+            <a:lvl5pPr marL="1828800" indent="0">
+              <a:buNone/>
+              <a:defRPr sz="900"/>
+            </a:lvl5pPr>
+            <a:lvl6pPr marL="2286000" indent="0">
+              <a:buNone/>
+              <a:defRPr sz="900"/>
+            </a:lvl6pPr>
+            <a:lvl7pPr marL="2743200" indent="0">
+              <a:buNone/>
+              <a:defRPr sz="900"/>
+            </a:lvl7pPr>
+            <a:lvl8pPr marL="3200400" indent="0">
+              <a:buNone/>
+              <a:defRPr sz="900"/>
+            </a:lvl8pPr>
+            <a:lvl9pPr marL="3657600" indent="0">
+              <a:buNone/>
+              <a:defRPr sz="900"/>
+            </a:lvl9pPr>
+          </a:lstStyle>
+          <a:p>
+            <a:pPr lvl="0"/>
+            <a:r>
+              <a:rPr lang="en-US" smtClean="0"/>
+              <a:t>Edit Master text styles</a:t>
+            </a:r>
+          </a:p>
+        </p:txBody>
+      </p:sp>
+      <p:sp>
+        <p:nvSpPr>
+          <p:cNvPr id="11" name="Text Placeholder 4"/>
+          <p:cNvSpPr>
+            <a:spLocks noGrp="1"/>
+          </p:cNvSpPr>
+          <p:nvPr>
+            <p:ph type="body" sz="quarter" idx="13"/>
+          </p:nvPr>
+        </p:nvSpPr>
+        <p:spPr>
+          <a:xfrm>
+            <a:off x="7973298" y="2088320"/>
+            <a:ext cx="3291211" cy="823304"/>
+          </a:xfrm>
+        </p:spPr>
+        <p:txBody>
+          <a:bodyPr anchor="b">
+            <a:noAutofit/>
+          </a:bodyPr>
+          <a:lstStyle>
+            <a:lvl1pPr marL="0" indent="0" algn="ctr">
+              <a:lnSpc>
+                <a:spcPct val="100000"/>
+              </a:lnSpc>
+              <a:buNone/>
+              <a:defRPr sz="2400" b="0">
+                <a:solidFill>
+                  <a:schemeClr val="tx1"/>
+                </a:solidFill>
+              </a:defRPr>
+            </a:lvl1pPr>
+            <a:lvl2pPr marL="457200" indent="0">
+              <a:buNone/>
+              <a:defRPr sz="2000" b="1"/>
+            </a:lvl2pPr>
+            <a:lvl3pPr marL="914400" indent="0">
+              <a:buNone/>
+              <a:defRPr sz="1800" b="1"/>
+            </a:lvl3pPr>
+            <a:lvl4pPr marL="1371600" indent="0">
+              <a:buNone/>
+              <a:defRPr sz="1600" b="1"/>
+            </a:lvl4pPr>
+            <a:lvl5pPr marL="1828800" indent="0">
+              <a:buNone/>
+              <a:defRPr sz="1600" b="1"/>
+            </a:lvl5pPr>
+            <a:lvl6pPr marL="2286000" indent="0">
+              <a:buNone/>
+              <a:defRPr sz="1600" b="1"/>
+            </a:lvl6pPr>
+            <a:lvl7pPr marL="2743200" indent="0">
+              <a:buNone/>
+              <a:defRPr sz="1600" b="1"/>
+            </a:lvl7pPr>
+            <a:lvl8pPr marL="3200400" indent="0">
+              <a:buNone/>
+              <a:defRPr sz="1600" b="1"/>
+            </a:lvl8pPr>
+            <a:lvl9pPr marL="3657600" indent="0">
+              <a:buNone/>
+              <a:defRPr sz="1600" b="1"/>
+            </a:lvl9pPr>
+          </a:lstStyle>
+          <a:p>
+            <a:pPr lvl="0"/>
+            <a:r>
+              <a:rPr lang="en-US" smtClean="0"/>
+              <a:t>Edit Master text styles</a:t>
+            </a:r>
+          </a:p>
+        </p:txBody>
+      </p:sp>
+      <p:sp>
+        <p:nvSpPr>
+          <p:cNvPr id="12" name="Text Placeholder 3"/>
+          <p:cNvSpPr>
+            <a:spLocks noGrp="1"/>
+          </p:cNvSpPr>
+          <p:nvPr>
+            <p:ph type="body" sz="half" idx="17"/>
+          </p:nvPr>
+        </p:nvSpPr>
+        <p:spPr>
+          <a:xfrm>
+            <a:off x="7976346" y="2911624"/>
+            <a:ext cx="3291211" cy="2879576"/>
+          </a:xfrm>
+        </p:spPr>
+        <p:txBody>
+          <a:bodyPr anchor="t">
+            <a:normAutofit/>
+          </a:bodyPr>
+          <a:lstStyle>
+            <a:lvl1pPr marL="0" indent="0" algn="ctr">
+              <a:buNone/>
+              <a:defRPr sz="1400"/>
+            </a:lvl1pPr>
+            <a:lvl2pPr marL="457200" indent="0">
+              <a:buNone/>
+              <a:defRPr sz="1200"/>
+            </a:lvl2pPr>
+            <a:lvl3pPr marL="914400" indent="0">
+              <a:buNone/>
+              <a:defRPr sz="1000"/>
+            </a:lvl3pPr>
+            <a:lvl4pPr marL="1371600" indent="0">
+              <a:buNone/>
+              <a:defRPr sz="900"/>
+            </a:lvl4pPr>
+            <a:lvl5pPr marL="1828800" indent="0">
+              <a:buNone/>
+              <a:defRPr sz="900"/>
+            </a:lvl5pPr>
+            <a:lvl6pPr marL="2286000" indent="0">
+              <a:buNone/>
+              <a:defRPr sz="900"/>
+            </a:lvl6pPr>
+            <a:lvl7pPr marL="2743200" indent="0">
+              <a:buNone/>
+              <a:defRPr sz="900"/>
+            </a:lvl7pPr>
+            <a:lvl8pPr marL="3200400" indent="0">
+              <a:buNone/>
+              <a:defRPr sz="900"/>
+            </a:lvl8pPr>
+            <a:lvl9pPr marL="3657600" indent="0">
+              <a:buNone/>
+              <a:defRPr sz="900"/>
+            </a:lvl9pPr>
+          </a:lstStyle>
+          <a:p>
+            <a:pPr lvl="0"/>
+            <a:r>
+              <a:rPr lang="en-US" smtClean="0"/>
+              <a:t>Edit Master text styles</a:t>
+            </a:r>
+          </a:p>
+        </p:txBody>
+      </p:sp>
+      <p:sp>
+        <p:nvSpPr>
+          <p:cNvPr id="3" name="Date Placeholder 2"/>
+          <p:cNvSpPr>
+            <a:spLocks noGrp="1"/>
+          </p:cNvSpPr>
+          <p:nvPr>
+            <p:ph type="dt" sz="half" idx="10"/>
+          </p:nvPr>
+        </p:nvSpPr>
+        <p:spPr/>
+        <p:txBody>
+          <a:bodyPr/>
+          <a:lstStyle/>
+          <a:p>
+            <a:fld id="{C764DE79-268F-4C1A-8933-263129D2AF90}" type="datetimeFigureOut">
+              <a:rPr lang="en-US" smtClean="0"/>
+              <a:t>7/15/2021</a:t>
+            </a:fld>
+            <a:endParaRPr lang="en-US" dirty="0"/>
+          </a:p>
+        </p:txBody>
+      </p:sp>
+      <p:sp>
+        <p:nvSpPr>
+          <p:cNvPr id="4" name="Footer Placeholder 3"/>
+          <p:cNvSpPr>
+            <a:spLocks noGrp="1"/>
+          </p:cNvSpPr>
+          <p:nvPr>
+            <p:ph type="ftr" sz="quarter" idx="11"/>
+          </p:nvPr>
+        </p:nvSpPr>
+        <p:spPr/>
+        <p:txBody>
+          <a:bodyPr/>
+          <a:lstStyle/>
+          <a:p>
+            <a:endParaRPr lang="en-US" dirty="0"/>
+          </a:p>
+        </p:txBody>
+      </p:sp>
+      <p:sp>
+        <p:nvSpPr>
+          <p:cNvPr id="5" name="Slide Number Placeholder 4"/>
+          <p:cNvSpPr>
+            <a:spLocks noGrp="1"/>
+          </p:cNvSpPr>
+          <p:nvPr>
+            <p:ph type="sldNum" sz="quarter" idx="12"/>
+          </p:nvPr>
+        </p:nvSpPr>
+        <p:spPr/>
+        <p:txBody>
+          <a:bodyPr/>
+          <a:lstStyle/>
+          <a:p>
+            <a:fld id="{48F63A3B-78C7-47BE-AE5E-E10140E04643}" type="slidenum">
+              <a:rPr lang="en-US" smtClean="0"/>
+              <a:t>‹#›</a:t>
+            </a:fld>
+            <a:endParaRPr lang="en-US" dirty="0"/>
+          </a:p>
+        </p:txBody>
+      </p:sp>
+    </p:spTree>
+    <p:extLst>
+      <p:ext uri="{BB962C8B-B14F-4D97-AF65-F5344CB8AC3E}">
+        <p14:creationId xmlns:p14="http://schemas.microsoft.com/office/powerpoint/2010/main" val="2014301837"/>
+      </p:ext>
+    </p:extLst>
+  </p:cSld>
+  <p:clrMapOvr>
+    <a:masterClrMapping/>
+  </p:clrMapOvr>
+</p:sldLayout>
+</file>
+
+<file path=ppt/slideLayouts/slideLayout15.xml><?xml version="1.0" encoding="utf-8"?>
+<p:sldLayout xmlns:a="http://schemas.openxmlformats.org/drawingml/2006/main" xmlns:r="http://schemas.openxmlformats.org/officeDocument/2006/relationships" xmlns:p="http://schemas.openxmlformats.org/presentationml/2006/main" preserve="1">
+  <p:cSld name="3 Picture Column">
+    <p:spTree>
+      <p:nvGrpSpPr>
+        <p:cNvPr id="1" name=""/>
+        <p:cNvGrpSpPr/>
+        <p:nvPr/>
+      </p:nvGrpSpPr>
+      <p:grpSpPr>
+        <a:xfrm>
+          <a:off x="0" y="0"/>
+          <a:ext cx="0" cy="0"/>
+          <a:chOff x="0" y="0"/>
+          <a:chExt cx="0" cy="0"/>
+        </a:xfrm>
+      </p:grpSpPr>
+      <p:sp>
+        <p:nvSpPr>
+          <p:cNvPr id="30" name="Title 1"/>
+          <p:cNvSpPr>
+            <a:spLocks noGrp="1"/>
+          </p:cNvSpPr>
+          <p:nvPr>
+            <p:ph type="title"/>
+          </p:nvPr>
+        </p:nvSpPr>
+        <p:spPr>
+          <a:xfrm>
+            <a:off x="913795" y="609600"/>
+            <a:ext cx="10353762" cy="1325563"/>
+          </a:xfrm>
+        </p:spPr>
+        <p:txBody>
+          <a:bodyPr/>
+          <a:lstStyle/>
+          <a:p>
+            <a:r>
+              <a:rPr lang="en-US" smtClean="0"/>
+              <a:t>Click to edit Master title style</a:t>
+            </a:r>
+            <a:endParaRPr lang="en-US" dirty="0"/>
+          </a:p>
+        </p:txBody>
+      </p:sp>
+      <p:sp>
+        <p:nvSpPr>
+          <p:cNvPr id="19" name="Text Placeholder 2"/>
+          <p:cNvSpPr>
+            <a:spLocks noGrp="1"/>
+          </p:cNvSpPr>
+          <p:nvPr>
+            <p:ph type="body" idx="1"/>
+          </p:nvPr>
+        </p:nvSpPr>
+        <p:spPr>
+          <a:xfrm>
+            <a:off x="913795" y="4195899"/>
+            <a:ext cx="3298955" cy="576262"/>
+          </a:xfrm>
+        </p:spPr>
+        <p:txBody>
+          <a:bodyPr anchor="b">
+            <a:noAutofit/>
+          </a:bodyPr>
+          <a:lstStyle>
+            <a:lvl1pPr marL="0" indent="0" algn="ctr">
+              <a:lnSpc>
+                <a:spcPct val="100000"/>
+              </a:lnSpc>
+              <a:buNone/>
+              <a:defRPr sz="2000" b="0">
+                <a:solidFill>
+                  <a:schemeClr val="tx1"/>
+                </a:solidFill>
+              </a:defRPr>
+            </a:lvl1pPr>
+            <a:lvl2pPr marL="457200" indent="0">
+              <a:buNone/>
+              <a:defRPr sz="2000" b="1"/>
+            </a:lvl2pPr>
+            <a:lvl3pPr marL="914400" indent="0">
+              <a:buNone/>
+              <a:defRPr sz="1800" b="1"/>
+            </a:lvl3pPr>
+            <a:lvl4pPr marL="1371600" indent="0">
+              <a:buNone/>
+              <a:defRPr sz="1600" b="1"/>
+            </a:lvl4pPr>
+            <a:lvl5pPr marL="1828800" indent="0">
+              <a:buNone/>
+              <a:defRPr sz="1600" b="1"/>
+            </a:lvl5pPr>
+            <a:lvl6pPr marL="2286000" indent="0">
+              <a:buNone/>
+              <a:defRPr sz="1600" b="1"/>
+            </a:lvl6pPr>
+            <a:lvl7pPr marL="2743200" indent="0">
+              <a:buNone/>
+              <a:defRPr sz="1600" b="1"/>
+            </a:lvl7pPr>
+            <a:lvl8pPr marL="3200400" indent="0">
+              <a:buNone/>
+              <a:defRPr sz="1600" b="1"/>
+            </a:lvl8pPr>
+            <a:lvl9pPr marL="3657600" indent="0">
+              <a:buNone/>
+              <a:defRPr sz="1600" b="1"/>
+            </a:lvl9pPr>
+          </a:lstStyle>
+          <a:p>
+            <a:pPr lvl="0"/>
+            <a:r>
+              <a:rPr lang="en-US" smtClean="0"/>
+              <a:t>Edit Master text styles</a:t>
+            </a:r>
+          </a:p>
+        </p:txBody>
+      </p:sp>
+      <p:sp>
+        <p:nvSpPr>
+          <p:cNvPr id="20" name="Picture Placeholder 2"/>
+          <p:cNvSpPr>
+            <a:spLocks noGrp="1" noChangeAspect="1"/>
+          </p:cNvSpPr>
+          <p:nvPr>
+            <p:ph type="pic" idx="15"/>
+          </p:nvPr>
+        </p:nvSpPr>
+        <p:spPr>
+          <a:xfrm>
+            <a:off x="1092020" y="2298987"/>
+            <a:ext cx="2940050" cy="1524000"/>
+          </a:xfrm>
+          <a:prstGeom prst="roundRect">
+            <a:avLst>
+              <a:gd name="adj" fmla="val 0"/>
+            </a:avLst>
+          </a:prstGeom>
+          <a:noFill/>
+          <a:ln w="146050" cap="sq">
+            <a:solidFill>
+              <a:srgbClr val="FFFFFF"/>
+            </a:solidFill>
+            <a:miter lim="800000"/>
+          </a:ln>
+          <a:effectLst>
+            <a:outerShdw blurRad="55000" dist="18000" dir="5400000" algn="tl" rotWithShape="0">
+              <a:srgbClr val="000000">
+                <a:alpha val="40000"/>
+              </a:srgbClr>
+            </a:outerShdw>
+          </a:effectLst>
+          <a:scene3d>
+            <a:camera prst="orthographicFront"/>
+            <a:lightRig rig="twoPt" dir="t">
+              <a:rot lat="0" lon="0" rev="7200000"/>
+            </a:lightRig>
+          </a:scene3d>
+          <a:sp3d>
+            <a:bevelT w="25400" h="19050"/>
+            <a:contourClr>
+              <a:srgbClr val="FFFFFF"/>
+            </a:contourClr>
+          </a:sp3d>
+        </p:spPr>
+        <p:txBody>
+          <a:bodyPr anchor="t">
+            <a:normAutofit/>
+          </a:bodyPr>
+          <a:lstStyle>
+            <a:lvl1pPr marL="0" indent="0" algn="ctr">
+              <a:buNone/>
+              <a:defRPr sz="1600"/>
+            </a:lvl1pPr>
+            <a:lvl2pPr marL="457200" indent="0">
+              <a:buNone/>
+              <a:defRPr sz="1600"/>
+            </a:lvl2pPr>
+            <a:lvl3pPr marL="914400" indent="0">
+              <a:buNone/>
+              <a:defRPr sz="1600"/>
+            </a:lvl3pPr>
+            <a:lvl4pPr marL="1371600" indent="0">
+              <a:buNone/>
+              <a:defRPr sz="1600"/>
+            </a:lvl4pPr>
+            <a:lvl5pPr marL="1828800" indent="0">
+              <a:buNone/>
+              <a:defRPr sz="1600"/>
+            </a:lvl5pPr>
+            <a:lvl6pPr marL="2286000" indent="0">
+              <a:buNone/>
+              <a:defRPr sz="1600"/>
+            </a:lvl6pPr>
+            <a:lvl7pPr marL="2743200" indent="0">
+              <a:buNone/>
+              <a:defRPr sz="1600"/>
+            </a:lvl7pPr>
+            <a:lvl8pPr marL="3200400" indent="0">
+              <a:buNone/>
+              <a:defRPr sz="1600"/>
+            </a:lvl8pPr>
+            <a:lvl9pPr marL="3657600" indent="0">
+              <a:buNone/>
+              <a:defRPr sz="1600"/>
+            </a:lvl9pPr>
+          </a:lstStyle>
+          <a:p>
+            <a:r>
+              <a:rPr lang="en-US" smtClean="0"/>
+              <a:t>Click icon to add picture</a:t>
+            </a:r>
+            <a:endParaRPr lang="en-US" dirty="0"/>
+          </a:p>
+        </p:txBody>
+      </p:sp>
+      <p:sp>
+        <p:nvSpPr>
+          <p:cNvPr id="21" name="Text Placeholder 3"/>
+          <p:cNvSpPr>
+            <a:spLocks noGrp="1"/>
+          </p:cNvSpPr>
+          <p:nvPr>
+            <p:ph type="body" sz="half" idx="18"/>
+          </p:nvPr>
+        </p:nvSpPr>
+        <p:spPr>
+          <a:xfrm>
+            <a:off x="913795" y="4772161"/>
+            <a:ext cx="3298955" cy="1019038"/>
+          </a:xfrm>
+        </p:spPr>
+        <p:txBody>
+          <a:bodyPr anchor="t">
+            <a:normAutofit/>
+          </a:bodyPr>
+          <a:lstStyle>
+            <a:lvl1pPr marL="0" indent="0" algn="ctr">
+              <a:buNone/>
+              <a:defRPr sz="1400"/>
+            </a:lvl1pPr>
+            <a:lvl2pPr marL="457200" indent="0">
+              <a:buNone/>
+              <a:defRPr sz="1200"/>
+            </a:lvl2pPr>
+            <a:lvl3pPr marL="914400" indent="0">
+              <a:buNone/>
+              <a:defRPr sz="1000"/>
+            </a:lvl3pPr>
+            <a:lvl4pPr marL="1371600" indent="0">
+              <a:buNone/>
+              <a:defRPr sz="900"/>
+            </a:lvl4pPr>
+            <a:lvl5pPr marL="1828800" indent="0">
+              <a:buNone/>
+              <a:defRPr sz="900"/>
+            </a:lvl5pPr>
+            <a:lvl6pPr marL="2286000" indent="0">
+              <a:buNone/>
+              <a:defRPr sz="900"/>
+            </a:lvl6pPr>
+            <a:lvl7pPr marL="2743200" indent="0">
+              <a:buNone/>
+              <a:defRPr sz="900"/>
+            </a:lvl7pPr>
+            <a:lvl8pPr marL="3200400" indent="0">
+              <a:buNone/>
+              <a:defRPr sz="900"/>
+            </a:lvl8pPr>
+            <a:lvl9pPr marL="3657600" indent="0">
+              <a:buNone/>
+              <a:defRPr sz="900"/>
+            </a:lvl9pPr>
+          </a:lstStyle>
+          <a:p>
+            <a:pPr lvl="0"/>
+            <a:r>
+              <a:rPr lang="en-US" smtClean="0"/>
+              <a:t>Edit Master text styles</a:t>
+            </a:r>
+          </a:p>
+        </p:txBody>
+      </p:sp>
+      <p:sp>
+        <p:nvSpPr>
+          <p:cNvPr id="22" name="Text Placeholder 4"/>
+          <p:cNvSpPr>
+            <a:spLocks noGrp="1"/>
+          </p:cNvSpPr>
+          <p:nvPr>
+            <p:ph type="body" sz="quarter" idx="3"/>
+          </p:nvPr>
+        </p:nvSpPr>
+        <p:spPr>
+          <a:xfrm>
+            <a:off x="4442701" y="4195899"/>
+            <a:ext cx="3298983" cy="576262"/>
+          </a:xfrm>
+        </p:spPr>
+        <p:txBody>
+          <a:bodyPr anchor="b">
+            <a:noAutofit/>
+          </a:bodyPr>
+          <a:lstStyle>
+            <a:lvl1pPr marL="0" indent="0" algn="ctr">
+              <a:lnSpc>
+                <a:spcPct val="100000"/>
+              </a:lnSpc>
+              <a:buNone/>
+              <a:defRPr sz="2000" b="0">
+                <a:solidFill>
+                  <a:schemeClr val="tx1"/>
+                </a:solidFill>
+              </a:defRPr>
+            </a:lvl1pPr>
+            <a:lvl2pPr marL="457200" indent="0">
+              <a:buNone/>
+              <a:defRPr sz="2000" b="1"/>
+            </a:lvl2pPr>
+            <a:lvl3pPr marL="914400" indent="0">
+              <a:buNone/>
+              <a:defRPr sz="1800" b="1"/>
+            </a:lvl3pPr>
+            <a:lvl4pPr marL="1371600" indent="0">
+              <a:buNone/>
+              <a:defRPr sz="1600" b="1"/>
+            </a:lvl4pPr>
+            <a:lvl5pPr marL="1828800" indent="0">
+              <a:buNone/>
+              <a:defRPr sz="1600" b="1"/>
+            </a:lvl5pPr>
+            <a:lvl6pPr marL="2286000" indent="0">
+              <a:buNone/>
+              <a:defRPr sz="1600" b="1"/>
+            </a:lvl6pPr>
+            <a:lvl7pPr marL="2743200" indent="0">
+              <a:buNone/>
+              <a:defRPr sz="1600" b="1"/>
+            </a:lvl7pPr>
+            <a:lvl8pPr marL="3200400" indent="0">
+              <a:buNone/>
+              <a:defRPr sz="1600" b="1"/>
+            </a:lvl8pPr>
+            <a:lvl9pPr marL="3657600" indent="0">
+              <a:buNone/>
+              <a:defRPr sz="1600" b="1"/>
+            </a:lvl9pPr>
+          </a:lstStyle>
+          <a:p>
+            <a:pPr lvl="0"/>
+            <a:r>
+              <a:rPr lang="en-US" smtClean="0"/>
+              <a:t>Edit Master text styles</a:t>
+            </a:r>
+          </a:p>
+        </p:txBody>
+      </p:sp>
+      <p:sp>
+        <p:nvSpPr>
+          <p:cNvPr id="23" name="Picture Placeholder 2"/>
+          <p:cNvSpPr>
+            <a:spLocks noGrp="1" noChangeAspect="1"/>
+          </p:cNvSpPr>
+          <p:nvPr>
+            <p:ph type="pic" idx="21"/>
+          </p:nvPr>
+        </p:nvSpPr>
+        <p:spPr>
+          <a:xfrm>
+            <a:off x="4568996" y="2298987"/>
+            <a:ext cx="2930525" cy="1524000"/>
+          </a:xfrm>
+          <a:prstGeom prst="roundRect">
+            <a:avLst>
+              <a:gd name="adj" fmla="val 0"/>
+            </a:avLst>
+          </a:prstGeom>
+          <a:noFill/>
+          <a:ln w="146050" cap="sq">
+            <a:solidFill>
+              <a:srgbClr val="FFFFFF"/>
+            </a:solidFill>
+            <a:miter lim="800000"/>
+          </a:ln>
+          <a:effectLst>
+            <a:outerShdw blurRad="55000" dist="18000" dir="5400000" algn="tl" rotWithShape="0">
+              <a:srgbClr val="000000">
+                <a:alpha val="40000"/>
+              </a:srgbClr>
+            </a:outerShdw>
+          </a:effectLst>
+          <a:scene3d>
+            <a:camera prst="orthographicFront"/>
+            <a:lightRig rig="twoPt" dir="t">
+              <a:rot lat="0" lon="0" rev="7200000"/>
+            </a:lightRig>
+          </a:scene3d>
+          <a:sp3d>
+            <a:bevelT w="25400" h="19050"/>
+            <a:contourClr>
+              <a:srgbClr val="FFFFFF"/>
+            </a:contourClr>
+          </a:sp3d>
+        </p:spPr>
+        <p:txBody>
+          <a:bodyPr anchor="t">
+            <a:normAutofit/>
+          </a:bodyPr>
+          <a:lstStyle>
+            <a:lvl1pPr marL="0" indent="0" algn="ctr">
+              <a:buNone/>
+              <a:defRPr sz="1600"/>
+            </a:lvl1pPr>
+            <a:lvl2pPr marL="457200" indent="0">
+              <a:buNone/>
+              <a:defRPr sz="1600"/>
+            </a:lvl2pPr>
+            <a:lvl3pPr marL="914400" indent="0">
+              <a:buNone/>
+              <a:defRPr sz="1600"/>
+            </a:lvl3pPr>
+            <a:lvl4pPr marL="1371600" indent="0">
+              <a:buNone/>
+              <a:defRPr sz="1600"/>
+            </a:lvl4pPr>
+            <a:lvl5pPr marL="1828800" indent="0">
+              <a:buNone/>
+              <a:defRPr sz="1600"/>
+            </a:lvl5pPr>
+            <a:lvl6pPr marL="2286000" indent="0">
+              <a:buNone/>
+              <a:defRPr sz="1600"/>
+            </a:lvl6pPr>
+            <a:lvl7pPr marL="2743200" indent="0">
+              <a:buNone/>
+              <a:defRPr sz="1600"/>
+            </a:lvl7pPr>
+            <a:lvl8pPr marL="3200400" indent="0">
+              <a:buNone/>
+              <a:defRPr sz="1600"/>
+            </a:lvl8pPr>
+            <a:lvl9pPr marL="3657600" indent="0">
+              <a:buNone/>
+              <a:defRPr sz="1600"/>
+            </a:lvl9pPr>
+          </a:lstStyle>
+          <a:p>
+            <a:r>
+              <a:rPr lang="en-US" smtClean="0"/>
+              <a:t>Click icon to add picture</a:t>
+            </a:r>
+            <a:endParaRPr lang="en-US" dirty="0"/>
+          </a:p>
+        </p:txBody>
+      </p:sp>
+      <p:sp>
+        <p:nvSpPr>
+          <p:cNvPr id="24" name="Text Placeholder 3"/>
+          <p:cNvSpPr>
+            <a:spLocks noGrp="1"/>
+          </p:cNvSpPr>
+          <p:nvPr>
+            <p:ph type="body" sz="half" idx="19"/>
+          </p:nvPr>
+        </p:nvSpPr>
+        <p:spPr>
+          <a:xfrm>
+            <a:off x="4441348" y="4772160"/>
+            <a:ext cx="3300336" cy="1019038"/>
+          </a:xfrm>
+        </p:spPr>
+        <p:txBody>
+          <a:bodyPr anchor="t">
+            <a:normAutofit/>
+          </a:bodyPr>
+          <a:lstStyle>
+            <a:lvl1pPr marL="0" indent="0" algn="ctr">
+              <a:buNone/>
+              <a:defRPr sz="1400"/>
+            </a:lvl1pPr>
+            <a:lvl2pPr marL="457200" indent="0">
+              <a:buNone/>
+              <a:defRPr sz="1200"/>
+            </a:lvl2pPr>
+            <a:lvl3pPr marL="914400" indent="0">
+              <a:buNone/>
+              <a:defRPr sz="1000"/>
+            </a:lvl3pPr>
+            <a:lvl4pPr marL="1371600" indent="0">
+              <a:buNone/>
+              <a:defRPr sz="900"/>
+            </a:lvl4pPr>
+            <a:lvl5pPr marL="1828800" indent="0">
+              <a:buNone/>
+              <a:defRPr sz="900"/>
+            </a:lvl5pPr>
+            <a:lvl6pPr marL="2286000" indent="0">
+              <a:buNone/>
+              <a:defRPr sz="900"/>
+            </a:lvl6pPr>
+            <a:lvl7pPr marL="2743200" indent="0">
+              <a:buNone/>
+              <a:defRPr sz="900"/>
+            </a:lvl7pPr>
+            <a:lvl8pPr marL="3200400" indent="0">
+              <a:buNone/>
+              <a:defRPr sz="900"/>
+            </a:lvl8pPr>
+            <a:lvl9pPr marL="3657600" indent="0">
+              <a:buNone/>
+              <a:defRPr sz="900"/>
+            </a:lvl9pPr>
+          </a:lstStyle>
+          <a:p>
+            <a:pPr lvl="0"/>
+            <a:r>
+              <a:rPr lang="en-US" smtClean="0"/>
+              <a:t>Edit Master text styles</a:t>
+            </a:r>
+          </a:p>
+        </p:txBody>
+      </p:sp>
+      <p:sp>
+        <p:nvSpPr>
+          <p:cNvPr id="25" name="Text Placeholder 4"/>
+          <p:cNvSpPr>
+            <a:spLocks noGrp="1"/>
+          </p:cNvSpPr>
+          <p:nvPr>
+            <p:ph type="body" sz="quarter" idx="13"/>
+          </p:nvPr>
+        </p:nvSpPr>
+        <p:spPr>
+          <a:xfrm>
+            <a:off x="7973423" y="4195899"/>
+            <a:ext cx="3289900" cy="576262"/>
+          </a:xfrm>
+        </p:spPr>
+        <p:txBody>
+          <a:bodyPr anchor="b">
+            <a:noAutofit/>
+          </a:bodyPr>
+          <a:lstStyle>
+            <a:lvl1pPr marL="0" indent="0" algn="ctr">
+              <a:lnSpc>
+                <a:spcPct val="100000"/>
+              </a:lnSpc>
+              <a:buNone/>
+              <a:defRPr sz="2000" b="0">
+                <a:solidFill>
+                  <a:schemeClr val="tx1"/>
+                </a:solidFill>
+              </a:defRPr>
+            </a:lvl1pPr>
+            <a:lvl2pPr marL="457200" indent="0">
+              <a:buNone/>
+              <a:defRPr sz="2000" b="1"/>
+            </a:lvl2pPr>
+            <a:lvl3pPr marL="914400" indent="0">
+              <a:buNone/>
+              <a:defRPr sz="1800" b="1"/>
+            </a:lvl3pPr>
+            <a:lvl4pPr marL="1371600" indent="0">
+              <a:buNone/>
+              <a:defRPr sz="1600" b="1"/>
+            </a:lvl4pPr>
+            <a:lvl5pPr marL="1828800" indent="0">
+              <a:buNone/>
+              <a:defRPr sz="1600" b="1"/>
+            </a:lvl5pPr>
+            <a:lvl6pPr marL="2286000" indent="0">
+              <a:buNone/>
+              <a:defRPr sz="1600" b="1"/>
+            </a:lvl6pPr>
+            <a:lvl7pPr marL="2743200" indent="0">
+              <a:buNone/>
+              <a:defRPr sz="1600" b="1"/>
+            </a:lvl7pPr>
+            <a:lvl8pPr marL="3200400" indent="0">
+              <a:buNone/>
+              <a:defRPr sz="1600" b="1"/>
+            </a:lvl8pPr>
+            <a:lvl9pPr marL="3657600" indent="0">
+              <a:buNone/>
+              <a:defRPr sz="1600" b="1"/>
+            </a:lvl9pPr>
+          </a:lstStyle>
+          <a:p>
+            <a:pPr lvl="0"/>
+            <a:r>
+              <a:rPr lang="en-US" smtClean="0"/>
+              <a:t>Edit Master text styles</a:t>
+            </a:r>
+          </a:p>
+        </p:txBody>
+      </p:sp>
+      <p:sp>
+        <p:nvSpPr>
+          <p:cNvPr id="26" name="Picture Placeholder 2"/>
+          <p:cNvSpPr>
+            <a:spLocks noGrp="1" noChangeAspect="1"/>
+          </p:cNvSpPr>
+          <p:nvPr>
+            <p:ph type="pic" idx="22"/>
+          </p:nvPr>
+        </p:nvSpPr>
+        <p:spPr>
+          <a:xfrm>
+            <a:off x="8152803" y="2298987"/>
+            <a:ext cx="2932113" cy="1524000"/>
+          </a:xfrm>
+          <a:prstGeom prst="roundRect">
+            <a:avLst>
+              <a:gd name="adj" fmla="val 0"/>
+            </a:avLst>
+          </a:prstGeom>
+          <a:noFill/>
+          <a:ln w="146050" cap="sq">
+            <a:solidFill>
+              <a:srgbClr val="FFFFFF"/>
+            </a:solidFill>
+            <a:miter lim="800000"/>
+          </a:ln>
+          <a:effectLst>
+            <a:outerShdw blurRad="55000" dist="18000" dir="5400000" algn="tl" rotWithShape="0">
+              <a:srgbClr val="000000">
+                <a:alpha val="40000"/>
+              </a:srgbClr>
+            </a:outerShdw>
+          </a:effectLst>
+          <a:scene3d>
+            <a:camera prst="orthographicFront"/>
+            <a:lightRig rig="twoPt" dir="t">
+              <a:rot lat="0" lon="0" rev="7200000"/>
+            </a:lightRig>
+          </a:scene3d>
+          <a:sp3d>
+            <a:bevelT w="25400" h="19050"/>
+            <a:contourClr>
+              <a:srgbClr val="FFFFFF"/>
+            </a:contourClr>
+          </a:sp3d>
+        </p:spPr>
+        <p:txBody>
+          <a:bodyPr anchor="t">
+            <a:normAutofit/>
+          </a:bodyPr>
+          <a:lstStyle>
+            <a:lvl1pPr marL="0" indent="0" algn="ctr">
+              <a:buNone/>
+              <a:defRPr sz="1600"/>
+            </a:lvl1pPr>
+            <a:lvl2pPr marL="457200" indent="0">
+              <a:buNone/>
+              <a:defRPr sz="1600"/>
+            </a:lvl2pPr>
+            <a:lvl3pPr marL="914400" indent="0">
+              <a:buNone/>
+              <a:defRPr sz="1600"/>
+            </a:lvl3pPr>
+            <a:lvl4pPr marL="1371600" indent="0">
+              <a:buNone/>
+              <a:defRPr sz="1600"/>
+            </a:lvl4pPr>
+            <a:lvl5pPr marL="1828800" indent="0">
+              <a:buNone/>
+              <a:defRPr sz="1600"/>
+            </a:lvl5pPr>
+            <a:lvl6pPr marL="2286000" indent="0">
+              <a:buNone/>
+              <a:defRPr sz="1600"/>
+            </a:lvl6pPr>
+            <a:lvl7pPr marL="2743200" indent="0">
+              <a:buNone/>
+              <a:defRPr sz="1600"/>
+            </a:lvl7pPr>
+            <a:lvl8pPr marL="3200400" indent="0">
+              <a:buNone/>
+              <a:defRPr sz="1600"/>
+            </a:lvl8pPr>
+            <a:lvl9pPr marL="3657600" indent="0">
+              <a:buNone/>
+              <a:defRPr sz="1600"/>
+            </a:lvl9pPr>
+          </a:lstStyle>
+          <a:p>
+            <a:r>
+              <a:rPr lang="en-US" smtClean="0"/>
+              <a:t>Click icon to add picture</a:t>
+            </a:r>
+            <a:endParaRPr lang="en-US" dirty="0"/>
+          </a:p>
+        </p:txBody>
+      </p:sp>
+      <p:sp>
+        <p:nvSpPr>
+          <p:cNvPr id="27" name="Text Placeholder 3"/>
+          <p:cNvSpPr>
+            <a:spLocks noGrp="1"/>
+          </p:cNvSpPr>
+          <p:nvPr>
+            <p:ph type="body" sz="half" idx="20"/>
+          </p:nvPr>
+        </p:nvSpPr>
+        <p:spPr>
+          <a:xfrm>
+            <a:off x="7973298" y="4772161"/>
+            <a:ext cx="3294258" cy="1019037"/>
+          </a:xfrm>
+        </p:spPr>
+        <p:txBody>
+          <a:bodyPr anchor="t">
+            <a:normAutofit/>
+          </a:bodyPr>
+          <a:lstStyle>
+            <a:lvl1pPr marL="0" indent="0" algn="ctr">
+              <a:buNone/>
+              <a:defRPr sz="1400"/>
+            </a:lvl1pPr>
+            <a:lvl2pPr marL="457200" indent="0">
+              <a:buNone/>
+              <a:defRPr sz="1200"/>
+            </a:lvl2pPr>
+            <a:lvl3pPr marL="914400" indent="0">
+              <a:buNone/>
+              <a:defRPr sz="1000"/>
+            </a:lvl3pPr>
+            <a:lvl4pPr marL="1371600" indent="0">
+              <a:buNone/>
+              <a:defRPr sz="900"/>
+            </a:lvl4pPr>
+            <a:lvl5pPr marL="1828800" indent="0">
+              <a:buNone/>
+              <a:defRPr sz="900"/>
+            </a:lvl5pPr>
+            <a:lvl6pPr marL="2286000" indent="0">
+              <a:buNone/>
+              <a:defRPr sz="900"/>
+            </a:lvl6pPr>
+            <a:lvl7pPr marL="2743200" indent="0">
+              <a:buNone/>
+              <a:defRPr sz="900"/>
+            </a:lvl7pPr>
+            <a:lvl8pPr marL="3200400" indent="0">
+              <a:buNone/>
+              <a:defRPr sz="900"/>
+            </a:lvl8pPr>
+            <a:lvl9pPr marL="3657600" indent="0">
+              <a:buNone/>
+              <a:defRPr sz="900"/>
+            </a:lvl9pPr>
+          </a:lstStyle>
+          <a:p>
+            <a:pPr lvl="0"/>
+            <a:r>
+              <a:rPr lang="en-US" smtClean="0"/>
+              <a:t>Edit Master text styles</a:t>
+            </a:r>
+          </a:p>
+        </p:txBody>
+      </p:sp>
+      <p:sp>
+        <p:nvSpPr>
+          <p:cNvPr id="3" name="Date Placeholder 2"/>
+          <p:cNvSpPr>
+            <a:spLocks noGrp="1"/>
+          </p:cNvSpPr>
+          <p:nvPr>
+            <p:ph type="dt" sz="half" idx="10"/>
+          </p:nvPr>
+        </p:nvSpPr>
+        <p:spPr/>
+        <p:txBody>
+          <a:bodyPr/>
+          <a:lstStyle/>
+          <a:p>
+            <a:fld id="{C764DE79-268F-4C1A-8933-263129D2AF90}" type="datetimeFigureOut">
+              <a:rPr lang="en-US" smtClean="0"/>
+              <a:t>7/15/2021</a:t>
+            </a:fld>
+            <a:endParaRPr lang="en-US" dirty="0"/>
+          </a:p>
+        </p:txBody>
+      </p:sp>
+      <p:sp>
+        <p:nvSpPr>
+          <p:cNvPr id="4" name="Footer Placeholder 3"/>
+          <p:cNvSpPr>
+            <a:spLocks noGrp="1"/>
+          </p:cNvSpPr>
+          <p:nvPr>
+            <p:ph type="ftr" sz="quarter" idx="11"/>
+          </p:nvPr>
+        </p:nvSpPr>
+        <p:spPr/>
+        <p:txBody>
+          <a:bodyPr/>
+          <a:lstStyle/>
+          <a:p>
+            <a:endParaRPr lang="en-US" dirty="0"/>
+          </a:p>
+        </p:txBody>
+      </p:sp>
+      <p:sp>
+        <p:nvSpPr>
+          <p:cNvPr id="5" name="Slide Number Placeholder 4"/>
+          <p:cNvSpPr>
+            <a:spLocks noGrp="1"/>
+          </p:cNvSpPr>
+          <p:nvPr>
+            <p:ph type="sldNum" sz="quarter" idx="12"/>
+          </p:nvPr>
+        </p:nvSpPr>
+        <p:spPr/>
+        <p:txBody>
+          <a:bodyPr/>
+          <a:lstStyle/>
+          <a:p>
+            <a:fld id="{48F63A3B-78C7-47BE-AE5E-E10140E04643}" type="slidenum">
+              <a:rPr lang="en-US" smtClean="0"/>
+              <a:t>‹#›</a:t>
+            </a:fld>
+            <a:endParaRPr lang="en-US" dirty="0"/>
+          </a:p>
+        </p:txBody>
+      </p:sp>
+    </p:spTree>
+    <p:extLst>
+      <p:ext uri="{BB962C8B-B14F-4D97-AF65-F5344CB8AC3E}">
+        <p14:creationId xmlns:p14="http://schemas.microsoft.com/office/powerpoint/2010/main" val="1986497860"/>
+      </p:ext>
+    </p:extLst>
+  </p:cSld>
+  <p:clrMapOvr>
+    <a:masterClrMapping/>
+  </p:clrMapOvr>
+</p:sldLayout>
+</file>
+
+<file path=ppt/slideLayouts/slideLayout16.xml><?xml version="1.0" encoding="utf-8"?>
 <p:sldLayout xmlns:a="http://schemas.openxmlformats.org/drawingml/2006/main" xmlns:r="http://schemas.openxmlformats.org/officeDocument/2006/relationships" xmlns:p="http://schemas.openxmlformats.org/presentationml/2006/main" type="vertTx" preserve="1">
   <p:cSld name="Title and Vertical Text">
     <p:spTree>
@@ -1892,9 +4447,10 @@
           <a:lstStyle/>
           <a:p>
             <a:r>
-              <a:rPr lang="en-US" dirty="0"/>
+              <a:rPr lang="en-US" smtClean="0"/>
               <a:t>Click to edit Master title style</a:t>
             </a:r>
+            <a:endParaRPr lang="en-US" dirty="0"/>
           </a:p>
         </p:txBody>
       </p:sp>
@@ -1915,37 +4471,38 @@
           <a:p>
             <a:pPr lvl="0"/>
             <a:r>
-              <a:rPr lang="en-US" dirty="0"/>
-              <a:t>Click to edit Master text styles</a:t>
+              <a:rPr lang="en-US" smtClean="0"/>
+              <a:t>Edit Master text styles</a:t>
             </a:r>
           </a:p>
           <a:p>
             <a:pPr lvl="1"/>
             <a:r>
-              <a:rPr lang="en-US" dirty="0"/>
+              <a:rPr lang="en-US" smtClean="0"/>
               <a:t>Second level</a:t>
             </a:r>
           </a:p>
           <a:p>
             <a:pPr lvl="2"/>
             <a:r>
-              <a:rPr lang="en-US" dirty="0"/>
+              <a:rPr lang="en-US" smtClean="0"/>
               <a:t>Third level</a:t>
             </a:r>
           </a:p>
           <a:p>
             <a:pPr lvl="3"/>
             <a:r>
-              <a:rPr lang="en-US" dirty="0"/>
+              <a:rPr lang="en-US" smtClean="0"/>
               <a:t>Fourth level</a:t>
             </a:r>
           </a:p>
           <a:p>
             <a:pPr lvl="4"/>
             <a:r>
-              <a:rPr lang="en-US" dirty="0"/>
+              <a:rPr lang="en-US" smtClean="0"/>
               <a:t>Fifth level</a:t>
             </a:r>
+            <a:endParaRPr lang="en-US" dirty="0"/>
           </a:p>
         </p:txBody>
       </p:sp>
@@ -1965,7 +4522,7 @@
           <a:lstStyle/>
           <a:p>
             <a:fld id="{C764DE79-268F-4C1A-8933-263129D2AF90}" type="datetimeFigureOut">
-              <a:rPr lang="en-US" dirty="0"/>
+              <a:rPr lang="en-US" smtClean="0"/>
               <a:t>7/15/2021</a:t>
             </a:fld>
             <a:endParaRPr lang="en-US" dirty="0"/>
@@ -2007,7 +4564,7 @@
           <a:lstStyle/>
           <a:p>
             <a:fld id="{48F63A3B-78C7-47BE-AE5E-E10140E04643}" type="slidenum">
-              <a:rPr lang="en-US" dirty="0"/>
+              <a:rPr lang="en-US" smtClean="0"/>
               <a:t>‹#›</a:t>
             </a:fld>
             <a:endParaRPr lang="en-US" dirty="0"/>
@@ -2017,7 +4574,7 @@
     </p:spTree>
     <p:extLst>
       <p:ext uri="{BB962C8B-B14F-4D97-AF65-F5344CB8AC3E}">
-        <p14:creationId xmlns:p14="http://schemas.microsoft.com/office/powerpoint/2010/main" val="2917578796"/>
+        <p14:creationId xmlns:p14="http://schemas.microsoft.com/office/powerpoint/2010/main" val="296280156"/>
       </p:ext>
     </p:extLst>
   </p:cSld>
@@ -2027,7 +4584,7 @@
 </p:sldLayout>
 </file>
 
-<file path=ppt/slideLayouts/slideLayout11.xml><?xml version="1.0" encoding="utf-8"?>
+<file path=ppt/slideLayouts/slideLayout17.xml><?xml version="1.0" encoding="utf-8"?>
 <p:sldLayout xmlns:a="http://schemas.openxmlformats.org/drawingml/2006/main" xmlns:r="http://schemas.openxmlformats.org/officeDocument/2006/relationships" xmlns:p="http://schemas.openxmlformats.org/presentationml/2006/main" type="vertTitleAndTx" preserve="1">
   <p:cSld name="Vertical Title and Text">
     <p:spTree>
@@ -2056,18 +4613,23 @@
         </p:nvSpPr>
         <p:spPr>
           <a:xfrm>
-            <a:off x="8724900" y="365125"/>
-            <a:ext cx="2628900" cy="5811838"/>
+            <a:off x="8724900" y="609599"/>
+            <a:ext cx="2542657" cy="5181601"/>
           </a:xfrm>
         </p:spPr>
         <p:txBody>
           <a:bodyPr vert="eaVert"/>
-          <a:lstStyle/>
-          <a:p>
-            <a:r>
-              <a:rPr lang="en-US" dirty="0"/>
+          <a:lstStyle>
+            <a:lvl1pPr algn="l">
+              <a:defRPr/>
+            </a:lvl1pPr>
+          </a:lstStyle>
+          <a:p>
+            <a:r>
+              <a:rPr lang="en-US" smtClean="0"/>
               <a:t>Click to edit Master title style</a:t>
             </a:r>
+            <a:endParaRPr lang="en-US" dirty="0"/>
           </a:p>
         </p:txBody>
       </p:sp>
@@ -2083,8 +4645,8 @@
         </p:nvSpPr>
         <p:spPr>
           <a:xfrm>
-            <a:off x="838200" y="365125"/>
-            <a:ext cx="7734300" cy="5811838"/>
+            <a:off x="913794" y="609599"/>
+            <a:ext cx="7658705" cy="5181601"/>
           </a:xfrm>
         </p:spPr>
         <p:txBody>
@@ -2093,37 +4655,38 @@
           <a:p>
             <a:pPr lvl="0"/>
             <a:r>
-              <a:rPr lang="en-US" dirty="0"/>
-              <a:t>Click to edit Master text styles</a:t>
+              <a:rPr lang="en-US" smtClean="0"/>
+              <a:t>Edit Master text styles</a:t>
             </a:r>
           </a:p>
           <a:p>
             <a:pPr lvl="1"/>
             <a:r>
-              <a:rPr lang="en-US" dirty="0"/>
+              <a:rPr lang="en-US" smtClean="0"/>
               <a:t>Second level</a:t>
             </a:r>
           </a:p>
           <a:p>
             <a:pPr lvl="2"/>
             <a:r>
-              <a:rPr lang="en-US" dirty="0"/>
+              <a:rPr lang="en-US" smtClean="0"/>
               <a:t>Third level</a:t>
             </a:r>
           </a:p>
           <a:p>
             <a:pPr lvl="3"/>
             <a:r>
-              <a:rPr lang="en-US" dirty="0"/>
+              <a:rPr lang="en-US" smtClean="0"/>
               <a:t>Fourth level</a:t>
             </a:r>
           </a:p>
           <a:p>
             <a:pPr lvl="4"/>
             <a:r>
-              <a:rPr lang="en-US" dirty="0"/>
+              <a:rPr lang="en-US" smtClean="0"/>
               <a:t>Fifth level</a:t>
             </a:r>
+            <a:endParaRPr lang="en-US" dirty="0"/>
           </a:p>
         </p:txBody>
       </p:sp>
@@ -2143,7 +4706,7 @@
           <a:lstStyle/>
           <a:p>
             <a:fld id="{C764DE79-268F-4C1A-8933-263129D2AF90}" type="datetimeFigureOut">
-              <a:rPr lang="en-US" dirty="0"/>
+              <a:rPr lang="en-US" smtClean="0"/>
               <a:t>7/15/2021</a:t>
             </a:fld>
             <a:endParaRPr lang="en-US" dirty="0"/>
@@ -2185,7 +4748,7 @@
           <a:lstStyle/>
           <a:p>
             <a:fld id="{48F63A3B-78C7-47BE-AE5E-E10140E04643}" type="slidenum">
-              <a:rPr lang="en-US" dirty="0"/>
+              <a:rPr lang="en-US" smtClean="0"/>
               <a:t>‹#›</a:t>
             </a:fld>
             <a:endParaRPr lang="en-US" dirty="0"/>
@@ -2195,7 +4758,7 @@
     </p:spTree>
     <p:extLst>
       <p:ext uri="{BB962C8B-B14F-4D97-AF65-F5344CB8AC3E}">
-        <p14:creationId xmlns:p14="http://schemas.microsoft.com/office/powerpoint/2010/main" val="1206048631"/>
+        <p14:creationId xmlns:p14="http://schemas.microsoft.com/office/powerpoint/2010/main" val="4049239299"/>
       </p:ext>
     </p:extLst>
   </p:cSld>
@@ -2238,9 +4801,10 @@
           <a:lstStyle/>
           <a:p>
             <a:r>
-              <a:rPr lang="en-US" dirty="0"/>
+              <a:rPr lang="en-US" smtClean="0"/>
               <a:t>Click to edit Master title style</a:t>
             </a:r>
+            <a:endParaRPr lang="en-US" dirty="0"/>
           </a:p>
         </p:txBody>
       </p:sp>
@@ -2261,37 +4825,38 @@
           <a:p>
             <a:pPr lvl="0"/>
             <a:r>
-              <a:rPr lang="en-US" dirty="0"/>
-              <a:t>Click to edit Master text styles</a:t>
+              <a:rPr lang="en-US" smtClean="0"/>
+              <a:t>Edit Master text styles</a:t>
             </a:r>
           </a:p>
           <a:p>
             <a:pPr lvl="1"/>
             <a:r>
-              <a:rPr lang="en-US" dirty="0"/>
+              <a:rPr lang="en-US" smtClean="0"/>
               <a:t>Second level</a:t>
             </a:r>
           </a:p>
           <a:p>
             <a:pPr lvl="2"/>
             <a:r>
-              <a:rPr lang="en-US" dirty="0"/>
+              <a:rPr lang="en-US" smtClean="0"/>
               <a:t>Third level</a:t>
             </a:r>
           </a:p>
           <a:p>
             <a:pPr lvl="3"/>
             <a:r>
-              <a:rPr lang="en-US" dirty="0"/>
+              <a:rPr lang="en-US" smtClean="0"/>
               <a:t>Fourth level</a:t>
             </a:r>
           </a:p>
           <a:p>
             <a:pPr lvl="4"/>
             <a:r>
-              <a:rPr lang="en-US" dirty="0"/>
+              <a:rPr lang="en-US" smtClean="0"/>
               <a:t>Fifth level</a:t>
             </a:r>
+            <a:endParaRPr lang="en-US" dirty="0"/>
           </a:p>
         </p:txBody>
       </p:sp>
@@ -2311,7 +4876,7 @@
           <a:lstStyle/>
           <a:p>
             <a:fld id="{C764DE79-268F-4C1A-8933-263129D2AF90}" type="datetimeFigureOut">
-              <a:rPr lang="en-US" dirty="0"/>
+              <a:rPr lang="en-US" smtClean="0"/>
               <a:t>7/15/2021</a:t>
             </a:fld>
             <a:endParaRPr lang="en-US" dirty="0"/>
@@ -2353,7 +4918,7 @@
           <a:lstStyle/>
           <a:p>
             <a:fld id="{48F63A3B-78C7-47BE-AE5E-E10140E04643}" type="slidenum">
-              <a:rPr lang="en-US" dirty="0"/>
+              <a:rPr lang="en-US" smtClean="0"/>
               <a:t>‹#›</a:t>
             </a:fld>
             <a:endParaRPr lang="en-US" dirty="0"/>
@@ -2363,7 +4928,7 @@
     </p:spTree>
     <p:extLst>
       <p:ext uri="{BB962C8B-B14F-4D97-AF65-F5344CB8AC3E}">
-        <p14:creationId xmlns:p14="http://schemas.microsoft.com/office/powerpoint/2010/main" val="2956312396"/>
+        <p14:creationId xmlns:p14="http://schemas.microsoft.com/office/powerpoint/2010/main" val="2519348186"/>
       </p:ext>
     </p:extLst>
   </p:cSld>
@@ -2402,22 +4967,25 @@
         </p:nvSpPr>
         <p:spPr>
           <a:xfrm>
-            <a:off x="831850" y="1709738"/>
-            <a:ext cx="10515600" cy="2852737"/>
+            <a:off x="1229244" y="657226"/>
+            <a:ext cx="9733512" cy="2852737"/>
           </a:xfrm>
         </p:spPr>
         <p:txBody>
-          <a:bodyPr anchor="b"/>
+          <a:bodyPr anchor="b">
+            <a:normAutofit/>
+          </a:bodyPr>
           <a:lstStyle>
             <a:lvl1pPr>
-              <a:defRPr sz="6000"/>
+              <a:defRPr sz="3400"/>
             </a:lvl1pPr>
           </a:lstStyle>
           <a:p>
             <a:r>
-              <a:rPr lang="en-US" dirty="0"/>
+              <a:rPr lang="en-US" smtClean="0"/>
               <a:t>Click to edit Master title style</a:t>
             </a:r>
+            <a:endParaRPr lang="en-US" dirty="0"/>
           </a:p>
         </p:txBody>
       </p:sp>
@@ -2433,14 +5001,14 @@
         </p:nvSpPr>
         <p:spPr>
           <a:xfrm>
-            <a:off x="831850" y="4589463"/>
-            <a:ext cx="10515600" cy="1500187"/>
+            <a:off x="1229244" y="3602038"/>
+            <a:ext cx="9733512" cy="1500187"/>
           </a:xfrm>
         </p:spPr>
         <p:txBody>
           <a:bodyPr/>
           <a:lstStyle>
-            <a:lvl1pPr marL="0" indent="0">
+            <a:lvl1pPr marL="0" indent="0" algn="ctr">
               <a:buNone/>
               <a:defRPr sz="2400">
                 <a:solidFill>
@@ -2534,8 +5102,8 @@
           <a:p>
             <a:pPr lvl="0"/>
             <a:r>
-              <a:rPr lang="en-US" dirty="0"/>
-              <a:t>Click to edit Master text styles</a:t>
+              <a:rPr lang="en-US" smtClean="0"/>
+              <a:t>Edit Master text styles</a:t>
             </a:r>
           </a:p>
         </p:txBody>
@@ -2556,7 +5124,7 @@
           <a:lstStyle/>
           <a:p>
             <a:fld id="{C764DE79-268F-4C1A-8933-263129D2AF90}" type="datetimeFigureOut">
-              <a:rPr lang="en-US" dirty="0"/>
+              <a:rPr lang="en-US" smtClean="0"/>
               <a:t>7/15/2021</a:t>
             </a:fld>
             <a:endParaRPr lang="en-US" dirty="0"/>
@@ -2598,7 +5166,7 @@
           <a:lstStyle/>
           <a:p>
             <a:fld id="{48F63A3B-78C7-47BE-AE5E-E10140E04643}" type="slidenum">
-              <a:rPr lang="en-US" dirty="0"/>
+              <a:rPr lang="en-US" smtClean="0"/>
               <a:t>‹#›</a:t>
             </a:fld>
             <a:endParaRPr lang="en-US" dirty="0"/>
@@ -2608,7 +5176,7 @@
     </p:spTree>
     <p:extLst>
       <p:ext uri="{BB962C8B-B14F-4D97-AF65-F5344CB8AC3E}">
-        <p14:creationId xmlns:p14="http://schemas.microsoft.com/office/powerpoint/2010/main" val="3308999898"/>
+        <p14:creationId xmlns:p14="http://schemas.microsoft.com/office/powerpoint/2010/main" val="539439992"/>
       </p:ext>
     </p:extLst>
   </p:cSld>
@@ -2645,15 +5213,21 @@
             <p:ph type="title"/>
           </p:nvPr>
         </p:nvSpPr>
-        <p:spPr/>
+        <p:spPr>
+          <a:xfrm>
+            <a:off x="913795" y="609600"/>
+            <a:ext cx="10353761" cy="1326321"/>
+          </a:xfrm>
+        </p:spPr>
         <p:txBody>
           <a:bodyPr/>
           <a:lstStyle/>
           <a:p>
             <a:r>
-              <a:rPr lang="en-US" dirty="0"/>
+              <a:rPr lang="en-US" smtClean="0"/>
               <a:t>Click to edit Master title style</a:t>
             </a:r>
+            <a:endParaRPr lang="en-US" dirty="0"/>
           </a:p>
         </p:txBody>
       </p:sp>
@@ -2669,8 +5243,8 @@
         </p:nvSpPr>
         <p:spPr>
           <a:xfrm>
-            <a:off x="838200" y="1825625"/>
-            <a:ext cx="5181600" cy="4351338"/>
+            <a:off x="913795" y="2088319"/>
+            <a:ext cx="5106004" cy="3702881"/>
           </a:xfrm>
         </p:spPr>
         <p:txBody>
@@ -2679,37 +5253,38 @@
           <a:p>
             <a:pPr lvl="0"/>
             <a:r>
-              <a:rPr lang="en-US" dirty="0"/>
-              <a:t>Click to edit Master text styles</a:t>
+              <a:rPr lang="en-US" smtClean="0"/>
+              <a:t>Edit Master text styles</a:t>
             </a:r>
           </a:p>
           <a:p>
             <a:pPr lvl="1"/>
             <a:r>
-              <a:rPr lang="en-US" dirty="0"/>
+              <a:rPr lang="en-US" smtClean="0"/>
               <a:t>Second level</a:t>
             </a:r>
           </a:p>
           <a:p>
             <a:pPr lvl="2"/>
             <a:r>
-              <a:rPr lang="en-US" dirty="0"/>
+              <a:rPr lang="en-US" smtClean="0"/>
               <a:t>Third level</a:t>
             </a:r>
           </a:p>
           <a:p>
             <a:pPr lvl="3"/>
             <a:r>
-              <a:rPr lang="en-US" dirty="0"/>
+              <a:rPr lang="en-US" smtClean="0"/>
               <a:t>Fourth level</a:t>
             </a:r>
           </a:p>
           <a:p>
             <a:pPr lvl="4"/>
             <a:r>
-              <a:rPr lang="en-US" dirty="0"/>
+              <a:rPr lang="en-US" smtClean="0"/>
               <a:t>Fifth level</a:t>
             </a:r>
+            <a:endParaRPr lang="en-US" dirty="0"/>
           </a:p>
         </p:txBody>
       </p:sp>
@@ -2725,8 +5300,8 @@
         </p:nvSpPr>
         <p:spPr>
           <a:xfrm>
-            <a:off x="6172200" y="1825625"/>
-            <a:ext cx="5181600" cy="4351338"/>
+            <a:off x="6173403" y="2088319"/>
+            <a:ext cx="5094154" cy="3702881"/>
           </a:xfrm>
         </p:spPr>
         <p:txBody>
@@ -2735,37 +5310,38 @@
           <a:p>
             <a:pPr lvl="0"/>
             <a:r>
-              <a:rPr lang="en-US" dirty="0"/>
-              <a:t>Click to edit Master text styles</a:t>
+              <a:rPr lang="en-US" smtClean="0"/>
+              <a:t>Edit Master text styles</a:t>
             </a:r>
           </a:p>
           <a:p>
             <a:pPr lvl="1"/>
             <a:r>
-              <a:rPr lang="en-US" dirty="0"/>
+              <a:rPr lang="en-US" smtClean="0"/>
               <a:t>Second level</a:t>
             </a:r>
           </a:p>
           <a:p>
             <a:pPr lvl="2"/>
             <a:r>
-              <a:rPr lang="en-US" dirty="0"/>
+              <a:rPr lang="en-US" smtClean="0"/>
               <a:t>Third level</a:t>
             </a:r>
           </a:p>
           <a:p>
             <a:pPr lvl="3"/>
             <a:r>
-              <a:rPr lang="en-US" dirty="0"/>
+              <a:rPr lang="en-US" smtClean="0"/>
               <a:t>Fourth level</a:t>
             </a:r>
           </a:p>
           <a:p>
             <a:pPr lvl="4"/>
             <a:r>
-              <a:rPr lang="en-US" dirty="0"/>
+              <a:rPr lang="en-US" smtClean="0"/>
               <a:t>Fifth level</a:t>
             </a:r>
+            <a:endParaRPr lang="en-US" dirty="0"/>
           </a:p>
         </p:txBody>
       </p:sp>
@@ -2785,7 +5361,7 @@
           <a:lstStyle/>
           <a:p>
             <a:fld id="{C764DE79-268F-4C1A-8933-263129D2AF90}" type="datetimeFigureOut">
-              <a:rPr lang="en-US" dirty="0"/>
+              <a:rPr lang="en-US" smtClean="0"/>
               <a:t>7/15/2021</a:t>
             </a:fld>
             <a:endParaRPr lang="en-US" dirty="0"/>
@@ -2827,7 +5403,7 @@
           <a:lstStyle/>
           <a:p>
             <a:fld id="{48F63A3B-78C7-47BE-AE5E-E10140E04643}" type="slidenum">
-              <a:rPr lang="en-US" dirty="0"/>
+              <a:rPr lang="en-US" smtClean="0"/>
               <a:t>‹#›</a:t>
             </a:fld>
             <a:endParaRPr lang="en-US" dirty="0"/>
@@ -2837,7 +5413,7 @@
     </p:spTree>
     <p:extLst>
       <p:ext uri="{BB962C8B-B14F-4D97-AF65-F5344CB8AC3E}">
-        <p14:creationId xmlns:p14="http://schemas.microsoft.com/office/powerpoint/2010/main" val="2571162293"/>
+        <p14:creationId xmlns:p14="http://schemas.microsoft.com/office/powerpoint/2010/main" val="3154023816"/>
       </p:ext>
     </p:extLst>
   </p:cSld>
@@ -2876,8 +5452,8 @@
         </p:nvSpPr>
         <p:spPr>
           <a:xfrm>
-            <a:off x="839788" y="365125"/>
-            <a:ext cx="10515600" cy="1325563"/>
+            <a:off x="913795" y="609600"/>
+            <a:ext cx="10353761" cy="1325563"/>
           </a:xfrm>
         </p:spPr>
         <p:txBody>
@@ -2885,9 +5461,10 @@
           <a:lstStyle/>
           <a:p>
             <a:r>
-              <a:rPr lang="en-US" dirty="0"/>
+              <a:rPr lang="en-US" smtClean="0"/>
               <a:t>Click to edit Master title style</a:t>
             </a:r>
+            <a:endParaRPr lang="en-US" dirty="0"/>
           </a:p>
         </p:txBody>
       </p:sp>
@@ -2903,14 +5480,17 @@
         </p:nvSpPr>
         <p:spPr>
           <a:xfrm>
-            <a:off x="839788" y="1681163"/>
-            <a:ext cx="5157787" cy="823912"/>
+            <a:off x="1141804" y="2088320"/>
+            <a:ext cx="4879199" cy="823912"/>
           </a:xfrm>
         </p:spPr>
         <p:txBody>
           <a:bodyPr anchor="b"/>
           <a:lstStyle>
             <a:lvl1pPr marL="0" indent="0">
+              <a:lnSpc>
+                <a:spcPct val="100000"/>
+              </a:lnSpc>
               <a:buNone/>
               <a:defRPr sz="2400" b="1"/>
             </a:lvl1pPr>
@@ -2950,8 +5530,8 @@
           <a:p>
             <a:pPr lvl="0"/>
             <a:r>
-              <a:rPr lang="en-US" dirty="0"/>
-              <a:t>Click to edit Master text styles</a:t>
+              <a:rPr lang="en-US" smtClean="0"/>
+              <a:t>Edit Master text styles</a:t>
             </a:r>
           </a:p>
         </p:txBody>
@@ -2968,8 +5548,8 @@
         </p:nvSpPr>
         <p:spPr>
           <a:xfrm>
-            <a:off x="839788" y="2505075"/>
-            <a:ext cx="5157787" cy="3684588"/>
+            <a:off x="913795" y="2912232"/>
+            <a:ext cx="5107208" cy="2878968"/>
           </a:xfrm>
         </p:spPr>
         <p:txBody>
@@ -2978,37 +5558,38 @@
           <a:p>
             <a:pPr lvl="0"/>
             <a:r>
-              <a:rPr lang="en-US" dirty="0"/>
-              <a:t>Click to edit Master text styles</a:t>
+              <a:rPr lang="en-US" smtClean="0"/>
+              <a:t>Edit Master text styles</a:t>
             </a:r>
           </a:p>
           <a:p>
             <a:pPr lvl="1"/>
             <a:r>
-              <a:rPr lang="en-US" dirty="0"/>
+              <a:rPr lang="en-US" smtClean="0"/>
               <a:t>Second level</a:t>
             </a:r>
           </a:p>
           <a:p>
             <a:pPr lvl="2"/>
             <a:r>
-              <a:rPr lang="en-US" dirty="0"/>
+              <a:rPr lang="en-US" smtClean="0"/>
               <a:t>Third level</a:t>
             </a:r>
           </a:p>
           <a:p>
             <a:pPr lvl="3"/>
             <a:r>
-              <a:rPr lang="en-US" dirty="0"/>
+              <a:rPr lang="en-US" smtClean="0"/>
               <a:t>Fourth level</a:t>
             </a:r>
           </a:p>
           <a:p>
             <a:pPr lvl="4"/>
             <a:r>
-              <a:rPr lang="en-US" dirty="0"/>
+              <a:rPr lang="en-US" smtClean="0"/>
               <a:t>Fifth level</a:t>
             </a:r>
+            <a:endParaRPr lang="en-US" dirty="0"/>
           </a:p>
         </p:txBody>
       </p:sp>
@@ -3024,14 +5605,17 @@
         </p:nvSpPr>
         <p:spPr>
           <a:xfrm>
-            <a:off x="6172200" y="1681163"/>
-            <a:ext cx="5183188" cy="823912"/>
+            <a:off x="6402003" y="2088320"/>
+            <a:ext cx="4865554" cy="823912"/>
           </a:xfrm>
         </p:spPr>
         <p:txBody>
           <a:bodyPr anchor="b"/>
           <a:lstStyle>
             <a:lvl1pPr marL="0" indent="0">
+              <a:lnSpc>
+                <a:spcPct val="100000"/>
+              </a:lnSpc>
               <a:buNone/>
               <a:defRPr sz="2400" b="1"/>
             </a:lvl1pPr>
@@ -3071,8 +5655,8 @@
           <a:p>
             <a:pPr lvl="0"/>
             <a:r>
-              <a:rPr lang="en-US" dirty="0"/>
-              <a:t>Click to edit Master text styles</a:t>
+              <a:rPr lang="en-US" smtClean="0"/>
+              <a:t>Edit Master text styles</a:t>
             </a:r>
           </a:p>
         </p:txBody>
@@ -3089,8 +5673,8 @@
         </p:nvSpPr>
         <p:spPr>
           <a:xfrm>
-            <a:off x="6172200" y="2505075"/>
-            <a:ext cx="5183188" cy="3684588"/>
+            <a:off x="6172200" y="2912232"/>
+            <a:ext cx="5095357" cy="2878968"/>
           </a:xfrm>
         </p:spPr>
         <p:txBody>
@@ -3099,37 +5683,38 @@
           <a:p>
             <a:pPr lvl="0"/>
             <a:r>
-              <a:rPr lang="en-US" dirty="0"/>
-              <a:t>Click to edit Master text styles</a:t>
+              <a:rPr lang="en-US" smtClean="0"/>
+              <a:t>Edit Master text styles</a:t>
             </a:r>
           </a:p>
           <a:p>
             <a:pPr lvl="1"/>
             <a:r>
-              <a:rPr lang="en-US" dirty="0"/>
+              <a:rPr lang="en-US" smtClean="0"/>
               <a:t>Second level</a:t>
             </a:r>
           </a:p>
           <a:p>
             <a:pPr lvl="2"/>
             <a:r>
-              <a:rPr lang="en-US" dirty="0"/>
+              <a:rPr lang="en-US" smtClean="0"/>
               <a:t>Third level</a:t>
             </a:r>
           </a:p>
           <a:p>
             <a:pPr lvl="3"/>
             <a:r>
-              <a:rPr lang="en-US" dirty="0"/>
+              <a:rPr lang="en-US" smtClean="0"/>
               <a:t>Fourth level</a:t>
             </a:r>
           </a:p>
           <a:p>
             <a:pPr lvl="4"/>
             <a:r>
-              <a:rPr lang="en-US" dirty="0"/>
+              <a:rPr lang="en-US" smtClean="0"/>
               <a:t>Fifth level</a:t>
             </a:r>
+            <a:endParaRPr lang="en-US" dirty="0"/>
           </a:p>
         </p:txBody>
       </p:sp>
@@ -3149,7 +5734,7 @@
           <a:lstStyle/>
           <a:p>
             <a:fld id="{C764DE79-268F-4C1A-8933-263129D2AF90}" type="datetimeFigureOut">
-              <a:rPr lang="en-US" dirty="0"/>
+              <a:rPr lang="en-US" smtClean="0"/>
               <a:t>7/15/2021</a:t>
             </a:fld>
             <a:endParaRPr lang="en-US" dirty="0"/>
@@ -3191,7 +5776,7 @@
           <a:lstStyle/>
           <a:p>
             <a:fld id="{48F63A3B-78C7-47BE-AE5E-E10140E04643}" type="slidenum">
-              <a:rPr lang="en-US" dirty="0"/>
+              <a:rPr lang="en-US" smtClean="0"/>
               <a:t>‹#›</a:t>
             </a:fld>
             <a:endParaRPr lang="en-US" dirty="0"/>
@@ -3201,7 +5786,7 @@
     </p:spTree>
     <p:extLst>
       <p:ext uri="{BB962C8B-B14F-4D97-AF65-F5344CB8AC3E}">
-        <p14:creationId xmlns:p14="http://schemas.microsoft.com/office/powerpoint/2010/main" val="3649029405"/>
+        <p14:creationId xmlns:p14="http://schemas.microsoft.com/office/powerpoint/2010/main" val="2250113765"/>
       </p:ext>
     </p:extLst>
   </p:cSld>
@@ -3244,9 +5829,10 @@
           <a:lstStyle/>
           <a:p>
             <a:r>
-              <a:rPr lang="en-US" dirty="0"/>
+              <a:rPr lang="en-US" smtClean="0"/>
               <a:t>Click to edit Master title style</a:t>
             </a:r>
+            <a:endParaRPr lang="en-US" dirty="0"/>
           </a:p>
         </p:txBody>
       </p:sp>
@@ -3266,7 +5852,7 @@
           <a:lstStyle/>
           <a:p>
             <a:fld id="{C764DE79-268F-4C1A-8933-263129D2AF90}" type="datetimeFigureOut">
-              <a:rPr lang="en-US" dirty="0"/>
+              <a:rPr lang="en-US" smtClean="0"/>
               <a:t>7/15/2021</a:t>
             </a:fld>
             <a:endParaRPr lang="en-US" dirty="0"/>
@@ -3308,7 +5894,7 @@
           <a:lstStyle/>
           <a:p>
             <a:fld id="{48F63A3B-78C7-47BE-AE5E-E10140E04643}" type="slidenum">
-              <a:rPr lang="en-US" dirty="0"/>
+              <a:rPr lang="en-US" smtClean="0"/>
               <a:t>‹#›</a:t>
             </a:fld>
             <a:endParaRPr lang="en-US" dirty="0"/>
@@ -3318,7 +5904,7 @@
     </p:spTree>
     <p:extLst>
       <p:ext uri="{BB962C8B-B14F-4D97-AF65-F5344CB8AC3E}">
-        <p14:creationId xmlns:p14="http://schemas.microsoft.com/office/powerpoint/2010/main" val="2201473566"/>
+        <p14:creationId xmlns:p14="http://schemas.microsoft.com/office/powerpoint/2010/main" val="1442075253"/>
       </p:ext>
     </p:extLst>
   </p:cSld>
@@ -3361,7 +5947,7 @@
           <a:lstStyle/>
           <a:p>
             <a:fld id="{C764DE79-268F-4C1A-8933-263129D2AF90}" type="datetimeFigureOut">
-              <a:rPr lang="en-US" dirty="0"/>
+              <a:rPr lang="en-US" smtClean="0"/>
               <a:t>7/15/2021</a:t>
             </a:fld>
             <a:endParaRPr lang="en-US" dirty="0"/>
@@ -3403,7 +5989,7 @@
           <a:lstStyle/>
           <a:p>
             <a:fld id="{48F63A3B-78C7-47BE-AE5E-E10140E04643}" type="slidenum">
-              <a:rPr lang="en-US" dirty="0"/>
+              <a:rPr lang="en-US" smtClean="0"/>
               <a:t>‹#›</a:t>
             </a:fld>
             <a:endParaRPr lang="en-US" dirty="0"/>
@@ -3413,7 +5999,7 @@
     </p:spTree>
     <p:extLst>
       <p:ext uri="{BB962C8B-B14F-4D97-AF65-F5344CB8AC3E}">
-        <p14:creationId xmlns:p14="http://schemas.microsoft.com/office/powerpoint/2010/main" val="1987215327"/>
+        <p14:creationId xmlns:p14="http://schemas.microsoft.com/office/powerpoint/2010/main" val="2817422951"/>
       </p:ext>
     </p:extLst>
   </p:cSld>
@@ -3452,22 +6038,25 @@
         </p:nvSpPr>
         <p:spPr>
           <a:xfrm>
-            <a:off x="839788" y="457200"/>
-            <a:ext cx="3932237" cy="1600200"/>
+            <a:off x="917228" y="609600"/>
+            <a:ext cx="3932237" cy="2362200"/>
           </a:xfrm>
         </p:spPr>
         <p:txBody>
-          <a:bodyPr anchor="b"/>
+          <a:bodyPr anchor="b">
+            <a:normAutofit/>
+          </a:bodyPr>
           <a:lstStyle>
             <a:lvl1pPr>
-              <a:defRPr sz="3200"/>
+              <a:defRPr sz="2800"/>
             </a:lvl1pPr>
           </a:lstStyle>
           <a:p>
             <a:r>
-              <a:rPr lang="en-US" dirty="0"/>
+              <a:rPr lang="en-US" smtClean="0"/>
               <a:t>Click to edit Master title style</a:t>
             </a:r>
+            <a:endParaRPr lang="en-US" dirty="0"/>
           </a:p>
         </p:txBody>
       </p:sp>
@@ -3483,98 +6072,71 @@
         </p:nvSpPr>
         <p:spPr>
           <a:xfrm>
-            <a:off x="5183188" y="987425"/>
-            <a:ext cx="6172200" cy="4873625"/>
+            <a:off x="5078064" y="609600"/>
+            <a:ext cx="6189492" cy="5181600"/>
           </a:xfrm>
         </p:spPr>
         <p:txBody>
+          <a:bodyPr anchor="ctr"/>
+          <a:lstStyle/>
+          <a:p>
+            <a:pPr lvl="0"/>
+            <a:r>
+              <a:rPr lang="en-US" smtClean="0"/>
+              <a:t>Edit Master text styles</a:t>
+            </a:r>
+          </a:p>
+          <a:p>
+            <a:pPr lvl="1"/>
+            <a:r>
+              <a:rPr lang="en-US" smtClean="0"/>
+              <a:t>Second level</a:t>
+            </a:r>
+          </a:p>
+          <a:p>
+            <a:pPr lvl="2"/>
+            <a:r>
+              <a:rPr lang="en-US" smtClean="0"/>
+              <a:t>Third level</a:t>
+            </a:r>
+          </a:p>
+          <a:p>
+            <a:pPr lvl="3"/>
+            <a:r>
+              <a:rPr lang="en-US" smtClean="0"/>
+              <a:t>Fourth level</a:t>
+            </a:r>
+          </a:p>
+          <a:p>
+            <a:pPr lvl="4"/>
+            <a:r>
+              <a:rPr lang="en-US" smtClean="0"/>
+              <a:t>Fifth level</a:t>
+            </a:r>
+            <a:endParaRPr lang="en-US" dirty="0"/>
+          </a:p>
+        </p:txBody>
+      </p:sp>
+      <p:sp>
+        <p:nvSpPr>
+          <p:cNvPr id="4" name="Text Placeholder 3"/>
+          <p:cNvSpPr>
+            <a:spLocks noGrp="1"/>
+          </p:cNvSpPr>
+          <p:nvPr>
+            <p:ph type="body" sz="half" idx="2"/>
+          </p:nvPr>
+        </p:nvSpPr>
+        <p:spPr>
+          <a:xfrm>
+            <a:off x="917228" y="2971800"/>
+            <a:ext cx="3932237" cy="2819399"/>
+          </a:xfrm>
+        </p:spPr>
+        <p:txBody>
           <a:bodyPr/>
           <a:lstStyle>
-            <a:lvl1pPr>
-              <a:defRPr sz="3200"/>
-            </a:lvl1pPr>
-            <a:lvl2pPr>
-              <a:defRPr sz="2800"/>
-            </a:lvl2pPr>
-            <a:lvl3pPr>
-              <a:defRPr sz="2400"/>
-            </a:lvl3pPr>
-            <a:lvl4pPr>
-              <a:defRPr sz="2000"/>
-            </a:lvl4pPr>
-            <a:lvl5pPr>
-              <a:defRPr sz="2000"/>
-            </a:lvl5pPr>
-            <a:lvl6pPr>
-              <a:defRPr sz="2000"/>
-            </a:lvl6pPr>
-            <a:lvl7pPr>
-              <a:defRPr sz="2000"/>
-            </a:lvl7pPr>
-            <a:lvl8pPr>
-              <a:defRPr sz="2000"/>
-            </a:lvl8pPr>
-            <a:lvl9pPr>
-              <a:defRPr sz="2000"/>
-            </a:lvl9pPr>
-          </a:lstStyle>
-          <a:p>
-            <a:pPr lvl="0"/>
-            <a:r>
-              <a:rPr lang="en-US" dirty="0"/>
-              <a:t>Click to edit Master text styles</a:t>
-            </a:r>
-          </a:p>
-          <a:p>
-            <a:pPr lvl="1"/>
-            <a:r>
-              <a:rPr lang="en-US" dirty="0"/>
-              <a:t>Second level</a:t>
-            </a:r>
-          </a:p>
-          <a:p>
-            <a:pPr lvl="2"/>
-            <a:r>
-              <a:rPr lang="en-US" dirty="0"/>
-              <a:t>Third level</a:t>
-            </a:r>
-          </a:p>
-          <a:p>
-            <a:pPr lvl="3"/>
-            <a:r>
-              <a:rPr lang="en-US" dirty="0"/>
-              <a:t>Fourth level</a:t>
-            </a:r>
-          </a:p>
-          <a:p>
-            <a:pPr lvl="4"/>
-            <a:r>
-              <a:rPr lang="en-US" dirty="0"/>
-              <a:t>Fifth level</a:t>
-            </a:r>
-          </a:p>
-        </p:txBody>
-      </p:sp>
-      <p:sp>
-        <p:nvSpPr>
-          <p:cNvPr id="4" name="Text Placeholder 3"/>
-          <p:cNvSpPr>
-            <a:spLocks noGrp="1"/>
-          </p:cNvSpPr>
-          <p:nvPr>
-            <p:ph type="body" sz="half" idx="2"/>
-          </p:nvPr>
-        </p:nvSpPr>
-        <p:spPr>
-          <a:xfrm>
-            <a:off x="839788" y="2057400"/>
-            <a:ext cx="3932237" cy="3811588"/>
-          </a:xfrm>
-        </p:spPr>
-        <p:txBody>
-          <a:bodyPr/>
-          <a:lstStyle>
-            <a:lvl1pPr marL="0" indent="0">
+            <a:lvl1pPr marL="0" indent="0" algn="ctr">
               <a:buNone/>
               <a:defRPr sz="1600"/>
             </a:lvl1pPr>
@@ -3614,8 +6176,8 @@
           <a:p>
             <a:pPr lvl="0"/>
             <a:r>
-              <a:rPr lang="en-US" dirty="0"/>
-              <a:t>Click to edit Master text styles</a:t>
+              <a:rPr lang="en-US" smtClean="0"/>
+              <a:t>Edit Master text styles</a:t>
             </a:r>
           </a:p>
         </p:txBody>
@@ -3636,7 +6198,7 @@
           <a:lstStyle/>
           <a:p>
             <a:fld id="{C764DE79-268F-4C1A-8933-263129D2AF90}" type="datetimeFigureOut">
-              <a:rPr lang="en-US" dirty="0"/>
+              <a:rPr lang="en-US" smtClean="0"/>
               <a:t>7/15/2021</a:t>
             </a:fld>
             <a:endParaRPr lang="en-US" dirty="0"/>
@@ -3678,7 +6240,7 @@
           <a:lstStyle/>
           <a:p>
             <a:fld id="{48F63A3B-78C7-47BE-AE5E-E10140E04643}" type="slidenum">
-              <a:rPr lang="en-US" dirty="0"/>
+              <a:rPr lang="en-US" smtClean="0"/>
               <a:t>‹#›</a:t>
             </a:fld>
             <a:endParaRPr lang="en-US" dirty="0"/>
@@ -3688,7 +6250,7 @@
     </p:spTree>
     <p:extLst>
       <p:ext uri="{BB962C8B-B14F-4D97-AF65-F5344CB8AC3E}">
-        <p14:creationId xmlns:p14="http://schemas.microsoft.com/office/powerpoint/2010/main" val="3773462744"/>
+        <p14:creationId xmlns:p14="http://schemas.microsoft.com/office/powerpoint/2010/main" val="1944018226"/>
       </p:ext>
     </p:extLst>
   </p:cSld>
@@ -3727,12 +6289,14 @@
         </p:nvSpPr>
         <p:spPr>
           <a:xfrm>
-            <a:off x="839788" y="457200"/>
-            <a:ext cx="3932237" cy="1600200"/>
+            <a:off x="917227" y="609600"/>
+            <a:ext cx="5929773" cy="2362200"/>
           </a:xfrm>
         </p:spPr>
         <p:txBody>
-          <a:bodyPr anchor="b"/>
+          <a:bodyPr anchor="b">
+            <a:normAutofit/>
+          </a:bodyPr>
           <a:lstStyle>
             <a:lvl1pPr>
               <a:defRPr sz="3200"/>
@@ -3740,9 +6304,10 @@
           </a:lstStyle>
           <a:p>
             <a:r>
-              <a:rPr lang="en-US" dirty="0"/>
+              <a:rPr lang="en-US" smtClean="0"/>
               <a:t>Click to edit Master title style</a:t>
             </a:r>
+            <a:endParaRPr lang="en-US" dirty="0"/>
           </a:p>
         </p:txBody>
       </p:sp>
@@ -3758,14 +6323,40 @@
         </p:nvSpPr>
         <p:spPr>
           <a:xfrm>
-            <a:off x="5183188" y="987425"/>
-            <a:ext cx="6172200" cy="4873625"/>
+            <a:off x="7424804" y="758881"/>
+            <a:ext cx="3255356" cy="4883038"/>
           </a:xfrm>
+          <a:noFill/>
+          <a:ln w="190500" cap="sq">
+            <a:solidFill>
+              <a:srgbClr val="FFFFFF"/>
+            </a:solidFill>
+            <a:miter lim="800000"/>
+          </a:ln>
+          <a:effectLst>
+            <a:outerShdw blurRad="55000" dist="18000" dir="5400000" algn="tl" rotWithShape="0">
+              <a:srgbClr val="000000">
+                <a:alpha val="40000"/>
+              </a:srgbClr>
+            </a:outerShdw>
+          </a:effectLst>
+          <a:scene3d>
+            <a:camera prst="orthographicFront"/>
+            <a:lightRig rig="twoPt" dir="t">
+              <a:rot lat="0" lon="0" rev="7200000"/>
+            </a:lightRig>
+          </a:scene3d>
+          <a:sp3d>
+            <a:bevelT w="25400" h="19050"/>
+            <a:contourClr>
+              <a:srgbClr val="FFFFFF"/>
+            </a:contourClr>
+          </a:sp3d>
         </p:spPr>
         <p:txBody>
           <a:bodyPr anchor="t"/>
           <a:lstStyle>
-            <a:lvl1pPr marL="0" indent="0">
+            <a:lvl1pPr marL="0" indent="0" algn="ctr">
               <a:buNone/>
               <a:defRPr sz="3200"/>
             </a:lvl1pPr>
@@ -3803,6 +6394,10 @@
             </a:lvl9pPr>
           </a:lstStyle>
           <a:p>
+            <a:r>
+              <a:rPr lang="en-US" smtClean="0"/>
+              <a:t>Click icon to add picture</a:t>
+            </a:r>
             <a:endParaRPr lang="en-US" dirty="0"/>
           </a:p>
         </p:txBody>
@@ -3819,16 +6414,18 @@
         </p:nvSpPr>
         <p:spPr>
           <a:xfrm>
-            <a:off x="839788" y="2057400"/>
-            <a:ext cx="3932237" cy="3811588"/>
+            <a:off x="913794" y="2971800"/>
+            <a:ext cx="5934950" cy="2819400"/>
           </a:xfrm>
         </p:spPr>
         <p:txBody>
-          <a:bodyPr/>
+          <a:bodyPr>
+            <a:normAutofit/>
+          </a:bodyPr>
           <a:lstStyle>
-            <a:lvl1pPr marL="0" indent="0">
-              <a:buNone/>
-              <a:defRPr sz="1600"/>
+            <a:lvl1pPr marL="0" indent="0" algn="ctr">
+              <a:buNone/>
+              <a:defRPr sz="1800"/>
             </a:lvl1pPr>
             <a:lvl2pPr marL="457200" indent="0">
               <a:buNone/>
@@ -3866,8 +6463,8 @@
           <a:p>
             <a:pPr lvl="0"/>
             <a:r>
-              <a:rPr lang="en-US" dirty="0"/>
-              <a:t>Click to edit Master text styles</a:t>
+              <a:rPr lang="en-US" smtClean="0"/>
+              <a:t>Edit Master text styles</a:t>
             </a:r>
           </a:p>
         </p:txBody>
@@ -3888,7 +6485,7 @@
           <a:lstStyle/>
           <a:p>
             <a:fld id="{C764DE79-268F-4C1A-8933-263129D2AF90}" type="datetimeFigureOut">
-              <a:rPr lang="en-US" dirty="0"/>
+              <a:rPr lang="en-US" smtClean="0"/>
               <a:t>7/15/2021</a:t>
             </a:fld>
             <a:endParaRPr lang="en-US" dirty="0"/>
@@ -3930,7 +6527,7 @@
           <a:lstStyle/>
           <a:p>
             <a:fld id="{48F63A3B-78C7-47BE-AE5E-E10140E04643}" type="slidenum">
-              <a:rPr lang="en-US" dirty="0"/>
+              <a:rPr lang="en-US" smtClean="0"/>
               <a:t>‹#›</a:t>
             </a:fld>
             <a:endParaRPr lang="en-US" dirty="0"/>
@@ -3940,7 +6537,7 @@
     </p:spTree>
     <p:extLst>
       <p:ext uri="{BB962C8B-B14F-4D97-AF65-F5344CB8AC3E}">
-        <p14:creationId xmlns:p14="http://schemas.microsoft.com/office/powerpoint/2010/main" val="1694704873"/>
+        <p14:creationId xmlns:p14="http://schemas.microsoft.com/office/powerpoint/2010/main" val="4126205300"/>
       </p:ext>
     </p:extLst>
   </p:cSld>
@@ -3954,8 +6551,8 @@
 <p:sldMaster xmlns:a="http://schemas.openxmlformats.org/drawingml/2006/main" xmlns:r="http://schemas.openxmlformats.org/officeDocument/2006/relationships" xmlns:p="http://schemas.openxmlformats.org/presentationml/2006/main">
   <p:cSld>
     <p:bg>
-      <p:bgRef idx="1001">
-        <a:schemeClr val="bg1"/>
+      <p:bgRef idx="1003">
+        <a:schemeClr val="bg2"/>
       </p:bgRef>
     </p:bg>
     <p:spTree>
@@ -3984,8 +6581,8 @@
         </p:nvSpPr>
         <p:spPr>
           <a:xfrm>
-            <a:off x="838200" y="365125"/>
-            <a:ext cx="10515600" cy="1325563"/>
+            <a:off x="913795" y="609600"/>
+            <a:ext cx="10353761" cy="1326321"/>
           </a:xfrm>
           <a:prstGeom prst="rect">
             <a:avLst/>
@@ -3998,9 +6595,10 @@
           <a:lstStyle/>
           <a:p>
             <a:r>
-              <a:rPr lang="en-US" dirty="0"/>
+              <a:rPr lang="en-US" smtClean="0"/>
               <a:t>Click to edit Master title style</a:t>
             </a:r>
+            <a:endParaRPr lang="en-US" dirty="0"/>
           </a:p>
         </p:txBody>
       </p:sp>
@@ -4016,8 +6614,8 @@
         </p:nvSpPr>
         <p:spPr>
           <a:xfrm>
-            <a:off x="838200" y="1825625"/>
-            <a:ext cx="10515600" cy="4351338"/>
+            <a:off x="913795" y="2096064"/>
+            <a:ext cx="10353762" cy="3695136"/>
           </a:xfrm>
           <a:prstGeom prst="rect">
             <a:avLst/>
@@ -4031,37 +6629,38 @@
           <a:p>
             <a:pPr lvl="0"/>
             <a:r>
-              <a:rPr lang="en-US" dirty="0"/>
-              <a:t>Click to edit Master text styles</a:t>
+              <a:rPr lang="en-US" smtClean="0"/>
+              <a:t>Edit Master text styles</a:t>
             </a:r>
           </a:p>
           <a:p>
             <a:pPr lvl="1"/>
             <a:r>
-              <a:rPr lang="en-US" dirty="0"/>
+              <a:rPr lang="en-US" smtClean="0"/>
               <a:t>Second level</a:t>
             </a:r>
           </a:p>
           <a:p>
             <a:pPr lvl="2"/>
             <a:r>
-              <a:rPr lang="en-US" dirty="0"/>
+              <a:rPr lang="en-US" smtClean="0"/>
               <a:t>Third level</a:t>
             </a:r>
           </a:p>
           <a:p>
             <a:pPr lvl="3"/>
             <a:r>
-              <a:rPr lang="en-US" dirty="0"/>
+              <a:rPr lang="en-US" smtClean="0"/>
               <a:t>Fourth level</a:t>
             </a:r>
           </a:p>
           <a:p>
             <a:pPr lvl="4"/>
             <a:r>
-              <a:rPr lang="en-US" dirty="0"/>
+              <a:rPr lang="en-US" smtClean="0"/>
               <a:t>Fifth level</a:t>
             </a:r>
+            <a:endParaRPr lang="en-US" dirty="0"/>
           </a:p>
         </p:txBody>
       </p:sp>
@@ -4077,7 +6676,7 @@
         </p:nvSpPr>
         <p:spPr>
           <a:xfrm>
-            <a:off x="838200" y="6356350"/>
+            <a:off x="7678736" y="5883275"/>
             <a:ext cx="2743200" cy="365125"/>
           </a:xfrm>
           <a:prstGeom prst="rect">
@@ -4087,8 +6686,8 @@
         <p:txBody>
           <a:bodyPr vert="horz" lIns="91440" tIns="45720" rIns="91440" bIns="45720" rtlCol="0" anchor="ctr"/>
           <a:lstStyle>
-            <a:lvl1pPr algn="l">
-              <a:defRPr sz="1200">
+            <a:lvl1pPr algn="r">
+              <a:defRPr sz="1000">
                 <a:solidFill>
                   <a:schemeClr val="tx1">
                     <a:tint val="75000"/>
@@ -4099,7 +6698,7 @@
           </a:lstStyle>
           <a:p>
             <a:fld id="{C764DE79-268F-4C1A-8933-263129D2AF90}" type="datetimeFigureOut">
-              <a:rPr lang="en-US" dirty="0"/>
+              <a:rPr lang="en-US" smtClean="0"/>
               <a:t>7/15/2021</a:t>
             </a:fld>
             <a:endParaRPr lang="en-US" dirty="0"/>
@@ -4118,8 +6717,8 @@
         </p:nvSpPr>
         <p:spPr>
           <a:xfrm>
-            <a:off x="4038600" y="6356350"/>
-            <a:ext cx="4114800" cy="365125"/>
+            <a:off x="913794" y="5883275"/>
+            <a:ext cx="6672865" cy="365125"/>
           </a:xfrm>
           <a:prstGeom prst="rect">
             <a:avLst/>
@@ -4128,8 +6727,8 @@
         <p:txBody>
           <a:bodyPr vert="horz" lIns="91440" tIns="45720" rIns="91440" bIns="45720" rtlCol="0" anchor="ctr"/>
           <a:lstStyle>
-            <a:lvl1pPr algn="ctr">
-              <a:defRPr sz="1200">
+            <a:lvl1pPr algn="l">
+              <a:defRPr sz="1000">
                 <a:solidFill>
                   <a:schemeClr val="tx1">
                     <a:tint val="75000"/>
@@ -4155,8 +6754,8 @@
         </p:nvSpPr>
         <p:spPr>
           <a:xfrm>
-            <a:off x="8610600" y="6356350"/>
-            <a:ext cx="2743200" cy="365125"/>
+            <a:off x="10514011" y="5883275"/>
+            <a:ext cx="753545" cy="365125"/>
           </a:xfrm>
           <a:prstGeom prst="rect">
             <a:avLst/>
@@ -4166,7 +6765,7 @@
           <a:bodyPr vert="horz" lIns="91440" tIns="45720" rIns="91440" bIns="45720" rtlCol="0" anchor="ctr"/>
           <a:lstStyle>
             <a:lvl1pPr algn="r">
-              <a:defRPr sz="1200">
+              <a:defRPr sz="1000">
                 <a:solidFill>
                   <a:schemeClr val="tx1">
                     <a:tint val="75000"/>
@@ -4177,7 +6776,7 @@
           </a:lstStyle>
           <a:p>
             <a:fld id="{48F63A3B-78C7-47BE-AE5E-E10140E04643}" type="slidenum">
-              <a:rPr lang="en-US" dirty="0"/>
+              <a:rPr lang="en-US" smtClean="0"/>
               <a:t>‹#›</a:t>
             </a:fld>
             <a:endParaRPr lang="en-US" dirty="0"/>
@@ -4187,27 +6786,33 @@
     </p:spTree>
     <p:extLst>
       <p:ext uri="{BB962C8B-B14F-4D97-AF65-F5344CB8AC3E}">
-        <p14:creationId xmlns:p14="http://schemas.microsoft.com/office/powerpoint/2010/main" val="982453648"/>
+        <p14:creationId xmlns:p14="http://schemas.microsoft.com/office/powerpoint/2010/main" val="2892872838"/>
       </p:ext>
     </p:extLst>
   </p:cSld>
-  <p:clrMap bg1="lt1" tx1="dk1" bg2="lt2" tx2="dk2" accent1="accent1" accent2="accent2" accent3="accent3" accent4="accent4" accent5="accent5" accent6="accent6" hlink="hlink" folHlink="folHlink"/>
+  <p:clrMap bg1="dk1" tx1="lt1" bg2="dk2" tx2="lt2" accent1="accent1" accent2="accent2" accent3="accent3" accent4="accent4" accent5="accent5" accent6="accent6" hlink="hlink" folHlink="folHlink"/>
   <p:sldLayoutIdLst>
-    <p:sldLayoutId id="2147483793" r:id="rId1"/>
-    <p:sldLayoutId id="2147483794" r:id="rId2"/>
-    <p:sldLayoutId id="2147483795" r:id="rId3"/>
-    <p:sldLayoutId id="2147483796" r:id="rId4"/>
-    <p:sldLayoutId id="2147483797" r:id="rId5"/>
-    <p:sldLayoutId id="2147483798" r:id="rId6"/>
-    <p:sldLayoutId id="2147483799" r:id="rId7"/>
-    <p:sldLayoutId id="2147483800" r:id="rId8"/>
-    <p:sldLayoutId id="2147483801" r:id="rId9"/>
-    <p:sldLayoutId id="2147483802" r:id="rId10"/>
-    <p:sldLayoutId id="2147483803" r:id="rId11"/>
+    <p:sldLayoutId id="2147483805" r:id="rId1"/>
+    <p:sldLayoutId id="2147483806" r:id="rId2"/>
+    <p:sldLayoutId id="2147483807" r:id="rId3"/>
+    <p:sldLayoutId id="2147483808" r:id="rId4"/>
+    <p:sldLayoutId id="2147483809" r:id="rId5"/>
+    <p:sldLayoutId id="2147483810" r:id="rId6"/>
+    <p:sldLayoutId id="2147483811" r:id="rId7"/>
+    <p:sldLayoutId id="2147483812" r:id="rId8"/>
+    <p:sldLayoutId id="2147483813" r:id="rId9"/>
+    <p:sldLayoutId id="2147483814" r:id="rId10"/>
+    <p:sldLayoutId id="2147483815" r:id="rId11"/>
+    <p:sldLayoutId id="2147483816" r:id="rId12"/>
+    <p:sldLayoutId id="2147483817" r:id="rId13"/>
+    <p:sldLayoutId id="2147483818" r:id="rId14"/>
+    <p:sldLayoutId id="2147483819" r:id="rId15"/>
+    <p:sldLayoutId id="2147483820" r:id="rId16"/>
+    <p:sldLayoutId id="2147483821" r:id="rId17"/>
   </p:sldLayoutIdLst>
   <p:txStyles>
     <p:titleStyle>
-      <a:lvl1pPr algn="l" defTabSz="914400" rtl="0" eaLnBrk="1" latinLnBrk="0" hangingPunct="1">
+      <a:lvl1pPr algn="ctr" defTabSz="914400" rtl="0" eaLnBrk="1" latinLnBrk="0" hangingPunct="1">
         <a:lnSpc>
           <a:spcPct val="90000"/>
         </a:lnSpc>
@@ -4215,10 +6820,17 @@
           <a:spcPct val="0"/>
         </a:spcBef>
         <a:buNone/>
-        <a:defRPr sz="4400" kern="1200">
+        <a:defRPr sz="3400" b="1" i="0" kern="1200" cap="all">
           <a:solidFill>
             <a:schemeClr val="tx1"/>
           </a:solidFill>
+          <a:effectLst>
+            <a:outerShdw blurRad="50800" dist="63500" dir="2700000" algn="tl" rotWithShape="0">
+              <a:srgbClr val="000000">
+                <a:alpha val="48000"/>
+              </a:srgbClr>
+            </a:outerShdw>
+          </a:effectLst>
           <a:latin typeface="+mj-lt"/>
           <a:ea typeface="+mj-ea"/>
           <a:cs typeface="+mj-cs"/>
@@ -4228,17 +6840,24 @@
     <p:bodyStyle>
       <a:lvl1pPr marL="228600" indent="-228600" algn="l" defTabSz="914400" rtl="0" eaLnBrk="1" latinLnBrk="0" hangingPunct="1">
         <a:lnSpc>
-          <a:spcPct val="90000"/>
+          <a:spcPct val="120000"/>
         </a:lnSpc>
         <a:spcBef>
           <a:spcPts val="1000"/>
         </a:spcBef>
         <a:buFont typeface="Arial" panose="020B0604020202020204" pitchFamily="34" charset="0"/>
         <a:buChar char="•"/>
-        <a:defRPr sz="2800" kern="1200">
+        <a:defRPr sz="2000" kern="1200">
           <a:solidFill>
             <a:schemeClr val="tx1"/>
           </a:solidFill>
+          <a:effectLst>
+            <a:outerShdw blurRad="50800" dist="38100" dir="2700000" algn="tl" rotWithShape="0">
+              <a:srgbClr val="000000">
+                <a:alpha val="48000"/>
+              </a:srgbClr>
+            </a:outerShdw>
+          </a:effectLst>
           <a:latin typeface="+mn-lt"/>
           <a:ea typeface="+mn-ea"/>
           <a:cs typeface="+mn-cs"/>
@@ -4246,43 +6865,7 @@
       </a:lvl1pPr>
       <a:lvl2pPr marL="685800" indent="-228600" algn="l" defTabSz="914400" rtl="0" eaLnBrk="1" latinLnBrk="0" hangingPunct="1">
         <a:lnSpc>
-          <a:spcPct val="90000"/>
-        </a:lnSpc>
-        <a:spcBef>
-          <a:spcPts val="500"/>
-        </a:spcBef>
-        <a:buFont typeface="Arial" panose="020B0604020202020204" pitchFamily="34" charset="0"/>
-        <a:buChar char="•"/>
-        <a:defRPr sz="2400" kern="1200">
-          <a:solidFill>
-            <a:schemeClr val="tx1"/>
-          </a:solidFill>
-          <a:latin typeface="+mn-lt"/>
-          <a:ea typeface="+mn-ea"/>
-          <a:cs typeface="+mn-cs"/>
-        </a:defRPr>
-      </a:lvl2pPr>
-      <a:lvl3pPr marL="1143000" indent="-228600" algn="l" defTabSz="914400" rtl="0" eaLnBrk="1" latinLnBrk="0" hangingPunct="1">
-        <a:lnSpc>
-          <a:spcPct val="90000"/>
-        </a:lnSpc>
-        <a:spcBef>
-          <a:spcPts val="500"/>
-        </a:spcBef>
-        <a:buFont typeface="Arial" panose="020B0604020202020204" pitchFamily="34" charset="0"/>
-        <a:buChar char="•"/>
-        <a:defRPr sz="2000" kern="1200">
-          <a:solidFill>
-            <a:schemeClr val="tx1"/>
-          </a:solidFill>
-          <a:latin typeface="+mn-lt"/>
-          <a:ea typeface="+mn-ea"/>
-          <a:cs typeface="+mn-cs"/>
-        </a:defRPr>
-      </a:lvl3pPr>
-      <a:lvl4pPr marL="1600200" indent="-228600" algn="l" defTabSz="914400" rtl="0" eaLnBrk="1" latinLnBrk="0" hangingPunct="1">
-        <a:lnSpc>
-          <a:spcPct val="90000"/>
+          <a:spcPct val="120000"/>
         </a:lnSpc>
         <a:spcBef>
           <a:spcPts val="500"/>
@@ -4293,6 +6876,63 @@
           <a:solidFill>
             <a:schemeClr val="tx1"/>
           </a:solidFill>
+          <a:effectLst>
+            <a:outerShdw blurRad="50800" dist="38100" dir="2700000" algn="tl" rotWithShape="0">
+              <a:srgbClr val="000000">
+                <a:alpha val="48000"/>
+              </a:srgbClr>
+            </a:outerShdw>
+          </a:effectLst>
+          <a:latin typeface="+mn-lt"/>
+          <a:ea typeface="+mn-ea"/>
+          <a:cs typeface="+mn-cs"/>
+        </a:defRPr>
+      </a:lvl2pPr>
+      <a:lvl3pPr marL="1143000" indent="-228600" algn="l" defTabSz="914400" rtl="0" eaLnBrk="1" latinLnBrk="0" hangingPunct="1">
+        <a:lnSpc>
+          <a:spcPct val="120000"/>
+        </a:lnSpc>
+        <a:spcBef>
+          <a:spcPts val="500"/>
+        </a:spcBef>
+        <a:buFont typeface="Arial" panose="020B0604020202020204" pitchFamily="34" charset="0"/>
+        <a:buChar char="•"/>
+        <a:defRPr sz="1600" kern="1200">
+          <a:solidFill>
+            <a:schemeClr val="tx1"/>
+          </a:solidFill>
+          <a:effectLst>
+            <a:outerShdw blurRad="50800" dist="38100" dir="2700000" algn="tl" rotWithShape="0">
+              <a:srgbClr val="000000">
+                <a:alpha val="48000"/>
+              </a:srgbClr>
+            </a:outerShdw>
+          </a:effectLst>
+          <a:latin typeface="+mn-lt"/>
+          <a:ea typeface="+mn-ea"/>
+          <a:cs typeface="+mn-cs"/>
+        </a:defRPr>
+      </a:lvl3pPr>
+      <a:lvl4pPr marL="1600200" indent="-228600" algn="l" defTabSz="914400" rtl="0" eaLnBrk="1" latinLnBrk="0" hangingPunct="1">
+        <a:lnSpc>
+          <a:spcPct val="120000"/>
+        </a:lnSpc>
+        <a:spcBef>
+          <a:spcPts val="500"/>
+        </a:spcBef>
+        <a:buFont typeface="Arial" panose="020B0604020202020204" pitchFamily="34" charset="0"/>
+        <a:buChar char="•"/>
+        <a:defRPr sz="1400" kern="1200">
+          <a:solidFill>
+            <a:schemeClr val="tx1"/>
+          </a:solidFill>
+          <a:effectLst>
+            <a:outerShdw blurRad="50800" dist="38100" dir="2700000" algn="tl" rotWithShape="0">
+              <a:srgbClr val="000000">
+                <a:alpha val="48000"/>
+              </a:srgbClr>
+            </a:outerShdw>
+          </a:effectLst>
           <a:latin typeface="+mn-lt"/>
           <a:ea typeface="+mn-ea"/>
           <a:cs typeface="+mn-cs"/>
@@ -4300,17 +6940,24 @@
       </a:lvl4pPr>
       <a:lvl5pPr marL="2057400" indent="-228600" algn="l" defTabSz="914400" rtl="0" eaLnBrk="1" latinLnBrk="0" hangingPunct="1">
         <a:lnSpc>
-          <a:spcPct val="90000"/>
+          <a:spcPct val="120000"/>
         </a:lnSpc>
         <a:spcBef>
           <a:spcPts val="500"/>
         </a:spcBef>
         <a:buFont typeface="Arial" panose="020B0604020202020204" pitchFamily="34" charset="0"/>
         <a:buChar char="•"/>
-        <a:defRPr sz="1800" kern="1200">
+        <a:defRPr sz="1200" kern="1200">
           <a:solidFill>
             <a:schemeClr val="tx1"/>
           </a:solidFill>
+          <a:effectLst>
+            <a:outerShdw blurRad="50800" dist="38100" dir="2700000" algn="tl" rotWithShape="0">
+              <a:srgbClr val="000000">
+                <a:alpha val="48000"/>
+              </a:srgbClr>
+            </a:outerShdw>
+          </a:effectLst>
           <a:latin typeface="+mn-lt"/>
           <a:ea typeface="+mn-ea"/>
           <a:cs typeface="+mn-cs"/>
@@ -4318,17 +6965,24 @@
       </a:lvl5pPr>
       <a:lvl6pPr marL="2514600" indent="-228600" algn="l" defTabSz="914400" rtl="0" eaLnBrk="1" latinLnBrk="0" hangingPunct="1">
         <a:lnSpc>
-          <a:spcPct val="90000"/>
+          <a:spcPct val="120000"/>
         </a:lnSpc>
         <a:spcBef>
           <a:spcPts val="500"/>
         </a:spcBef>
         <a:buFont typeface="Arial" panose="020B0604020202020204" pitchFamily="34" charset="0"/>
         <a:buChar char="•"/>
-        <a:defRPr sz="1800" kern="1200">
+        <a:defRPr sz="1200" kern="1200">
           <a:solidFill>
             <a:schemeClr val="tx1"/>
           </a:solidFill>
+          <a:effectLst>
+            <a:outerShdw blurRad="50800" dist="38100" dir="2700000" algn="tl" rotWithShape="0">
+              <a:srgbClr val="000000">
+                <a:alpha val="48000"/>
+              </a:srgbClr>
+            </a:outerShdw>
+          </a:effectLst>
           <a:latin typeface="+mn-lt"/>
           <a:ea typeface="+mn-ea"/>
           <a:cs typeface="+mn-cs"/>
@@ -4336,17 +6990,24 @@
       </a:lvl6pPr>
       <a:lvl7pPr marL="2971800" indent="-228600" algn="l" defTabSz="914400" rtl="0" eaLnBrk="1" latinLnBrk="0" hangingPunct="1">
         <a:lnSpc>
-          <a:spcPct val="90000"/>
+          <a:spcPct val="120000"/>
         </a:lnSpc>
         <a:spcBef>
           <a:spcPts val="500"/>
         </a:spcBef>
         <a:buFont typeface="Arial" panose="020B0604020202020204" pitchFamily="34" charset="0"/>
         <a:buChar char="•"/>
-        <a:defRPr sz="1800" kern="1200">
+        <a:defRPr sz="1200" kern="1200">
           <a:solidFill>
             <a:schemeClr val="tx1"/>
           </a:solidFill>
+          <a:effectLst>
+            <a:outerShdw blurRad="50800" dist="38100" dir="2700000" algn="tl" rotWithShape="0">
+              <a:srgbClr val="000000">
+                <a:alpha val="48000"/>
+              </a:srgbClr>
+            </a:outerShdw>
+          </a:effectLst>
           <a:latin typeface="+mn-lt"/>
           <a:ea typeface="+mn-ea"/>
           <a:cs typeface="+mn-cs"/>
@@ -4354,17 +7015,24 @@
       </a:lvl7pPr>
       <a:lvl8pPr marL="3429000" indent="-228600" algn="l" defTabSz="914400" rtl="0" eaLnBrk="1" latinLnBrk="0" hangingPunct="1">
         <a:lnSpc>
-          <a:spcPct val="90000"/>
+          <a:spcPct val="120000"/>
         </a:lnSpc>
         <a:spcBef>
           <a:spcPts val="500"/>
         </a:spcBef>
         <a:buFont typeface="Arial" panose="020B0604020202020204" pitchFamily="34" charset="0"/>
         <a:buChar char="•"/>
-        <a:defRPr sz="1800" kern="1200">
+        <a:defRPr sz="1200" kern="1200">
           <a:solidFill>
             <a:schemeClr val="tx1"/>
           </a:solidFill>
+          <a:effectLst>
+            <a:outerShdw blurRad="50800" dist="38100" dir="2700000" algn="tl" rotWithShape="0">
+              <a:srgbClr val="000000">
+                <a:alpha val="48000"/>
+              </a:srgbClr>
+            </a:outerShdw>
+          </a:effectLst>
           <a:latin typeface="+mn-lt"/>
           <a:ea typeface="+mn-ea"/>
           <a:cs typeface="+mn-cs"/>
@@ -4372,17 +7040,24 @@
       </a:lvl8pPr>
       <a:lvl9pPr marL="3886200" indent="-228600" algn="l" defTabSz="914400" rtl="0" eaLnBrk="1" latinLnBrk="0" hangingPunct="1">
         <a:lnSpc>
-          <a:spcPct val="90000"/>
+          <a:spcPct val="120000"/>
         </a:lnSpc>
         <a:spcBef>
           <a:spcPts val="500"/>
         </a:spcBef>
         <a:buFont typeface="Arial" panose="020B0604020202020204" pitchFamily="34" charset="0"/>
         <a:buChar char="•"/>
-        <a:defRPr sz="1800" kern="1200">
+        <a:defRPr sz="1200" kern="1200">
           <a:solidFill>
             <a:schemeClr val="tx1"/>
           </a:solidFill>
+          <a:effectLst>
+            <a:outerShdw blurRad="50800" dist="38100" dir="2700000" algn="tl" rotWithShape="0">
+              <a:srgbClr val="000000">
+                <a:alpha val="48000"/>
+              </a:srgbClr>
+            </a:outerShdw>
+          </a:effectLst>
           <a:latin typeface="+mn-lt"/>
           <a:ea typeface="+mn-ea"/>
           <a:cs typeface="+mn-cs"/>
@@ -4522,16 +7197,18 @@
           </a:xfrm>
         </p:spPr>
         <p:txBody>
-          <a:bodyPr/>
+          <a:bodyPr>
+            <a:normAutofit fontScale="90000"/>
+          </a:bodyPr>
           <a:lstStyle/>
           <a:p>
             <a:r>
-              <a:rPr lang="en-US">
+              <a:rPr lang="en-US" dirty="0" smtClean="0">
                 <a:cs typeface="Calibri Light"/>
               </a:rPr>
-              <a:t>INTRODUCTION</a:t>
-            </a:r>
-            <a:endParaRPr lang="en-US"/>
+              <a:t>Code Gladiators (Round 2)</a:t>
+            </a:r>
+            <a:endParaRPr lang="en-US" dirty="0"/>
           </a:p>
         </p:txBody>
       </p:sp>
@@ -4547,32 +7224,125 @@
         </p:nvSpPr>
         <p:spPr>
           <a:xfrm>
-            <a:off x="1524000" y="1461714"/>
+            <a:off x="1524000" y="1753814"/>
             <a:ext cx="9144000" cy="4098644"/>
           </a:xfrm>
         </p:spPr>
         <p:txBody>
           <a:bodyPr vert="horz" lIns="91440" tIns="45720" rIns="91440" bIns="45720" rtlCol="0" anchor="t">
-            <a:normAutofit/>
+            <a:normAutofit fontScale="85000" lnSpcReduction="20000"/>
           </a:bodyPr>
           <a:lstStyle/>
           <a:p>
             <a:pPr algn="l"/>
             <a:r>
-              <a:rPr lang="en-US">
+              <a:rPr lang="en-US" dirty="0" smtClean="0">
                 <a:cs typeface="Calibri" panose="020F0502020204030204"/>
               </a:rPr>
-              <a:t>Team Leader : Dhruv B. Dani</a:t>
-            </a:r>
-          </a:p>
-          <a:p>
-            <a:pPr algn="l"/>
-            <a:r>
-              <a:rPr lang="en-US">
+              <a:t>Leader:		Dhruv </a:t>
+            </a:r>
+            <a:r>
+              <a:rPr lang="en-US" dirty="0">
                 <a:cs typeface="Calibri" panose="020F0502020204030204"/>
               </a:rPr>
-              <a:t>Other Member : Nilay K. Thakkar</a:t>
-            </a:r>
+              <a:t>B. </a:t>
+            </a:r>
+            <a:r>
+              <a:rPr lang="en-US" dirty="0" smtClean="0">
+                <a:cs typeface="Calibri" panose="020F0502020204030204"/>
+              </a:rPr>
+              <a:t>Dani</a:t>
+            </a:r>
+          </a:p>
+          <a:p>
+            <a:pPr algn="l"/>
+            <a:r>
+              <a:rPr lang="en-US" dirty="0">
+                <a:cs typeface="Calibri" panose="020F0502020204030204"/>
+              </a:rPr>
+              <a:t>	</a:t>
+            </a:r>
+            <a:r>
+              <a:rPr lang="en-US" dirty="0" smtClean="0">
+                <a:cs typeface="Calibri" panose="020F0502020204030204"/>
+              </a:rPr>
+              <a:t>	dhruvbdani@gmail.com</a:t>
+            </a:r>
+          </a:p>
+          <a:p>
+            <a:pPr algn="l"/>
+            <a:r>
+              <a:rPr lang="en-US" dirty="0">
+                <a:cs typeface="Calibri" panose="020F0502020204030204"/>
+              </a:rPr>
+              <a:t>	</a:t>
+            </a:r>
+            <a:r>
+              <a:rPr lang="en-US" dirty="0" smtClean="0">
+                <a:cs typeface="Calibri" panose="020F0502020204030204"/>
+              </a:rPr>
+              <a:t>	+91 9320099436</a:t>
+            </a:r>
+          </a:p>
+          <a:p>
+            <a:pPr algn="l"/>
+            <a:endParaRPr lang="en-US" dirty="0" smtClean="0">
+              <a:cs typeface="Calibri" panose="020F0502020204030204"/>
+            </a:endParaRPr>
+          </a:p>
+          <a:p>
+            <a:pPr algn="l"/>
+            <a:r>
+              <a:rPr lang="en-US" dirty="0" smtClean="0">
+                <a:cs typeface="Calibri" panose="020F0502020204030204"/>
+              </a:rPr>
+              <a:t>Member :	 </a:t>
+            </a:r>
+            <a:r>
+              <a:rPr lang="en-US" dirty="0">
+                <a:cs typeface="Calibri" panose="020F0502020204030204"/>
+              </a:rPr>
+              <a:t>Nilay K. </a:t>
+            </a:r>
+            <a:r>
+              <a:rPr lang="en-US" dirty="0" smtClean="0">
+                <a:cs typeface="Calibri" panose="020F0502020204030204"/>
+              </a:rPr>
+              <a:t>Thakkar</a:t>
+            </a:r>
+          </a:p>
+          <a:p>
+            <a:pPr algn="l"/>
+            <a:r>
+              <a:rPr lang="en-US" dirty="0">
+                <a:cs typeface="Calibri" panose="020F0502020204030204"/>
+              </a:rPr>
+              <a:t>	</a:t>
+            </a:r>
+            <a:r>
+              <a:rPr lang="en-US" dirty="0" smtClean="0">
+                <a:cs typeface="Calibri" panose="020F0502020204030204"/>
+              </a:rPr>
+              <a:t>	nilay2620@gmail.com</a:t>
+            </a:r>
+          </a:p>
+          <a:p>
+            <a:pPr algn="l"/>
+            <a:r>
+              <a:rPr lang="en-US" dirty="0">
+                <a:cs typeface="Calibri" panose="020F0502020204030204"/>
+              </a:rPr>
+              <a:t>	</a:t>
+            </a:r>
+            <a:r>
+              <a:rPr lang="en-US" dirty="0" smtClean="0">
+                <a:cs typeface="Calibri" panose="020F0502020204030204"/>
+              </a:rPr>
+              <a:t>	+91 9727945621</a:t>
+            </a:r>
+            <a:endParaRPr lang="en-US" dirty="0">
+              <a:cs typeface="Calibri" panose="020F0502020204030204"/>
+            </a:endParaRPr>
           </a:p>
           <a:p>
             <a:pPr algn="l"/>
@@ -4583,22 +7353,22 @@
           <a:p>
             <a:pPr algn="l"/>
             <a:r>
-              <a:rPr lang="en-US">
+              <a:rPr lang="en-US" dirty="0" smtClean="0">
                 <a:cs typeface="Calibri" panose="020F0502020204030204"/>
               </a:rPr>
-              <a:t>Compiler used : Turbo C</a:t>
-            </a:r>
-            <a:endParaRPr lang="en-US" dirty="0">
-              <a:cs typeface="Calibri" panose="020F0502020204030204"/>
-            </a:endParaRPr>
-          </a:p>
-          <a:p>
-            <a:pPr algn="l"/>
-            <a:r>
-              <a:rPr lang="en-US">
+              <a:t>Compiler &amp; Debugging tool </a:t>
+            </a:r>
+            <a:r>
+              <a:rPr lang="en-US" dirty="0">
                 <a:cs typeface="Calibri" panose="020F0502020204030204"/>
               </a:rPr>
-              <a:t>Debugging Tool : </a:t>
+              <a:t>used : Turbo </a:t>
+            </a:r>
+            <a:r>
+              <a:rPr lang="en-US" dirty="0" smtClean="0">
+                <a:cs typeface="Calibri" panose="020F0502020204030204"/>
+              </a:rPr>
+              <a:t>C (Windows 7/10)</a:t>
             </a:r>
             <a:endParaRPr lang="en-US" dirty="0">
               <a:cs typeface="Calibri" panose="020F0502020204030204"/>
@@ -4622,6 +7392,13 @@
   <p:clrMapOvr>
     <a:masterClrMapping/>
   </p:clrMapOvr>
+  <p:timing>
+    <p:tnLst>
+      <p:par>
+        <p:cTn id="1" dur="indefinite" restart="never" nodeType="tmRoot"/>
+      </p:par>
+    </p:tnLst>
+  </p:timing>
 </p:sld>
 </file>
 
@@ -4666,7 +7443,7 @@
         </p:spPr>
         <p:txBody>
           <a:bodyPr>
-            <a:normAutofit fontScale="90000"/>
+            <a:normAutofit/>
           </a:bodyPr>
           <a:lstStyle/>
           <a:p>
@@ -4712,49 +7489,91 @@
               <a:buAutoNum type="arabicPeriod"/>
             </a:pPr>
             <a:r>
-              <a:rPr lang="en-US">
+              <a:rPr lang="en-US" dirty="0">
                 <a:cs typeface="Calibri"/>
               </a:rPr>
-              <a:t>We have included "READTOKN.C" and "pushpop.C" files.</a:t>
-            </a:r>
-          </a:p>
-          <a:p>
-            <a:pPr marL="457200" indent="-457200"/>
-            <a:r>
-              <a:rPr lang="en-US">
+              <a:t>We have included "READTOKN.C" and "</a:t>
+            </a:r>
+            <a:r>
+              <a:rPr lang="en-US" dirty="0" err="1">
                 <a:cs typeface="Calibri"/>
               </a:rPr>
-              <a:t>This step is taken to avoid linker error.</a:t>
-            </a:r>
-            <a:endParaRPr lang="en-US" dirty="0">
-              <a:cs typeface="Calibri"/>
-            </a:endParaRPr>
+              <a:t>pushpop.C</a:t>
+            </a:r>
+            <a:r>
+              <a:rPr lang="en-US" dirty="0">
+                <a:cs typeface="Calibri"/>
+              </a:rPr>
+              <a:t>" files.</a:t>
+            </a:r>
           </a:p>
           <a:p>
             <a:pPr marL="457200" indent="-457200"/>
             <a:r>
-              <a:rPr lang="en-US">
+              <a:rPr lang="en-US" dirty="0">
+                <a:cs typeface="Calibri"/>
+              </a:rPr>
+              <a:t>This step is taken to </a:t>
+            </a:r>
+            <a:r>
+              <a:rPr lang="en-US" dirty="0" smtClean="0">
+                <a:cs typeface="Calibri"/>
+              </a:rPr>
+              <a:t>eliminate</a:t>
+            </a:r>
+            <a:r>
+              <a:rPr lang="en-US" dirty="0" smtClean="0">
+                <a:cs typeface="Calibri"/>
+              </a:rPr>
+              <a:t> </a:t>
+            </a:r>
+            <a:r>
+              <a:rPr lang="en-US" dirty="0">
+                <a:cs typeface="Calibri"/>
+              </a:rPr>
+              <a:t>linker error.</a:t>
+            </a:r>
+          </a:p>
+          <a:p>
+            <a:pPr marL="457200" indent="-457200"/>
+            <a:r>
+              <a:rPr lang="en-US" dirty="0">
                 <a:cs typeface="Calibri"/>
               </a:rPr>
               <a:t>Linker Error Occurs When an Object file or libraries can't be found by the linker</a:t>
             </a:r>
-            <a:endParaRPr lang="en-US" dirty="0">
-              <a:cs typeface="Calibri"/>
-            </a:endParaRPr>
           </a:p>
           <a:p>
             <a:pPr marL="457200" indent="-457200"/>
-            <a:r>
-              <a:rPr lang="en-US">
-                <a:cs typeface="Calibri"/>
-              </a:rPr>
-              <a:t>Linker error will not arise when we compile the program.But when we </a:t>
-            </a:r>
             <a:r>
               <a:rPr lang="en-US" dirty="0">
                 <a:cs typeface="Calibri"/>
               </a:rPr>
-              <a:t>run a program,it will show us the error.</a:t>
+              <a:t>Linker error will not arise when we compile the program</a:t>
+            </a:r>
+            <a:r>
+              <a:rPr lang="en-US" dirty="0" smtClean="0">
+                <a:cs typeface="Calibri"/>
+              </a:rPr>
+              <a:t>. But </a:t>
+            </a:r>
+            <a:r>
+              <a:rPr lang="en-US" dirty="0">
+                <a:cs typeface="Calibri"/>
+              </a:rPr>
+              <a:t>when we run a program</a:t>
+            </a:r>
+            <a:r>
+              <a:rPr lang="en-US" dirty="0" smtClean="0">
+                <a:cs typeface="Calibri"/>
+              </a:rPr>
+              <a:t>, it </a:t>
+            </a:r>
+            <a:r>
+              <a:rPr lang="en-US" dirty="0">
+                <a:cs typeface="Calibri"/>
+              </a:rPr>
+              <a:t>will show us the error.</a:t>
             </a:r>
           </a:p>
         </p:txBody>
@@ -4799,6 +7618,13 @@
   <p:clrMapOvr>
     <a:masterClrMapping/>
   </p:clrMapOvr>
+  <p:timing>
+    <p:tnLst>
+      <p:par>
+        <p:cTn id="1" dur="indefinite" restart="never" nodeType="tmRoot"/>
+      </p:par>
+    </p:tnLst>
+  </p:timing>
 </p:sld>
 </file>
 
@@ -4843,17 +7669,29 @@
         </p:spPr>
         <p:txBody>
           <a:bodyPr>
-            <a:normAutofit fontScale="90000"/>
+            <a:normAutofit/>
           </a:bodyPr>
           <a:lstStyle/>
           <a:p>
             <a:r>
-              <a:rPr lang="en-US">
+              <a:rPr lang="en-US" dirty="0">
                 <a:cs typeface="Calibri Light"/>
               </a:rPr>
-              <a:t>Changes in "calc.c" file</a:t>
-            </a:r>
-            <a:endParaRPr lang="en-US"/>
+              <a:t>Changes in "</a:t>
+            </a:r>
+            <a:r>
+              <a:rPr lang="en-US" dirty="0" err="1">
+                <a:cs typeface="Calibri Light"/>
+              </a:rPr>
+              <a:t>calc.c</a:t>
+            </a:r>
+            <a:r>
+              <a:rPr lang="en-US" dirty="0">
+                <a:cs typeface="Calibri Light"/>
+              </a:rPr>
+              <a:t>" file</a:t>
+            </a:r>
+            <a:endParaRPr lang="en-US" dirty="0"/>
           </a:p>
         </p:txBody>
       </p:sp>
@@ -4889,20 +7727,80 @@
               <a:buNone/>
             </a:pPr>
             <a:r>
-              <a:rPr lang="en-US">
+              <a:rPr lang="en-US" dirty="0">
                 <a:cs typeface="Calibri"/>
               </a:rPr>
-              <a:t>2.  We added "puts(buf_out);" inside "case T_EQUALS".</a:t>
-            </a:r>
-            <a:endParaRPr lang="en-US"/>
-          </a:p>
-          <a:p>
-            <a:pPr marL="457200" indent="-457200"/>
-            <a:r>
-              <a:rPr lang="en-US">
+              <a:t>2.  We added "puts(</a:t>
+            </a:r>
+            <a:r>
+              <a:rPr lang="en-US" dirty="0" err="1">
                 <a:cs typeface="Calibri"/>
               </a:rPr>
-              <a:t>This Statement is added to print output on the console which is stored in buf_out.The value inside buf_out is stored in sprintf function.</a:t>
+              <a:t>buf_out</a:t>
+            </a:r>
+            <a:r>
+              <a:rPr lang="en-US" dirty="0">
+                <a:cs typeface="Calibri"/>
+              </a:rPr>
+              <a:t>);" inside "case T_EQUALS".</a:t>
+            </a:r>
+            <a:endParaRPr lang="en-US" dirty="0"/>
+          </a:p>
+          <a:p>
+            <a:pPr marL="457200" indent="-457200"/>
+            <a:r>
+              <a:rPr lang="en-US" dirty="0">
+                <a:cs typeface="Calibri"/>
+              </a:rPr>
+              <a:t>This Statement is added to print output on the console which is stored in </a:t>
+            </a:r>
+            <a:r>
+              <a:rPr lang="en-US" dirty="0" err="1">
+                <a:cs typeface="Calibri"/>
+              </a:rPr>
+              <a:t>buf_out</a:t>
+            </a:r>
+            <a:r>
+              <a:rPr lang="en-US" dirty="0" smtClean="0">
+                <a:cs typeface="Calibri"/>
+              </a:rPr>
+              <a:t>. The </a:t>
+            </a:r>
+            <a:r>
+              <a:rPr lang="en-US" dirty="0">
+                <a:cs typeface="Calibri"/>
+              </a:rPr>
+              <a:t>value inside </a:t>
+            </a:r>
+            <a:r>
+              <a:rPr lang="en-US" dirty="0" err="1">
+                <a:cs typeface="Calibri"/>
+              </a:rPr>
+              <a:t>buf_out</a:t>
+            </a:r>
+            <a:r>
+              <a:rPr lang="en-US" dirty="0">
+                <a:cs typeface="Calibri"/>
+              </a:rPr>
+              <a:t> is stored in </a:t>
+            </a:r>
+            <a:r>
+              <a:rPr lang="en-US" dirty="0" err="1" smtClean="0">
+                <a:cs typeface="Calibri"/>
+              </a:rPr>
+              <a:t>sprintf</a:t>
+            </a:r>
+            <a:r>
+              <a:rPr lang="en-US" dirty="0" smtClean="0">
+                <a:cs typeface="Calibri"/>
+              </a:rPr>
+              <a:t>() </a:t>
+            </a:r>
+            <a:r>
+              <a:rPr lang="en-US" dirty="0">
+                <a:cs typeface="Calibri"/>
+              </a:rPr>
+              <a:t>function.</a:t>
             </a:r>
           </a:p>
           <a:p>
@@ -4921,7 +7819,7 @@
               <a:buNone/>
             </a:pPr>
             <a:r>
-              <a:rPr lang="en-US">
+              <a:rPr lang="en-US" dirty="0">
                 <a:cs typeface="Calibri"/>
               </a:rPr>
               <a:t>                         Sample Output:</a:t>
@@ -4977,6 +7875,13 @@
   <p:clrMapOvr>
     <a:masterClrMapping/>
   </p:clrMapOvr>
+  <p:timing>
+    <p:tnLst>
+      <p:par>
+        <p:cTn id="1" dur="indefinite" restart="never" nodeType="tmRoot"/>
+      </p:par>
+    </p:tnLst>
+  </p:timing>
 </p:sld>
 </file>
 
@@ -5021,7 +7926,7 @@
         </p:spPr>
         <p:txBody>
           <a:bodyPr>
-            <a:normAutofit fontScale="90000"/>
+            <a:normAutofit/>
           </a:bodyPr>
           <a:lstStyle/>
           <a:p>
@@ -5094,9 +7999,28 @@
               <a:rPr lang="en-US" dirty="0">
                 <a:cs typeface="Calibri"/>
               </a:rPr>
-              <a:t>() methods.</a:t>
-            </a:r>
-            <a:endParaRPr lang="en-US" dirty="0"/>
+              <a:t>() methods</a:t>
+            </a:r>
+            <a:r>
+              <a:rPr lang="en-US" dirty="0" smtClean="0">
+                <a:cs typeface="Calibri"/>
+              </a:rPr>
+              <a:t>. </a:t>
+            </a:r>
+            <a:r>
+              <a:rPr lang="en-US" dirty="0" smtClean="0">
+                <a:solidFill>
+                  <a:srgbClr val="FFC000"/>
+                </a:solidFill>
+                <a:cs typeface="Calibri"/>
+              </a:rPr>
+              <a:t>*(Optional to keep output screen active)</a:t>
+            </a:r>
+            <a:endParaRPr lang="en-US" dirty="0">
+              <a:solidFill>
+                <a:srgbClr val="FFC000"/>
+              </a:solidFill>
+            </a:endParaRPr>
           </a:p>
           <a:p>
             <a:pPr marL="0" indent="0">
@@ -5146,9 +8070,6 @@
               </a:rPr>
               <a:t>                         </a:t>
             </a:r>
-            <a:endParaRPr lang="en-US">
-              <a:cs typeface="Calibri"/>
-            </a:endParaRPr>
           </a:p>
           <a:p>
             <a:pPr marL="0" indent="0">
@@ -5173,6 +8094,13 @@
   <p:clrMapOvr>
     <a:masterClrMapping/>
   </p:clrMapOvr>
+  <p:timing>
+    <p:tnLst>
+      <p:par>
+        <p:cTn id="1" dur="indefinite" restart="never" nodeType="tmRoot"/>
+      </p:par>
+    </p:tnLst>
+  </p:timing>
 </p:sld>
 </file>
 
@@ -5217,7 +8145,7 @@
         </p:spPr>
         <p:txBody>
           <a:bodyPr>
-            <a:normAutofit fontScale="90000"/>
+            <a:normAutofit/>
           </a:bodyPr>
           <a:lstStyle/>
           <a:p>
@@ -5323,6 +8251,13 @@
   <p:clrMapOvr>
     <a:masterClrMapping/>
   </p:clrMapOvr>
+  <p:timing>
+    <p:tnLst>
+      <p:par>
+        <p:cTn id="1" dur="indefinite" restart="never" nodeType="tmRoot"/>
+      </p:par>
+    </p:tnLst>
+  </p:timing>
 </p:sld>
 </file>
 
@@ -5367,7 +8302,7 @@
         </p:spPr>
         <p:txBody>
           <a:bodyPr>
-            <a:normAutofit fontScale="90000"/>
+            <a:normAutofit/>
           </a:bodyPr>
           <a:lstStyle/>
           <a:p>
@@ -5492,6 +8427,13 @@
   <p:clrMapOvr>
     <a:masterClrMapping/>
   </p:clrMapOvr>
+  <p:timing>
+    <p:tnLst>
+      <p:par>
+        <p:cTn id="1" dur="indefinite" restart="never" nodeType="tmRoot"/>
+      </p:par>
+    </p:tnLst>
+  </p:timing>
 </p:sld>
 </file>
 
@@ -5514,37 +8456,48 @@
       </p:grpSpPr>
       <p:sp>
         <p:nvSpPr>
-          <p:cNvPr id="2" name="Title 1">
-            <a:extLst>
-              <a:ext uri="{FF2B5EF4-FFF2-40B4-BE49-F238E27FC236}">
-                <a16:creationId xmlns:a16="http://schemas.microsoft.com/office/drawing/2014/main" id="{03291E7C-944B-4995-A901-46BAD25D0D1E}"/>
-              </a:ext>
-            </a:extLst>
-          </p:cNvPr>
-          <p:cNvSpPr>
-            <a:spLocks noGrp="1"/>
-          </p:cNvSpPr>
-          <p:nvPr>
-            <p:ph type="title"/>
-          </p:nvPr>
+          <p:cNvPr id="3" name="TextBox 2"/>
+          <p:cNvSpPr txBox="1"/>
+          <p:nvPr/>
         </p:nvSpPr>
         <p:spPr>
           <a:xfrm>
-            <a:off x="838200" y="2763184"/>
-            <a:ext cx="10515600" cy="1325563"/>
+            <a:off x="1447800" y="2235200"/>
+            <a:ext cx="9321800" cy="1754326"/>
           </a:xfrm>
+          <a:prstGeom prst="rect">
+            <a:avLst/>
+          </a:prstGeom>
+          <a:noFill/>
         </p:spPr>
         <p:txBody>
-          <a:bodyPr/>
+          <a:bodyPr wrap="square" rtlCol="0">
+            <a:spAutoFit/>
+          </a:bodyPr>
           <a:lstStyle/>
           <a:p>
-            <a:pPr algn="ctr"/>
-            <a:r>
-              <a:rPr lang="en-US">
-                <a:cs typeface="Calibri Light"/>
-              </a:rPr>
-              <a:t>THANK YOU</a:t>
-            </a:r>
+            <a:r>
+              <a:rPr lang="en-IN" sz="3600" dirty="0" smtClean="0"/>
+              <a:t>Sample Input</a:t>
+            </a:r>
+            <a:r>
+              <a:rPr lang="en-IN" sz="3600" smtClean="0"/>
+              <a:t>:  13   </a:t>
+            </a:r>
+            <a:r>
+              <a:rPr lang="en-IN" sz="3600" dirty="0" smtClean="0"/>
+              <a:t>9   –   8   +   2   *   4   /   =</a:t>
+            </a:r>
+          </a:p>
+          <a:p>
+            <a:endParaRPr lang="en-IN" sz="3600" dirty="0"/>
+          </a:p>
+          <a:p>
+            <a:r>
+              <a:rPr lang="en-IN" sz="3600" dirty="0" smtClean="0"/>
+              <a:t>Output:   = 6</a:t>
+            </a:r>
+            <a:endParaRPr lang="en-IN" sz="3600" dirty="0"/>
           </a:p>
         </p:txBody>
       </p:sp>
@@ -5558,13 +8511,93 @@
   <p:clrMapOvr>
     <a:masterClrMapping/>
   </p:clrMapOvr>
+  <p:timing>
+    <p:tnLst>
+      <p:par>
+        <p:cTn id="1" dur="indefinite" restart="never" nodeType="tmRoot"/>
+      </p:par>
+    </p:tnLst>
+  </p:timing>
+</p:sld>
+</file>
+
+<file path=ppt/slides/slide8.xml><?xml version="1.0" encoding="utf-8"?>
+<p:sld xmlns:a="http://schemas.openxmlformats.org/drawingml/2006/main" xmlns:r="http://schemas.openxmlformats.org/officeDocument/2006/relationships" xmlns:p="http://schemas.openxmlformats.org/presentationml/2006/main">
+  <p:cSld>
+    <p:spTree>
+      <p:nvGrpSpPr>
+        <p:cNvPr id="1" name=""/>
+        <p:cNvGrpSpPr/>
+        <p:nvPr/>
+      </p:nvGrpSpPr>
+      <p:grpSpPr>
+        <a:xfrm>
+          <a:off x="0" y="0"/>
+          <a:ext cx="0" cy="0"/>
+          <a:chOff x="0" y="0"/>
+          <a:chExt cx="0" cy="0"/>
+        </a:xfrm>
+      </p:grpSpPr>
+      <p:sp>
+        <p:nvSpPr>
+          <p:cNvPr id="2" name="Title 1">
+            <a:extLst>
+              <a:ext uri="{FF2B5EF4-FFF2-40B4-BE49-F238E27FC236}">
+                <a16:creationId xmlns:a16="http://schemas.microsoft.com/office/drawing/2014/main" id="{03291E7C-944B-4995-A901-46BAD25D0D1E}"/>
+              </a:ext>
+            </a:extLst>
+          </p:cNvPr>
+          <p:cNvSpPr>
+            <a:spLocks noGrp="1"/>
+          </p:cNvSpPr>
+          <p:nvPr>
+            <p:ph type="title"/>
+          </p:nvPr>
+        </p:nvSpPr>
+        <p:spPr>
+          <a:xfrm>
+            <a:off x="838200" y="2763184"/>
+            <a:ext cx="10515600" cy="1325563"/>
+          </a:xfrm>
+        </p:spPr>
+        <p:txBody>
+          <a:bodyPr/>
+          <a:lstStyle/>
+          <a:p>
+            <a:pPr algn="ctr"/>
+            <a:r>
+              <a:rPr lang="en-US" dirty="0">
+                <a:cs typeface="Calibri Light"/>
+              </a:rPr>
+              <a:t>THANK YOU</a:t>
+            </a:r>
+          </a:p>
+        </p:txBody>
+      </p:sp>
+    </p:spTree>
+    <p:extLst>
+      <p:ext uri="{BB962C8B-B14F-4D97-AF65-F5344CB8AC3E}">
+        <p14:creationId xmlns:p14="http://schemas.microsoft.com/office/powerpoint/2010/main" val="3912104699"/>
+      </p:ext>
+    </p:extLst>
+  </p:cSld>
+  <p:clrMapOvr>
+    <a:masterClrMapping/>
+  </p:clrMapOvr>
+  <p:timing>
+    <p:tnLst>
+      <p:par>
+        <p:cTn id="1" dur="indefinite" restart="never" nodeType="tmRoot"/>
+      </p:par>
+    </p:tnLst>
+  </p:timing>
 </p:sld>
 </file>
 
 <file path=ppt/theme/theme1.xml><?xml version="1.0" encoding="utf-8"?>
-<a:theme xmlns:a="http://schemas.openxmlformats.org/drawingml/2006/main" name="Office Theme">
+<a:theme xmlns:a="http://schemas.openxmlformats.org/drawingml/2006/main" name="Damask">
   <a:themeElements>
-    <a:clrScheme name="Office Theme">
+    <a:clrScheme name="Damask">
       <a:dk1>
         <a:sysClr val="windowText" lastClr="000000"/>
       </a:dk1>
@@ -5572,44 +8605,44 @@
         <a:sysClr val="window" lastClr="FFFFFF"/>
       </a:lt1>
       <a:dk2>
-        <a:srgbClr val="44546A"/>
+        <a:srgbClr val="2A5B7F"/>
       </a:dk2>
       <a:lt2>
-        <a:srgbClr val="E7E6E6"/>
+        <a:srgbClr val="ABDAFC"/>
       </a:lt2>
       <a:accent1>
-        <a:srgbClr val="4472C4"/>
+        <a:srgbClr val="9EC544"/>
       </a:accent1>
       <a:accent2>
-        <a:srgbClr val="ED7D31"/>
+        <a:srgbClr val="50BEA3"/>
       </a:accent2>
       <a:accent3>
-        <a:srgbClr val="A5A5A5"/>
+        <a:srgbClr val="4A9CCC"/>
       </a:accent3>
       <a:accent4>
-        <a:srgbClr val="FFC000"/>
+        <a:srgbClr val="9A66CA"/>
       </a:accent4>
       <a:accent5>
-        <a:srgbClr val="5B9BD5"/>
+        <a:srgbClr val="C54F71"/>
       </a:accent5>
       <a:accent6>
-        <a:srgbClr val="70AD47"/>
+        <a:srgbClr val="DE9C3C"/>
       </a:accent6>
       <a:hlink>
-        <a:srgbClr val="0563C1"/>
+        <a:srgbClr val="6BA9DA"/>
       </a:hlink>
       <a:folHlink>
-        <a:srgbClr val="954F72"/>
+        <a:srgbClr val="A0BCD3"/>
       </a:folHlink>
     </a:clrScheme>
-    <a:fontScheme name="Office Theme">
+    <a:fontScheme name="Damask">
       <a:majorFont>
-        <a:latin typeface="Calibri Light" panose="020F0302020204030204"/>
+        <a:latin typeface="Bookman Old Style" panose="02050604050505020204"/>
         <a:ea typeface=""/>
         <a:cs typeface=""/>
-        <a:font script="Jpan" typeface="游ゴシック Light"/>
+        <a:font script="Jpan" typeface="ＭＳ Ｐゴシック"/>
         <a:font script="Hang" typeface="맑은 고딕"/>
-        <a:font script="Hans" typeface="等线 Light"/>
+        <a:font script="Hans" typeface="宋体"/>
         <a:font script="Hant" typeface="新細明體"/>
         <a:font script="Arab" typeface="Times New Roman"/>
         <a:font script="Hebr" typeface="Times New Roman"/>
@@ -5639,12 +8672,12 @@
         <a:font script="Geor" typeface="Sylfaen"/>
       </a:majorFont>
       <a:minorFont>
-        <a:latin typeface="Calibri" panose="020F0502020204030204"/>
+        <a:latin typeface="Rockwell" panose="02060603020205020403"/>
         <a:ea typeface=""/>
         <a:cs typeface=""/>
-        <a:font script="Jpan" typeface="游ゴシック"/>
+        <a:font script="Jpan" typeface="ＭＳ Ｐゴシック"/>
         <a:font script="Hang" typeface="맑은 고딕"/>
-        <a:font script="Hans" typeface="等线"/>
+        <a:font script="Hans" typeface="宋体"/>
         <a:font script="Hant" typeface="新細明體"/>
         <a:font script="Arab" typeface="Arial"/>
         <a:font script="Hebr" typeface="Arial"/>
@@ -5674,7 +8707,7 @@
         <a:font script="Geor" typeface="Sylfaen"/>
       </a:minorFont>
     </a:fontScheme>
-    <a:fmtScheme name="Office Theme">
+    <a:fmtScheme name="Damask">
       <a:fillStyleLst>
         <a:solidFill>
           <a:schemeClr val="phClr"/>
@@ -5683,23 +8716,16 @@
           <a:gsLst>
             <a:gs pos="0">
               <a:schemeClr val="phClr">
+                <a:tint val="48000"/>
+                <a:satMod val="105000"/>
                 <a:lumMod val="110000"/>
-                <a:satMod val="105000"/>
-                <a:tint val="67000"/>
-              </a:schemeClr>
-            </a:gs>
-            <a:gs pos="50000">
-              <a:schemeClr val="phClr">
-                <a:lumMod val="105000"/>
-                <a:satMod val="103000"/>
-                <a:tint val="73000"/>
               </a:schemeClr>
             </a:gs>
             <a:gs pos="100000">
               <a:schemeClr val="phClr">
-                <a:lumMod val="105000"/>
+                <a:tint val="78000"/>
                 <a:satMod val="109000"/>
-                <a:tint val="81000"/>
+                <a:lumMod val="100000"/>
               </a:schemeClr>
             </a:gs>
           </a:gsLst>
@@ -5709,23 +8735,23 @@
           <a:gsLst>
             <a:gs pos="0">
               <a:schemeClr val="phClr">
-                <a:satMod val="103000"/>
-                <a:lumMod val="102000"/>
                 <a:tint val="94000"/>
+                <a:satMod val="100000"/>
+                <a:lumMod val="104000"/>
               </a:schemeClr>
             </a:gs>
-            <a:gs pos="50000">
+            <a:gs pos="69000">
               <a:schemeClr val="phClr">
-                <a:satMod val="110000"/>
-                <a:lumMod val="100000"/>
-                <a:shade val="100000"/>
+                <a:shade val="86000"/>
+                <a:satMod val="130000"/>
+                <a:lumMod val="102000"/>
               </a:schemeClr>
             </a:gs>
             <a:gs pos="100000">
               <a:schemeClr val="phClr">
-                <a:lumMod val="99000"/>
-                <a:satMod val="120000"/>
-                <a:shade val="78000"/>
+                <a:shade val="72000"/>
+                <a:satMod val="130000"/>
+                <a:lumMod val="100000"/>
               </a:schemeClr>
             </a:gs>
           </a:gsLst>
@@ -5733,26 +8759,23 @@
         </a:gradFill>
       </a:fillStyleLst>
       <a:lnStyleLst>
-        <a:ln w="6350" cap="flat" cmpd="sng" algn="ctr">
-          <a:solidFill>
-            <a:schemeClr val="phClr"/>
-          </a:solidFill>
-          <a:prstDash val="solid"/>
-          <a:miter lim="800000"/>
-        </a:ln>
         <a:ln w="12700" cap="flat" cmpd="sng" algn="ctr">
           <a:solidFill>
             <a:schemeClr val="phClr"/>
           </a:solidFill>
           <a:prstDash val="solid"/>
-          <a:miter lim="800000"/>
         </a:ln>
         <a:ln w="19050" cap="flat" cmpd="sng" algn="ctr">
           <a:solidFill>
             <a:schemeClr val="phClr"/>
           </a:solidFill>
           <a:prstDash val="solid"/>
-          <a:miter lim="800000"/>
+        </a:ln>
+        <a:ln w="25400" cap="flat" cmpd="sng" algn="ctr">
+          <a:solidFill>
+            <a:schemeClr val="phClr"/>
+          </a:solidFill>
+          <a:prstDash val="solid"/>
         </a:ln>
       </a:lnStyleLst>
       <a:effectStyleLst>
@@ -5760,16 +8783,31 @@
           <a:effectLst/>
         </a:effectStyle>
         <a:effectStyle>
-          <a:effectLst/>
+          <a:effectLst>
+            <a:outerShdw blurRad="50800" dist="38100" dir="5400000" sy="96000" rotWithShape="0">
+              <a:srgbClr val="000000">
+                <a:alpha val="54000"/>
+              </a:srgbClr>
+            </a:outerShdw>
+          </a:effectLst>
         </a:effectStyle>
         <a:effectStyle>
           <a:effectLst>
-            <a:outerShdw blurRad="57150" dist="19050" dir="5400000" algn="ctr" rotWithShape="0">
+            <a:outerShdw blurRad="76200" dist="38100" dir="5400000" algn="ctr" rotWithShape="0">
               <a:srgbClr val="000000">
-                <a:alpha val="63000"/>
+                <a:alpha val="76000"/>
               </a:srgbClr>
             </a:outerShdw>
           </a:effectLst>
+          <a:scene3d>
+            <a:camera prst="orthographicFront">
+              <a:rot lat="0" lon="0" rev="0"/>
+            </a:camera>
+            <a:lightRig rig="balanced" dir="t"/>
+          </a:scene3d>
+          <a:sp3d prstMaterial="matte">
+            <a:bevelT w="25400" h="25400" prst="relaxedInset"/>
+          </a:sp3d>
         </a:effectStyle>
       </a:effectStyleLst>
       <a:bgFillStyleLst>
@@ -5782,33 +8820,23 @@
             <a:satMod val="170000"/>
           </a:schemeClr>
         </a:solidFill>
-        <a:gradFill rotWithShape="1">
-          <a:gsLst>
-            <a:gs pos="0">
+        <a:blipFill rotWithShape="1">
+          <a:blip xmlns:r="http://schemas.openxmlformats.org/officeDocument/2006/relationships" r:embed="rId1">
+            <a:duotone>
               <a:schemeClr val="phClr">
-                <a:tint val="93000"/>
-                <a:satMod val="150000"/>
-                <a:shade val="98000"/>
-                <a:lumMod val="102000"/>
+                <a:shade val="18000"/>
+                <a:satMod val="160000"/>
+                <a:lumMod val="28000"/>
               </a:schemeClr>
-            </a:gs>
-            <a:gs pos="50000">
               <a:schemeClr val="phClr">
-                <a:tint val="98000"/>
-                <a:satMod val="130000"/>
-                <a:shade val="90000"/>
-                <a:lumMod val="103000"/>
+                <a:tint val="95000"/>
+                <a:satMod val="160000"/>
+                <a:lumMod val="116000"/>
               </a:schemeClr>
-            </a:gs>
-            <a:gs pos="100000">
-              <a:schemeClr val="phClr">
-                <a:shade val="63000"/>
-                <a:satMod val="120000"/>
-              </a:schemeClr>
-            </a:gs>
-          </a:gsLst>
-          <a:lin ang="5400000" scaled="0"/>
-        </a:gradFill>
+            </a:duotone>
+          </a:blip>
+          <a:stretch/>
+        </a:blipFill>
       </a:bgFillStyleLst>
     </a:fmtScheme>
   </a:themeElements>
@@ -5816,7 +8844,7 @@
   <a:extraClrSchemeLst/>
   <a:extLst>
     <a:ext uri="{05A4C25C-085E-4340-85A3-A5531E510DB2}">
-      <thm15:themeFamily xmlns:thm15="http://schemas.microsoft.com/office/thememl/2012/main" name="Office Theme" id="{62F939B6-93AF-4DB8-9C6B-D6C7DFDC589F}" vid="{4A3C46E8-61CC-4603-A589-7422A47A8E4A}"/>
+      <thm15:themeFamily xmlns:thm15="http://schemas.microsoft.com/office/thememl/2012/main" name="Damask" id="{F9A299A0-33D0-4E0F-9F3F-7163E3744208}" vid="{746EEEEA-FB6A-406B-B510-531588D54811}"/>
     </a:ext>
   </a:extLst>
 </a:theme>

--- a/Round-2.pptx
+++ b/Round-2.pptx
@@ -7519,13 +7519,7 @@
               <a:rPr lang="en-US" dirty="0" smtClean="0">
                 <a:cs typeface="Calibri"/>
               </a:rPr>
-              <a:t>eliminate</a:t>
-            </a:r>
-            <a:r>
-              <a:rPr lang="en-US" dirty="0" smtClean="0">
-                <a:cs typeface="Calibri"/>
-              </a:rPr>
-              <a:t> </a:t>
+              <a:t>eliminate </a:t>
             </a:r>
             <a:r>
               <a:rPr lang="en-US" dirty="0">
@@ -8462,8 +8456,8 @@
         </p:nvSpPr>
         <p:spPr>
           <a:xfrm>
-            <a:off x="1447800" y="2235200"/>
-            <a:ext cx="9321800" cy="1754326"/>
+            <a:off x="1422400" y="1765300"/>
+            <a:ext cx="10134600" cy="3416320"/>
           </a:xfrm>
           <a:prstGeom prst="rect">
             <a:avLst/>
@@ -8478,15 +8472,59 @@
           <a:p>
             <a:r>
               <a:rPr lang="en-IN" sz="3600" dirty="0" smtClean="0"/>
-              <a:t>Sample Input</a:t>
+              <a:t>Sample Input:  </a:t>
+            </a:r>
+            <a:r>
+              <a:rPr lang="en-IN" sz="3600"/>
+              <a:t>9</a:t>
             </a:r>
             <a:r>
               <a:rPr lang="en-IN" sz="3600" smtClean="0"/>
-              <a:t>:  13   </a:t>
+              <a:t>  </a:t>
+            </a:r>
+            <a:r>
+              <a:rPr lang="en-IN" sz="3600" smtClean="0"/>
+              <a:t>13</a:t>
+            </a:r>
+            <a:r>
+              <a:rPr lang="en-IN" sz="3600" smtClean="0"/>
+              <a:t>  –  =  </a:t>
             </a:r>
             <a:r>
               <a:rPr lang="en-IN" sz="3600" dirty="0" smtClean="0"/>
-              <a:t>9   –   8   +   2   *   4   /   =</a:t>
+              <a:t>8   </a:t>
+            </a:r>
+            <a:r>
+              <a:rPr lang="en-IN" sz="3600" smtClean="0"/>
+              <a:t>+ </a:t>
+            </a:r>
+            <a:r>
+              <a:rPr lang="en-IN" sz="3600" smtClean="0"/>
+              <a:t> =  </a:t>
+            </a:r>
+            <a:r>
+              <a:rPr lang="en-IN" sz="3600" dirty="0" smtClean="0"/>
+              <a:t>2   </a:t>
+            </a:r>
+            <a:r>
+              <a:rPr lang="en-IN" sz="3600" smtClean="0"/>
+              <a:t>* </a:t>
+            </a:r>
+            <a:r>
+              <a:rPr lang="en-IN" sz="3600" smtClean="0"/>
+              <a:t> =  </a:t>
+            </a:r>
+            <a:r>
+              <a:rPr lang="en-IN" sz="3600" smtClean="0"/>
+              <a:t>4 </a:t>
+            </a:r>
+            <a:r>
+              <a:rPr lang="en-IN" sz="3600" smtClean="0"/>
+              <a:t> </a:t>
+            </a:r>
+            <a:r>
+              <a:rPr lang="en-IN" sz="3600" dirty="0" smtClean="0"/>
+              <a:t>/   =</a:t>
             </a:r>
           </a:p>
           <a:p>
@@ -8495,7 +8533,41 @@
           <a:p>
             <a:r>
               <a:rPr lang="en-IN" sz="3600" dirty="0" smtClean="0"/>
-              <a:t>Output:   = 6</a:t>
+              <a:t>Output</a:t>
+            </a:r>
+            <a:r>
+              <a:rPr lang="en-IN" sz="3600" dirty="0" smtClean="0"/>
+              <a:t>:	= 4</a:t>
+            </a:r>
+          </a:p>
+          <a:p>
+            <a:r>
+              <a:rPr lang="en-IN" sz="3600" dirty="0"/>
+              <a:t>	</a:t>
+            </a:r>
+            <a:r>
+              <a:rPr lang="en-IN" sz="3600" dirty="0" smtClean="0"/>
+              <a:t>	= 12</a:t>
+            </a:r>
+          </a:p>
+          <a:p>
+            <a:r>
+              <a:rPr lang="en-IN" sz="3600" dirty="0"/>
+              <a:t>	</a:t>
+            </a:r>
+            <a:r>
+              <a:rPr lang="en-IN" sz="3600" dirty="0" smtClean="0"/>
+              <a:t>	= 24</a:t>
+            </a:r>
+          </a:p>
+          <a:p>
+            <a:r>
+              <a:rPr lang="en-IN" sz="3600" dirty="0"/>
+              <a:t>	</a:t>
+            </a:r>
+            <a:r>
+              <a:rPr lang="en-IN" sz="3600" dirty="0" smtClean="0"/>
+              <a:t>	= 6</a:t>
             </a:r>
             <a:endParaRPr lang="en-IN" sz="3600" dirty="0"/>
           </a:p>

--- a/Round-2.pptx
+++ b/Round-2.pptx
@@ -8001,6 +8001,23 @@
               </a:rPr>
               <a:t>. </a:t>
             </a:r>
+            <a:endParaRPr lang="en-US" dirty="0" smtClean="0">
+              <a:cs typeface="Calibri"/>
+            </a:endParaRPr>
+          </a:p>
+          <a:p>
+            <a:pPr marL="0" indent="0">
+              <a:buNone/>
+            </a:pPr>
+            <a:r>
+              <a:rPr lang="en-US" smtClean="0">
+                <a:solidFill>
+                  <a:srgbClr val="FFC000"/>
+                </a:solidFill>
+                <a:cs typeface="Calibri"/>
+              </a:rPr>
+              <a:t>*(</a:t>
+            </a:r>
             <a:r>
               <a:rPr lang="en-US" dirty="0" smtClean="0">
                 <a:solidFill>
@@ -8008,7 +8025,25 @@
                 </a:solidFill>
                 <a:cs typeface="Calibri"/>
               </a:rPr>
-              <a:t>*(Optional to keep output screen active)</a:t>
+              <a:t>Optional to keep output screen </a:t>
+            </a:r>
+            <a:r>
+              <a:rPr lang="en-US" dirty="0" smtClean="0">
+                <a:solidFill>
+                  <a:srgbClr val="FFC000"/>
+                </a:solidFill>
+                <a:cs typeface="Calibri"/>
+              </a:rPr>
+              <a:t>active and clear screen for every </a:t>
+            </a:r>
+            <a:r>
+              <a:rPr lang="en-US" smtClean="0">
+                <a:solidFill>
+                  <a:srgbClr val="FFC000"/>
+                </a:solidFill>
+                <a:cs typeface="Calibri"/>
+              </a:rPr>
+              <a:t>new execution)</a:t>
             </a:r>
             <a:endParaRPr lang="en-US" dirty="0">
               <a:solidFill>
@@ -8480,15 +8515,7 @@
             </a:r>
             <a:r>
               <a:rPr lang="en-IN" sz="3600" smtClean="0"/>
-              <a:t>  </a:t>
-            </a:r>
-            <a:r>
-              <a:rPr lang="en-IN" sz="3600" smtClean="0"/>
-              <a:t>13</a:t>
-            </a:r>
-            <a:r>
-              <a:rPr lang="en-IN" sz="3600" smtClean="0"/>
-              <a:t>  –  =  </a:t>
+              <a:t>  13  –  =  </a:t>
             </a:r>
             <a:r>
               <a:rPr lang="en-IN" sz="3600" dirty="0" smtClean="0"/>
@@ -8496,11 +8523,7 @@
             </a:r>
             <a:r>
               <a:rPr lang="en-IN" sz="3600" smtClean="0"/>
-              <a:t>+ </a:t>
-            </a:r>
-            <a:r>
-              <a:rPr lang="en-IN" sz="3600" smtClean="0"/>
-              <a:t> =  </a:t>
+              <a:t>+  =  </a:t>
             </a:r>
             <a:r>
               <a:rPr lang="en-IN" sz="3600" dirty="0" smtClean="0"/>
@@ -8508,19 +8531,7 @@
             </a:r>
             <a:r>
               <a:rPr lang="en-IN" sz="3600" smtClean="0"/>
-              <a:t>* </a:t>
-            </a:r>
-            <a:r>
-              <a:rPr lang="en-IN" sz="3600" smtClean="0"/>
-              <a:t> =  </a:t>
-            </a:r>
-            <a:r>
-              <a:rPr lang="en-IN" sz="3600" smtClean="0"/>
-              <a:t>4 </a:t>
-            </a:r>
-            <a:r>
-              <a:rPr lang="en-IN" sz="3600" smtClean="0"/>
-              <a:t> </a:t>
+              <a:t>*  =  4  </a:t>
             </a:r>
             <a:r>
               <a:rPr lang="en-IN" sz="3600" dirty="0" smtClean="0"/>
@@ -8533,11 +8544,7 @@
           <a:p>
             <a:r>
               <a:rPr lang="en-IN" sz="3600" dirty="0" smtClean="0"/>
-              <a:t>Output</a:t>
-            </a:r>
-            <a:r>
-              <a:rPr lang="en-IN" sz="3600" dirty="0" smtClean="0"/>
-              <a:t>:	= 4</a:t>
+              <a:t>Output:	= 4</a:t>
             </a:r>
           </a:p>
           <a:p>
